--- a/Project_Ideas.pptx
+++ b/Project_Ideas.pptx
@@ -2,15 +2,20 @@
 <file path=ppt/presentation.xml><?xml version="1.0" encoding="utf-8"?>
 <p:presentation xmlns:a="http://schemas.openxmlformats.org/drawingml/2006/main" xmlns:r="http://schemas.openxmlformats.org/officeDocument/2006/relationships" xmlns:p="http://schemas.openxmlformats.org/presentationml/2006/main" saveSubsetFonts="1">
   <p:sldMasterIdLst>
-    <p:sldMasterId id="2147483648" r:id="rId1"/>
+    <p:sldMasterId id="2147483828" r:id="rId1"/>
   </p:sldMasterIdLst>
   <p:sldIdLst>
-    <p:sldId id="256" r:id="rId2"/>
-    <p:sldId id="257" r:id="rId3"/>
-    <p:sldId id="263" r:id="rId4"/>
-    <p:sldId id="264" r:id="rId5"/>
-    <p:sldId id="265" r:id="rId6"/>
-    <p:sldId id="262" r:id="rId7"/>
+    <p:sldId id="267" r:id="rId2"/>
+    <p:sldId id="266" r:id="rId3"/>
+    <p:sldId id="268" r:id="rId4"/>
+    <p:sldId id="256" r:id="rId5"/>
+    <p:sldId id="269" r:id="rId6"/>
+    <p:sldId id="257" r:id="rId7"/>
+    <p:sldId id="263" r:id="rId8"/>
+    <p:sldId id="264" r:id="rId9"/>
+    <p:sldId id="265" r:id="rId10"/>
+    <p:sldId id="262" r:id="rId11"/>
+    <p:sldId id="270" r:id="rId12"/>
   </p:sldIdLst>
   <p:sldSz cx="12192000" cy="6858000"/>
   <p:notesSz cx="6858000" cy="9144000"/>
@@ -18,7 +23,7 @@
     <a:defPPr>
       <a:defRPr lang="en-US"/>
     </a:defPPr>
-    <a:lvl1pPr marL="0" algn="l" defTabSz="914400" rtl="0" eaLnBrk="1" latinLnBrk="0" hangingPunct="1">
+    <a:lvl1pPr marL="0" algn="l" defTabSz="457200" rtl="0" eaLnBrk="1" latinLnBrk="0" hangingPunct="1">
       <a:defRPr sz="1800" kern="1200">
         <a:solidFill>
           <a:schemeClr val="tx1"/>
@@ -28,7 +33,7 @@
         <a:cs typeface="+mn-cs"/>
       </a:defRPr>
     </a:lvl1pPr>
-    <a:lvl2pPr marL="457200" algn="l" defTabSz="914400" rtl="0" eaLnBrk="1" latinLnBrk="0" hangingPunct="1">
+    <a:lvl2pPr marL="457200" algn="l" defTabSz="457200" rtl="0" eaLnBrk="1" latinLnBrk="0" hangingPunct="1">
       <a:defRPr sz="1800" kern="1200">
         <a:solidFill>
           <a:schemeClr val="tx1"/>
@@ -38,7 +43,7 @@
         <a:cs typeface="+mn-cs"/>
       </a:defRPr>
     </a:lvl2pPr>
-    <a:lvl3pPr marL="914400" algn="l" defTabSz="914400" rtl="0" eaLnBrk="1" latinLnBrk="0" hangingPunct="1">
+    <a:lvl3pPr marL="914400" algn="l" defTabSz="457200" rtl="0" eaLnBrk="1" latinLnBrk="0" hangingPunct="1">
       <a:defRPr sz="1800" kern="1200">
         <a:solidFill>
           <a:schemeClr val="tx1"/>
@@ -48,7 +53,7 @@
         <a:cs typeface="+mn-cs"/>
       </a:defRPr>
     </a:lvl3pPr>
-    <a:lvl4pPr marL="1371600" algn="l" defTabSz="914400" rtl="0" eaLnBrk="1" latinLnBrk="0" hangingPunct="1">
+    <a:lvl4pPr marL="1371600" algn="l" defTabSz="457200" rtl="0" eaLnBrk="1" latinLnBrk="0" hangingPunct="1">
       <a:defRPr sz="1800" kern="1200">
         <a:solidFill>
           <a:schemeClr val="tx1"/>
@@ -58,7 +63,7 @@
         <a:cs typeface="+mn-cs"/>
       </a:defRPr>
     </a:lvl4pPr>
-    <a:lvl5pPr marL="1828800" algn="l" defTabSz="914400" rtl="0" eaLnBrk="1" latinLnBrk="0" hangingPunct="1">
+    <a:lvl5pPr marL="1828800" algn="l" defTabSz="457200" rtl="0" eaLnBrk="1" latinLnBrk="0" hangingPunct="1">
       <a:defRPr sz="1800" kern="1200">
         <a:solidFill>
           <a:schemeClr val="tx1"/>
@@ -68,7 +73,7 @@
         <a:cs typeface="+mn-cs"/>
       </a:defRPr>
     </a:lvl5pPr>
-    <a:lvl6pPr marL="2286000" algn="l" defTabSz="914400" rtl="0" eaLnBrk="1" latinLnBrk="0" hangingPunct="1">
+    <a:lvl6pPr marL="2286000" algn="l" defTabSz="457200" rtl="0" eaLnBrk="1" latinLnBrk="0" hangingPunct="1">
       <a:defRPr sz="1800" kern="1200">
         <a:solidFill>
           <a:schemeClr val="tx1"/>
@@ -78,7 +83,7 @@
         <a:cs typeface="+mn-cs"/>
       </a:defRPr>
     </a:lvl6pPr>
-    <a:lvl7pPr marL="2743200" algn="l" defTabSz="914400" rtl="0" eaLnBrk="1" latinLnBrk="0" hangingPunct="1">
+    <a:lvl7pPr marL="2743200" algn="l" defTabSz="457200" rtl="0" eaLnBrk="1" latinLnBrk="0" hangingPunct="1">
       <a:defRPr sz="1800" kern="1200">
         <a:solidFill>
           <a:schemeClr val="tx1"/>
@@ -88,7 +93,7 @@
         <a:cs typeface="+mn-cs"/>
       </a:defRPr>
     </a:lvl7pPr>
-    <a:lvl8pPr marL="3200400" algn="l" defTabSz="914400" rtl="0" eaLnBrk="1" latinLnBrk="0" hangingPunct="1">
+    <a:lvl8pPr marL="3200400" algn="l" defTabSz="457200" rtl="0" eaLnBrk="1" latinLnBrk="0" hangingPunct="1">
       <a:defRPr sz="1800" kern="1200">
         <a:solidFill>
           <a:schemeClr val="tx1"/>
@@ -98,7 +103,7 @@
         <a:cs typeface="+mn-cs"/>
       </a:defRPr>
     </a:lvl8pPr>
-    <a:lvl9pPr marL="3657600" algn="l" defTabSz="914400" rtl="0" eaLnBrk="1" latinLnBrk="0" hangingPunct="1">
+    <a:lvl9pPr marL="3657600" algn="l" defTabSz="457200" rtl="0" eaLnBrk="1" latinLnBrk="0" hangingPunct="1">
       <a:defRPr sz="1800" kern="1200">
         <a:solidFill>
           <a:schemeClr val="tx1"/>
@@ -109,11 +114,16 @@
       </a:defRPr>
     </a:lvl9pPr>
   </p:defaultTextStyle>
+  <p:extLst>
+    <p:ext uri="{EFAFB233-063F-42B5-8137-9DF3F51BA10A}">
+      <p15:sldGuideLst xmlns:p15="http://schemas.microsoft.com/office/powerpoint/2012/main"/>
+    </p:ext>
+  </p:extLst>
 </p:presentation>
 </file>
 
 <file path=ppt/slideLayouts/slideLayout1.xml><?xml version="1.0" encoding="utf-8"?>
-<p:sldLayout xmlns:a="http://schemas.openxmlformats.org/drawingml/2006/main" xmlns:r="http://schemas.openxmlformats.org/officeDocument/2006/relationships" xmlns:p="http://schemas.openxmlformats.org/presentationml/2006/main" type="title" preserve="1">
+<p:sldLayout xmlns:a="http://schemas.openxmlformats.org/drawingml/2006/main" xmlns:r="http://schemas.openxmlformats.org/officeDocument/2006/relationships" xmlns:p="http://schemas.openxmlformats.org/presentationml/2006/main" showMasterSp="0" type="title" preserve="1">
   <p:cSld name="Title Slide">
     <p:spTree>
       <p:nvGrpSpPr>
@@ -129,15 +139,322 @@
           <a:chExt cx="0" cy="0"/>
         </a:xfrm>
       </p:grpSpPr>
-      <p:sp>
-        <p:nvSpPr>
-          <p:cNvPr id="2" name="Title 1">
-            <a:extLst>
-              <a:ext uri="{FF2B5EF4-FFF2-40B4-BE49-F238E27FC236}">
-                <a16:creationId xmlns:a16="http://schemas.microsoft.com/office/drawing/2014/main" id="{F6B4117A-5850-4B08-BAE3-7FFABF3B86E7}"/>
-              </a:ext>
-            </a:extLst>
-          </p:cNvPr>
+      <p:grpSp>
+        <p:nvGrpSpPr>
+          <p:cNvPr id="19" name="Group 18"/>
+          <p:cNvGrpSpPr/>
+          <p:nvPr/>
+        </p:nvGrpSpPr>
+        <p:grpSpPr>
+          <a:xfrm>
+            <a:off x="546100" y="-4763"/>
+            <a:ext cx="5014912" cy="6862763"/>
+            <a:chOff x="2928938" y="-4763"/>
+            <a:chExt cx="5014912" cy="6862763"/>
+          </a:xfrm>
+        </p:grpSpPr>
+        <p:sp>
+          <p:nvSpPr>
+            <p:cNvPr id="22" name="Freeform 6"/>
+            <p:cNvSpPr/>
+            <p:nvPr/>
+          </p:nvSpPr>
+          <p:spPr bwMode="auto">
+            <a:xfrm>
+              <a:off x="3367088" y="-4763"/>
+              <a:ext cx="1063625" cy="2782888"/>
+            </a:xfrm>
+            <a:custGeom>
+              <a:avLst/>
+              <a:gdLst/>
+              <a:ahLst/>
+              <a:cxnLst/>
+              <a:rect l="0" t="0" r="r" b="b"/>
+              <a:pathLst>
+                <a:path w="670" h="1753">
+                  <a:moveTo>
+                    <a:pt x="0" y="1696"/>
+                  </a:moveTo>
+                  <a:lnTo>
+                    <a:pt x="225" y="1753"/>
+                  </a:lnTo>
+                  <a:lnTo>
+                    <a:pt x="670" y="0"/>
+                  </a:lnTo>
+                  <a:lnTo>
+                    <a:pt x="430" y="0"/>
+                  </a:lnTo>
+                  <a:lnTo>
+                    <a:pt x="0" y="1696"/>
+                  </a:lnTo>
+                  <a:close/>
+                </a:path>
+              </a:pathLst>
+            </a:custGeom>
+            <a:solidFill>
+              <a:schemeClr val="accent1"/>
+            </a:solidFill>
+            <a:ln>
+              <a:noFill/>
+            </a:ln>
+          </p:spPr>
+        </p:sp>
+        <p:sp>
+          <p:nvSpPr>
+            <p:cNvPr id="23" name="Freeform 7"/>
+            <p:cNvSpPr/>
+            <p:nvPr/>
+          </p:nvSpPr>
+          <p:spPr bwMode="auto">
+            <a:xfrm>
+              <a:off x="2928938" y="-4763"/>
+              <a:ext cx="1035050" cy="2673350"/>
+            </a:xfrm>
+            <a:custGeom>
+              <a:avLst/>
+              <a:gdLst/>
+              <a:ahLst/>
+              <a:cxnLst/>
+              <a:rect l="0" t="0" r="r" b="b"/>
+              <a:pathLst>
+                <a:path w="652" h="1684">
+                  <a:moveTo>
+                    <a:pt x="225" y="1684"/>
+                  </a:moveTo>
+                  <a:lnTo>
+                    <a:pt x="652" y="0"/>
+                  </a:lnTo>
+                  <a:lnTo>
+                    <a:pt x="411" y="0"/>
+                  </a:lnTo>
+                  <a:lnTo>
+                    <a:pt x="0" y="1627"/>
+                  </a:lnTo>
+                  <a:lnTo>
+                    <a:pt x="219" y="1681"/>
+                  </a:lnTo>
+                  <a:lnTo>
+                    <a:pt x="225" y="1684"/>
+                  </a:lnTo>
+                  <a:close/>
+                </a:path>
+              </a:pathLst>
+            </a:custGeom>
+            <a:solidFill>
+              <a:schemeClr val="tx1">
+                <a:lumMod val="65000"/>
+                <a:lumOff val="35000"/>
+              </a:schemeClr>
+            </a:solidFill>
+            <a:ln>
+              <a:noFill/>
+            </a:ln>
+          </p:spPr>
+        </p:sp>
+        <p:sp>
+          <p:nvSpPr>
+            <p:cNvPr id="24" name="Freeform 9"/>
+            <p:cNvSpPr/>
+            <p:nvPr/>
+          </p:nvSpPr>
+          <p:spPr bwMode="auto">
+            <a:xfrm>
+              <a:off x="2928938" y="2582862"/>
+              <a:ext cx="2693987" cy="4275138"/>
+            </a:xfrm>
+            <a:custGeom>
+              <a:avLst/>
+              <a:gdLst/>
+              <a:ahLst/>
+              <a:cxnLst/>
+              <a:rect l="0" t="0" r="r" b="b"/>
+              <a:pathLst>
+                <a:path w="1697" h="2693">
+                  <a:moveTo>
+                    <a:pt x="0" y="0"/>
+                  </a:moveTo>
+                  <a:lnTo>
+                    <a:pt x="1622" y="2693"/>
+                  </a:lnTo>
+                  <a:lnTo>
+                    <a:pt x="1697" y="2693"/>
+                  </a:lnTo>
+                  <a:lnTo>
+                    <a:pt x="0" y="0"/>
+                  </a:lnTo>
+                  <a:close/>
+                </a:path>
+              </a:pathLst>
+            </a:custGeom>
+            <a:solidFill>
+              <a:schemeClr val="tx1">
+                <a:lumMod val="85000"/>
+                <a:lumOff val="15000"/>
+              </a:schemeClr>
+            </a:solidFill>
+            <a:ln>
+              <a:noFill/>
+            </a:ln>
+          </p:spPr>
+        </p:sp>
+        <p:sp>
+          <p:nvSpPr>
+            <p:cNvPr id="25" name="Freeform 10"/>
+            <p:cNvSpPr/>
+            <p:nvPr/>
+          </p:nvSpPr>
+          <p:spPr bwMode="auto">
+            <a:xfrm>
+              <a:off x="3371850" y="2692400"/>
+              <a:ext cx="3332162" cy="4165600"/>
+            </a:xfrm>
+            <a:custGeom>
+              <a:avLst/>
+              <a:gdLst/>
+              <a:ahLst/>
+              <a:cxnLst/>
+              <a:rect l="0" t="0" r="r" b="b"/>
+              <a:pathLst>
+                <a:path w="2099" h="2624">
+                  <a:moveTo>
+                    <a:pt x="2099" y="2624"/>
+                  </a:moveTo>
+                  <a:lnTo>
+                    <a:pt x="0" y="0"/>
+                  </a:lnTo>
+                  <a:lnTo>
+                    <a:pt x="2021" y="2624"/>
+                  </a:lnTo>
+                  <a:lnTo>
+                    <a:pt x="2099" y="2624"/>
+                  </a:lnTo>
+                  <a:close/>
+                </a:path>
+              </a:pathLst>
+            </a:custGeom>
+            <a:solidFill>
+              <a:schemeClr val="accent1">
+                <a:lumMod val="50000"/>
+              </a:schemeClr>
+            </a:solidFill>
+            <a:ln>
+              <a:noFill/>
+            </a:ln>
+          </p:spPr>
+        </p:sp>
+        <p:sp>
+          <p:nvSpPr>
+            <p:cNvPr id="26" name="Freeform 11"/>
+            <p:cNvSpPr/>
+            <p:nvPr/>
+          </p:nvSpPr>
+          <p:spPr bwMode="auto">
+            <a:xfrm>
+              <a:off x="3367088" y="2687637"/>
+              <a:ext cx="4576762" cy="4170363"/>
+            </a:xfrm>
+            <a:custGeom>
+              <a:avLst/>
+              <a:gdLst/>
+              <a:ahLst/>
+              <a:cxnLst/>
+              <a:rect l="0" t="0" r="r" b="b"/>
+              <a:pathLst>
+                <a:path w="2883" h="2627">
+                  <a:moveTo>
+                    <a:pt x="0" y="0"/>
+                  </a:moveTo>
+                  <a:lnTo>
+                    <a:pt x="3" y="3"/>
+                  </a:lnTo>
+                  <a:lnTo>
+                    <a:pt x="2102" y="2627"/>
+                  </a:lnTo>
+                  <a:lnTo>
+                    <a:pt x="2883" y="2627"/>
+                  </a:lnTo>
+                  <a:lnTo>
+                    <a:pt x="225" y="57"/>
+                  </a:lnTo>
+                  <a:lnTo>
+                    <a:pt x="0" y="0"/>
+                  </a:lnTo>
+                  <a:close/>
+                </a:path>
+              </a:pathLst>
+            </a:custGeom>
+            <a:solidFill>
+              <a:schemeClr val="accent1">
+                <a:lumMod val="75000"/>
+              </a:schemeClr>
+            </a:solidFill>
+            <a:ln>
+              <a:noFill/>
+            </a:ln>
+          </p:spPr>
+        </p:sp>
+        <p:sp>
+          <p:nvSpPr>
+            <p:cNvPr id="27" name="Freeform 12"/>
+            <p:cNvSpPr/>
+            <p:nvPr/>
+          </p:nvSpPr>
+          <p:spPr bwMode="auto">
+            <a:xfrm>
+              <a:off x="2928938" y="2578100"/>
+              <a:ext cx="3584575" cy="4279900"/>
+            </a:xfrm>
+            <a:custGeom>
+              <a:avLst/>
+              <a:gdLst/>
+              <a:ahLst/>
+              <a:cxnLst/>
+              <a:rect l="0" t="0" r="r" b="b"/>
+              <a:pathLst>
+                <a:path w="2258" h="2696">
+                  <a:moveTo>
+                    <a:pt x="2258" y="2696"/>
+                  </a:moveTo>
+                  <a:lnTo>
+                    <a:pt x="264" y="111"/>
+                  </a:lnTo>
+                  <a:lnTo>
+                    <a:pt x="228" y="60"/>
+                  </a:lnTo>
+                  <a:lnTo>
+                    <a:pt x="225" y="57"/>
+                  </a:lnTo>
+                  <a:lnTo>
+                    <a:pt x="0" y="0"/>
+                  </a:lnTo>
+                  <a:lnTo>
+                    <a:pt x="0" y="3"/>
+                  </a:lnTo>
+                  <a:lnTo>
+                    <a:pt x="1697" y="2696"/>
+                  </a:lnTo>
+                  <a:lnTo>
+                    <a:pt x="2258" y="2696"/>
+                  </a:lnTo>
+                  <a:close/>
+                </a:path>
+              </a:pathLst>
+            </a:custGeom>
+            <a:solidFill>
+              <a:schemeClr val="tx1">
+                <a:lumMod val="75000"/>
+                <a:lumOff val="25000"/>
+              </a:schemeClr>
+            </a:solidFill>
+            <a:ln>
+              <a:noFill/>
+            </a:ln>
+          </p:spPr>
+        </p:sp>
+      </p:grpSp>
+      <p:sp>
+        <p:nvSpPr>
+          <p:cNvPr id="2" name="Title 1"/>
           <p:cNvSpPr>
             <a:spLocks noGrp="1"/>
           </p:cNvSpPr>
@@ -147,35 +464,33 @@
         </p:nvSpPr>
         <p:spPr>
           <a:xfrm>
-            <a:off x="1524000" y="1122363"/>
-            <a:ext cx="9144000" cy="2387600"/>
+            <a:off x="2928401" y="1380068"/>
+            <a:ext cx="8574622" cy="2616199"/>
           </a:xfrm>
         </p:spPr>
         <p:txBody>
-          <a:bodyPr anchor="b"/>
+          <a:bodyPr anchor="b">
+            <a:normAutofit/>
+          </a:bodyPr>
           <a:lstStyle>
-            <a:lvl1pPr algn="ctr">
-              <a:defRPr sz="6000"/>
+            <a:lvl1pPr algn="r">
+              <a:defRPr sz="6000">
+                <a:effectLst/>
+              </a:defRPr>
             </a:lvl1pPr>
           </a:lstStyle>
           <a:p>
             <a:r>
-              <a:rPr lang="en-US"/>
+              <a:rPr lang="en-US" smtClean="0"/>
               <a:t>Click to edit Master title style</a:t>
             </a:r>
-            <a:endParaRPr lang="en-IN"/>
-          </a:p>
-        </p:txBody>
-      </p:sp>
-      <p:sp>
-        <p:nvSpPr>
-          <p:cNvPr id="3" name="Subtitle 2">
-            <a:extLst>
-              <a:ext uri="{FF2B5EF4-FFF2-40B4-BE49-F238E27FC236}">
-                <a16:creationId xmlns:a16="http://schemas.microsoft.com/office/drawing/2014/main" id="{6B8B2390-E4F0-43A2-9F9B-09D0420FC18F}"/>
-              </a:ext>
-            </a:extLst>
-          </p:cNvPr>
+            <a:endParaRPr lang="en-US" dirty="0"/>
+          </a:p>
+        </p:txBody>
+      </p:sp>
+      <p:sp>
+        <p:nvSpPr>
+          <p:cNvPr id="3" name="Subtitle 2"/>
           <p:cNvSpPr>
             <a:spLocks noGrp="1"/>
           </p:cNvSpPr>
@@ -185,68 +500,116 @@
         </p:nvSpPr>
         <p:spPr>
           <a:xfrm>
-            <a:off x="1524000" y="3602038"/>
-            <a:ext cx="9144000" cy="1655762"/>
+            <a:off x="4515377" y="3996267"/>
+            <a:ext cx="6987645" cy="1388534"/>
           </a:xfrm>
         </p:spPr>
         <p:txBody>
-          <a:bodyPr/>
+          <a:bodyPr anchor="t">
+            <a:normAutofit/>
+          </a:bodyPr>
           <a:lstStyle>
-            <a:lvl1pPr marL="0" indent="0" algn="ctr">
-              <a:buNone/>
-              <a:defRPr sz="2400"/>
+            <a:lvl1pPr marL="0" indent="0" algn="r">
+              <a:buNone/>
+              <a:defRPr sz="2100">
+                <a:solidFill>
+                  <a:schemeClr val="tx1"/>
+                </a:solidFill>
+              </a:defRPr>
             </a:lvl1pPr>
             <a:lvl2pPr marL="457200" indent="0" algn="ctr">
               <a:buNone/>
-              <a:defRPr sz="2000"/>
+              <a:defRPr>
+                <a:solidFill>
+                  <a:schemeClr val="tx1">
+                    <a:tint val="75000"/>
+                  </a:schemeClr>
+                </a:solidFill>
+              </a:defRPr>
             </a:lvl2pPr>
             <a:lvl3pPr marL="914400" indent="0" algn="ctr">
               <a:buNone/>
-              <a:defRPr sz="1800"/>
+              <a:defRPr>
+                <a:solidFill>
+                  <a:schemeClr val="tx1">
+                    <a:tint val="75000"/>
+                  </a:schemeClr>
+                </a:solidFill>
+              </a:defRPr>
             </a:lvl3pPr>
             <a:lvl4pPr marL="1371600" indent="0" algn="ctr">
               <a:buNone/>
-              <a:defRPr sz="1600"/>
+              <a:defRPr>
+                <a:solidFill>
+                  <a:schemeClr val="tx1">
+                    <a:tint val="75000"/>
+                  </a:schemeClr>
+                </a:solidFill>
+              </a:defRPr>
             </a:lvl4pPr>
             <a:lvl5pPr marL="1828800" indent="0" algn="ctr">
               <a:buNone/>
-              <a:defRPr sz="1600"/>
+              <a:defRPr>
+                <a:solidFill>
+                  <a:schemeClr val="tx1">
+                    <a:tint val="75000"/>
+                  </a:schemeClr>
+                </a:solidFill>
+              </a:defRPr>
             </a:lvl5pPr>
             <a:lvl6pPr marL="2286000" indent="0" algn="ctr">
               <a:buNone/>
-              <a:defRPr sz="1600"/>
+              <a:defRPr>
+                <a:solidFill>
+                  <a:schemeClr val="tx1">
+                    <a:tint val="75000"/>
+                  </a:schemeClr>
+                </a:solidFill>
+              </a:defRPr>
             </a:lvl6pPr>
             <a:lvl7pPr marL="2743200" indent="0" algn="ctr">
               <a:buNone/>
-              <a:defRPr sz="1600"/>
+              <a:defRPr>
+                <a:solidFill>
+                  <a:schemeClr val="tx1">
+                    <a:tint val="75000"/>
+                  </a:schemeClr>
+                </a:solidFill>
+              </a:defRPr>
             </a:lvl7pPr>
             <a:lvl8pPr marL="3200400" indent="0" algn="ctr">
               <a:buNone/>
-              <a:defRPr sz="1600"/>
+              <a:defRPr>
+                <a:solidFill>
+                  <a:schemeClr val="tx1">
+                    <a:tint val="75000"/>
+                  </a:schemeClr>
+                </a:solidFill>
+              </a:defRPr>
             </a:lvl8pPr>
             <a:lvl9pPr marL="3657600" indent="0" algn="ctr">
               <a:buNone/>
-              <a:defRPr sz="1600"/>
+              <a:defRPr>
+                <a:solidFill>
+                  <a:schemeClr val="tx1">
+                    <a:tint val="75000"/>
+                  </a:schemeClr>
+                </a:solidFill>
+              </a:defRPr>
             </a:lvl9pPr>
           </a:lstStyle>
           <a:p>
             <a:r>
-              <a:rPr lang="en-US"/>
+              <a:rPr lang="en-US" smtClean="0"/>
               <a:t>Click to edit Master subtitle style</a:t>
             </a:r>
-            <a:endParaRPr lang="en-IN"/>
-          </a:p>
-        </p:txBody>
-      </p:sp>
-      <p:sp>
-        <p:nvSpPr>
-          <p:cNvPr id="4" name="Date Placeholder 3">
-            <a:extLst>
-              <a:ext uri="{FF2B5EF4-FFF2-40B4-BE49-F238E27FC236}">
-                <a16:creationId xmlns:a16="http://schemas.microsoft.com/office/drawing/2014/main" id="{0279C6F5-E931-454F-9DCF-8BAE6A82C7C8}"/>
-              </a:ext>
-            </a:extLst>
-          </p:cNvPr>
+            <a:endParaRPr lang="en-US" dirty="0"/>
+          </a:p>
+        </p:txBody>
+      </p:sp>
+      <p:sp>
+        <p:nvSpPr>
+          <p:cNvPr id="4" name="Date Placeholder 3"/>
           <p:cNvSpPr>
             <a:spLocks noGrp="1"/>
           </p:cNvSpPr>
@@ -261,7 +624,7 @@
           <a:p>
             <a:fld id="{AADDB955-70B9-4D4C-8D5D-0409BD461500}" type="datetimeFigureOut">
               <a:rPr lang="en-IN" smtClean="0"/>
-              <a:t>12-01-2022</a:t>
+              <a:t>13-01-2022</a:t>
             </a:fld>
             <a:endParaRPr lang="en-IN"/>
           </a:p>
@@ -269,13 +632,7 @@
       </p:sp>
       <p:sp>
         <p:nvSpPr>
-          <p:cNvPr id="5" name="Footer Placeholder 4">
-            <a:extLst>
-              <a:ext uri="{FF2B5EF4-FFF2-40B4-BE49-F238E27FC236}">
-                <a16:creationId xmlns:a16="http://schemas.microsoft.com/office/drawing/2014/main" id="{53C9264C-7436-4E59-A891-9CCE6A76190A}"/>
-              </a:ext>
-            </a:extLst>
-          </p:cNvPr>
+          <p:cNvPr id="5" name="Footer Placeholder 4"/>
           <p:cNvSpPr>
             <a:spLocks noGrp="1"/>
           </p:cNvSpPr>
@@ -283,7 +640,12 @@
             <p:ph type="ftr" sz="quarter" idx="11"/>
           </p:nvPr>
         </p:nvSpPr>
-        <p:spPr/>
+        <p:spPr>
+          <a:xfrm>
+            <a:off x="5332412" y="5883275"/>
+            <a:ext cx="4324044" cy="365125"/>
+          </a:xfrm>
+        </p:spPr>
         <p:txBody>
           <a:bodyPr/>
           <a:lstStyle/>
@@ -294,13 +656,7 @@
       </p:sp>
       <p:sp>
         <p:nvSpPr>
-          <p:cNvPr id="6" name="Slide Number Placeholder 5">
-            <a:extLst>
-              <a:ext uri="{FF2B5EF4-FFF2-40B4-BE49-F238E27FC236}">
-                <a16:creationId xmlns:a16="http://schemas.microsoft.com/office/drawing/2014/main" id="{3E80B504-3BE0-4444-AFB7-2877D01EE86E}"/>
-              </a:ext>
-            </a:extLst>
-          </p:cNvPr>
+          <p:cNvPr id="6" name="Slide Number Placeholder 5"/>
           <p:cNvSpPr>
             <a:spLocks noGrp="1"/>
           </p:cNvSpPr>
@@ -324,7 +680,7 @@
     </p:spTree>
     <p:extLst>
       <p:ext uri="{BB962C8B-B14F-4D97-AF65-F5344CB8AC3E}">
-        <p14:creationId xmlns:p14="http://schemas.microsoft.com/office/powerpoint/2010/main" val="150323888"/>
+        <p14:creationId xmlns:p14="http://schemas.microsoft.com/office/powerpoint/2010/main" val="4207908627"/>
       </p:ext>
     </p:extLst>
   </p:cSld>
@@ -335,6 +691,2162 @@
 </file>
 
 <file path=ppt/slideLayouts/slideLayout10.xml><?xml version="1.0" encoding="utf-8"?>
+<p:sldLayout xmlns:a="http://schemas.openxmlformats.org/drawingml/2006/main" xmlns:r="http://schemas.openxmlformats.org/officeDocument/2006/relationships" xmlns:p="http://schemas.openxmlformats.org/presentationml/2006/main" preserve="1">
+  <p:cSld name="Panoramic Picture with Caption">
+    <p:spTree>
+      <p:nvGrpSpPr>
+        <p:cNvPr id="1" name=""/>
+        <p:cNvGrpSpPr/>
+        <p:nvPr/>
+      </p:nvGrpSpPr>
+      <p:grpSpPr>
+        <a:xfrm>
+          <a:off x="0" y="0"/>
+          <a:ext cx="0" cy="0"/>
+          <a:chOff x="0" y="0"/>
+          <a:chExt cx="0" cy="0"/>
+        </a:xfrm>
+      </p:grpSpPr>
+      <p:sp>
+        <p:nvSpPr>
+          <p:cNvPr id="2" name="Title 1"/>
+          <p:cNvSpPr>
+            <a:spLocks noGrp="1"/>
+          </p:cNvSpPr>
+          <p:nvPr>
+            <p:ph type="title"/>
+          </p:nvPr>
+        </p:nvSpPr>
+        <p:spPr>
+          <a:xfrm>
+            <a:off x="1484311" y="4732865"/>
+            <a:ext cx="10018711" cy="566738"/>
+          </a:xfrm>
+        </p:spPr>
+        <p:txBody>
+          <a:bodyPr anchor="b">
+            <a:normAutofit/>
+          </a:bodyPr>
+          <a:lstStyle>
+            <a:lvl1pPr algn="ctr">
+              <a:defRPr sz="2400" b="0"/>
+            </a:lvl1pPr>
+          </a:lstStyle>
+          <a:p>
+            <a:r>
+              <a:rPr lang="en-US" smtClean="0"/>
+              <a:t>Click to edit Master title style</a:t>
+            </a:r>
+            <a:endParaRPr lang="en-US" dirty="0"/>
+          </a:p>
+        </p:txBody>
+      </p:sp>
+      <p:sp>
+        <p:nvSpPr>
+          <p:cNvPr id="3" name="Picture Placeholder 2"/>
+          <p:cNvSpPr>
+            <a:spLocks noGrp="1" noChangeAspect="1"/>
+          </p:cNvSpPr>
+          <p:nvPr>
+            <p:ph type="pic" idx="1"/>
+          </p:nvPr>
+        </p:nvSpPr>
+        <p:spPr>
+          <a:xfrm>
+            <a:off x="2386012" y="932112"/>
+            <a:ext cx="8225944" cy="3164976"/>
+          </a:xfrm>
+          <a:prstGeom prst="roundRect">
+            <a:avLst>
+              <a:gd name="adj" fmla="val 4380"/>
+            </a:avLst>
+          </a:prstGeom>
+          <a:ln w="38100">
+            <a:gradFill flip="none" rotWithShape="1">
+              <a:gsLst>
+                <a:gs pos="0">
+                  <a:schemeClr val="bg2"/>
+                </a:gs>
+                <a:gs pos="100000">
+                  <a:schemeClr val="bg2">
+                    <a:lumMod val="75000"/>
+                  </a:schemeClr>
+                </a:gs>
+              </a:gsLst>
+              <a:lin ang="5400000" scaled="0"/>
+              <a:tileRect/>
+            </a:gradFill>
+          </a:ln>
+          <a:effectLst>
+            <a:innerShdw blurRad="57150" dist="38100" dir="14460000">
+              <a:srgbClr val="000000">
+                <a:alpha val="70000"/>
+              </a:srgbClr>
+            </a:innerShdw>
+          </a:effectLst>
+        </p:spPr>
+        <p:txBody>
+          <a:bodyPr anchor="t">
+            <a:normAutofit/>
+          </a:bodyPr>
+          <a:lstStyle>
+            <a:lvl1pPr marL="0" indent="0" algn="ctr">
+              <a:buNone/>
+              <a:defRPr sz="1600"/>
+            </a:lvl1pPr>
+            <a:lvl2pPr marL="457200" indent="0">
+              <a:buNone/>
+              <a:defRPr sz="1600"/>
+            </a:lvl2pPr>
+            <a:lvl3pPr marL="914400" indent="0">
+              <a:buNone/>
+              <a:defRPr sz="1600"/>
+            </a:lvl3pPr>
+            <a:lvl4pPr marL="1371600" indent="0">
+              <a:buNone/>
+              <a:defRPr sz="1600"/>
+            </a:lvl4pPr>
+            <a:lvl5pPr marL="1828800" indent="0">
+              <a:buNone/>
+              <a:defRPr sz="1600"/>
+            </a:lvl5pPr>
+            <a:lvl6pPr marL="2286000" indent="0">
+              <a:buNone/>
+              <a:defRPr sz="1600"/>
+            </a:lvl6pPr>
+            <a:lvl7pPr marL="2743200" indent="0">
+              <a:buNone/>
+              <a:defRPr sz="1600"/>
+            </a:lvl7pPr>
+            <a:lvl8pPr marL="3200400" indent="0">
+              <a:buNone/>
+              <a:defRPr sz="1600"/>
+            </a:lvl8pPr>
+            <a:lvl9pPr marL="3657600" indent="0">
+              <a:buNone/>
+              <a:defRPr sz="1600"/>
+            </a:lvl9pPr>
+          </a:lstStyle>
+          <a:p>
+            <a:r>
+              <a:rPr lang="en-US" smtClean="0"/>
+              <a:t>Click icon to add picture</a:t>
+            </a:r>
+            <a:endParaRPr lang="en-US" dirty="0"/>
+          </a:p>
+        </p:txBody>
+      </p:sp>
+      <p:sp>
+        <p:nvSpPr>
+          <p:cNvPr id="4" name="Text Placeholder 3"/>
+          <p:cNvSpPr>
+            <a:spLocks noGrp="1"/>
+          </p:cNvSpPr>
+          <p:nvPr>
+            <p:ph type="body" sz="half" idx="2"/>
+          </p:nvPr>
+        </p:nvSpPr>
+        <p:spPr>
+          <a:xfrm>
+            <a:off x="1484311" y="5299603"/>
+            <a:ext cx="10018711" cy="493712"/>
+          </a:xfrm>
+        </p:spPr>
+        <p:txBody>
+          <a:bodyPr>
+            <a:normAutofit/>
+          </a:bodyPr>
+          <a:lstStyle>
+            <a:lvl1pPr marL="0" indent="0" algn="ctr">
+              <a:buNone/>
+              <a:defRPr sz="1400"/>
+            </a:lvl1pPr>
+            <a:lvl2pPr marL="457200" indent="0">
+              <a:buNone/>
+              <a:defRPr sz="1200"/>
+            </a:lvl2pPr>
+            <a:lvl3pPr marL="914400" indent="0">
+              <a:buNone/>
+              <a:defRPr sz="1000"/>
+            </a:lvl3pPr>
+            <a:lvl4pPr marL="1371600" indent="0">
+              <a:buNone/>
+              <a:defRPr sz="900"/>
+            </a:lvl4pPr>
+            <a:lvl5pPr marL="1828800" indent="0">
+              <a:buNone/>
+              <a:defRPr sz="900"/>
+            </a:lvl5pPr>
+            <a:lvl6pPr marL="2286000" indent="0">
+              <a:buNone/>
+              <a:defRPr sz="900"/>
+            </a:lvl6pPr>
+            <a:lvl7pPr marL="2743200" indent="0">
+              <a:buNone/>
+              <a:defRPr sz="900"/>
+            </a:lvl7pPr>
+            <a:lvl8pPr marL="3200400" indent="0">
+              <a:buNone/>
+              <a:defRPr sz="900"/>
+            </a:lvl8pPr>
+            <a:lvl9pPr marL="3657600" indent="0">
+              <a:buNone/>
+              <a:defRPr sz="900"/>
+            </a:lvl9pPr>
+          </a:lstStyle>
+          <a:p>
+            <a:pPr lvl="0"/>
+            <a:r>
+              <a:rPr lang="en-US" smtClean="0"/>
+              <a:t>Edit Master text styles</a:t>
+            </a:r>
+          </a:p>
+        </p:txBody>
+      </p:sp>
+      <p:sp>
+        <p:nvSpPr>
+          <p:cNvPr id="5" name="Date Placeholder 4"/>
+          <p:cNvSpPr>
+            <a:spLocks noGrp="1"/>
+          </p:cNvSpPr>
+          <p:nvPr>
+            <p:ph type="dt" sz="half" idx="10"/>
+          </p:nvPr>
+        </p:nvSpPr>
+        <p:spPr/>
+        <p:txBody>
+          <a:bodyPr/>
+          <a:lstStyle/>
+          <a:p>
+            <a:fld id="{AADDB955-70B9-4D4C-8D5D-0409BD461500}" type="datetimeFigureOut">
+              <a:rPr lang="en-IN" smtClean="0"/>
+              <a:t>13-01-2022</a:t>
+            </a:fld>
+            <a:endParaRPr lang="en-IN"/>
+          </a:p>
+        </p:txBody>
+      </p:sp>
+      <p:sp>
+        <p:nvSpPr>
+          <p:cNvPr id="6" name="Footer Placeholder 5"/>
+          <p:cNvSpPr>
+            <a:spLocks noGrp="1"/>
+          </p:cNvSpPr>
+          <p:nvPr>
+            <p:ph type="ftr" sz="quarter" idx="11"/>
+          </p:nvPr>
+        </p:nvSpPr>
+        <p:spPr/>
+        <p:txBody>
+          <a:bodyPr/>
+          <a:lstStyle/>
+          <a:p>
+            <a:endParaRPr lang="en-IN"/>
+          </a:p>
+        </p:txBody>
+      </p:sp>
+      <p:sp>
+        <p:nvSpPr>
+          <p:cNvPr id="7" name="Slide Number Placeholder 6"/>
+          <p:cNvSpPr>
+            <a:spLocks noGrp="1"/>
+          </p:cNvSpPr>
+          <p:nvPr>
+            <p:ph type="sldNum" sz="quarter" idx="12"/>
+          </p:nvPr>
+        </p:nvSpPr>
+        <p:spPr/>
+        <p:txBody>
+          <a:bodyPr/>
+          <a:lstStyle/>
+          <a:p>
+            <a:fld id="{A7E5F661-FFCC-4BA4-9DED-412BF76AF31B}" type="slidenum">
+              <a:rPr lang="en-IN" smtClean="0"/>
+              <a:t>‹#›</a:t>
+            </a:fld>
+            <a:endParaRPr lang="en-IN"/>
+          </a:p>
+        </p:txBody>
+      </p:sp>
+    </p:spTree>
+    <p:extLst>
+      <p:ext uri="{BB962C8B-B14F-4D97-AF65-F5344CB8AC3E}">
+        <p14:creationId xmlns:p14="http://schemas.microsoft.com/office/powerpoint/2010/main" val="1459196777"/>
+      </p:ext>
+    </p:extLst>
+  </p:cSld>
+  <p:clrMapOvr>
+    <a:masterClrMapping/>
+  </p:clrMapOvr>
+</p:sldLayout>
+</file>
+
+<file path=ppt/slideLayouts/slideLayout11.xml><?xml version="1.0" encoding="utf-8"?>
+<p:sldLayout xmlns:a="http://schemas.openxmlformats.org/drawingml/2006/main" xmlns:r="http://schemas.openxmlformats.org/officeDocument/2006/relationships" xmlns:p="http://schemas.openxmlformats.org/presentationml/2006/main" preserve="1">
+  <p:cSld name="Title and Caption">
+    <p:spTree>
+      <p:nvGrpSpPr>
+        <p:cNvPr id="1" name=""/>
+        <p:cNvGrpSpPr/>
+        <p:nvPr/>
+      </p:nvGrpSpPr>
+      <p:grpSpPr>
+        <a:xfrm>
+          <a:off x="0" y="0"/>
+          <a:ext cx="0" cy="0"/>
+          <a:chOff x="0" y="0"/>
+          <a:chExt cx="0" cy="0"/>
+        </a:xfrm>
+      </p:grpSpPr>
+      <p:sp>
+        <p:nvSpPr>
+          <p:cNvPr id="2" name="Title 1"/>
+          <p:cNvSpPr>
+            <a:spLocks noGrp="1"/>
+          </p:cNvSpPr>
+          <p:nvPr>
+            <p:ph type="title"/>
+          </p:nvPr>
+        </p:nvSpPr>
+        <p:spPr>
+          <a:xfrm>
+            <a:off x="1484312" y="685800"/>
+            <a:ext cx="10018711" cy="3048000"/>
+          </a:xfrm>
+        </p:spPr>
+        <p:txBody>
+          <a:bodyPr anchor="ctr">
+            <a:normAutofit/>
+          </a:bodyPr>
+          <a:lstStyle>
+            <a:lvl1pPr algn="ctr">
+              <a:defRPr sz="3200" b="0" cap="none"/>
+            </a:lvl1pPr>
+          </a:lstStyle>
+          <a:p>
+            <a:r>
+              <a:rPr lang="en-US" smtClean="0"/>
+              <a:t>Click to edit Master title style</a:t>
+            </a:r>
+            <a:endParaRPr lang="en-US" dirty="0"/>
+          </a:p>
+        </p:txBody>
+      </p:sp>
+      <p:sp>
+        <p:nvSpPr>
+          <p:cNvPr id="3" name="Text Placeholder 2"/>
+          <p:cNvSpPr>
+            <a:spLocks noGrp="1"/>
+          </p:cNvSpPr>
+          <p:nvPr>
+            <p:ph type="body" idx="1"/>
+          </p:nvPr>
+        </p:nvSpPr>
+        <p:spPr>
+          <a:xfrm>
+            <a:off x="1484312" y="4343400"/>
+            <a:ext cx="10018713" cy="1447800"/>
+          </a:xfrm>
+        </p:spPr>
+        <p:txBody>
+          <a:bodyPr anchor="ctr">
+            <a:normAutofit/>
+          </a:bodyPr>
+          <a:lstStyle>
+            <a:lvl1pPr marL="0" indent="0" algn="ctr">
+              <a:buNone/>
+              <a:defRPr sz="2000">
+                <a:solidFill>
+                  <a:schemeClr val="tx1"/>
+                </a:solidFill>
+              </a:defRPr>
+            </a:lvl1pPr>
+            <a:lvl2pPr marL="457200" indent="0">
+              <a:buNone/>
+              <a:defRPr sz="1800">
+                <a:solidFill>
+                  <a:schemeClr val="tx1">
+                    <a:tint val="75000"/>
+                  </a:schemeClr>
+                </a:solidFill>
+              </a:defRPr>
+            </a:lvl2pPr>
+            <a:lvl3pPr marL="914400" indent="0">
+              <a:buNone/>
+              <a:defRPr sz="1600">
+                <a:solidFill>
+                  <a:schemeClr val="tx1">
+                    <a:tint val="75000"/>
+                  </a:schemeClr>
+                </a:solidFill>
+              </a:defRPr>
+            </a:lvl3pPr>
+            <a:lvl4pPr marL="1371600" indent="0">
+              <a:buNone/>
+              <a:defRPr sz="1400">
+                <a:solidFill>
+                  <a:schemeClr val="tx1">
+                    <a:tint val="75000"/>
+                  </a:schemeClr>
+                </a:solidFill>
+              </a:defRPr>
+            </a:lvl4pPr>
+            <a:lvl5pPr marL="1828800" indent="0">
+              <a:buNone/>
+              <a:defRPr sz="1400">
+                <a:solidFill>
+                  <a:schemeClr val="tx1">
+                    <a:tint val="75000"/>
+                  </a:schemeClr>
+                </a:solidFill>
+              </a:defRPr>
+            </a:lvl5pPr>
+            <a:lvl6pPr marL="2286000" indent="0">
+              <a:buNone/>
+              <a:defRPr sz="1400">
+                <a:solidFill>
+                  <a:schemeClr val="tx1">
+                    <a:tint val="75000"/>
+                  </a:schemeClr>
+                </a:solidFill>
+              </a:defRPr>
+            </a:lvl6pPr>
+            <a:lvl7pPr marL="2743200" indent="0">
+              <a:buNone/>
+              <a:defRPr sz="1400">
+                <a:solidFill>
+                  <a:schemeClr val="tx1">
+                    <a:tint val="75000"/>
+                  </a:schemeClr>
+                </a:solidFill>
+              </a:defRPr>
+            </a:lvl7pPr>
+            <a:lvl8pPr marL="3200400" indent="0">
+              <a:buNone/>
+              <a:defRPr sz="1400">
+                <a:solidFill>
+                  <a:schemeClr val="tx1">
+                    <a:tint val="75000"/>
+                  </a:schemeClr>
+                </a:solidFill>
+              </a:defRPr>
+            </a:lvl8pPr>
+            <a:lvl9pPr marL="3657600" indent="0">
+              <a:buNone/>
+              <a:defRPr sz="1400">
+                <a:solidFill>
+                  <a:schemeClr val="tx1">
+                    <a:tint val="75000"/>
+                  </a:schemeClr>
+                </a:solidFill>
+              </a:defRPr>
+            </a:lvl9pPr>
+          </a:lstStyle>
+          <a:p>
+            <a:pPr lvl="0"/>
+            <a:r>
+              <a:rPr lang="en-US" smtClean="0"/>
+              <a:t>Edit Master text styles</a:t>
+            </a:r>
+          </a:p>
+        </p:txBody>
+      </p:sp>
+      <p:sp>
+        <p:nvSpPr>
+          <p:cNvPr id="4" name="Date Placeholder 3"/>
+          <p:cNvSpPr>
+            <a:spLocks noGrp="1"/>
+          </p:cNvSpPr>
+          <p:nvPr>
+            <p:ph type="dt" sz="half" idx="10"/>
+          </p:nvPr>
+        </p:nvSpPr>
+        <p:spPr/>
+        <p:txBody>
+          <a:bodyPr/>
+          <a:lstStyle/>
+          <a:p>
+            <a:fld id="{AADDB955-70B9-4D4C-8D5D-0409BD461500}" type="datetimeFigureOut">
+              <a:rPr lang="en-IN" smtClean="0"/>
+              <a:t>13-01-2022</a:t>
+            </a:fld>
+            <a:endParaRPr lang="en-IN"/>
+          </a:p>
+        </p:txBody>
+      </p:sp>
+      <p:sp>
+        <p:nvSpPr>
+          <p:cNvPr id="5" name="Footer Placeholder 4"/>
+          <p:cNvSpPr>
+            <a:spLocks noGrp="1"/>
+          </p:cNvSpPr>
+          <p:nvPr>
+            <p:ph type="ftr" sz="quarter" idx="11"/>
+          </p:nvPr>
+        </p:nvSpPr>
+        <p:spPr/>
+        <p:txBody>
+          <a:bodyPr/>
+          <a:lstStyle/>
+          <a:p>
+            <a:endParaRPr lang="en-IN"/>
+          </a:p>
+        </p:txBody>
+      </p:sp>
+      <p:sp>
+        <p:nvSpPr>
+          <p:cNvPr id="6" name="Slide Number Placeholder 5"/>
+          <p:cNvSpPr>
+            <a:spLocks noGrp="1"/>
+          </p:cNvSpPr>
+          <p:nvPr>
+            <p:ph type="sldNum" sz="quarter" idx="12"/>
+          </p:nvPr>
+        </p:nvSpPr>
+        <p:spPr/>
+        <p:txBody>
+          <a:bodyPr/>
+          <a:lstStyle/>
+          <a:p>
+            <a:fld id="{A7E5F661-FFCC-4BA4-9DED-412BF76AF31B}" type="slidenum">
+              <a:rPr lang="en-IN" smtClean="0"/>
+              <a:t>‹#›</a:t>
+            </a:fld>
+            <a:endParaRPr lang="en-IN"/>
+          </a:p>
+        </p:txBody>
+      </p:sp>
+    </p:spTree>
+    <p:extLst>
+      <p:ext uri="{BB962C8B-B14F-4D97-AF65-F5344CB8AC3E}">
+        <p14:creationId xmlns:p14="http://schemas.microsoft.com/office/powerpoint/2010/main" val="402737996"/>
+      </p:ext>
+    </p:extLst>
+  </p:cSld>
+  <p:clrMapOvr>
+    <a:masterClrMapping/>
+  </p:clrMapOvr>
+</p:sldLayout>
+</file>
+
+<file path=ppt/slideLayouts/slideLayout12.xml><?xml version="1.0" encoding="utf-8"?>
+<p:sldLayout xmlns:a="http://schemas.openxmlformats.org/drawingml/2006/main" xmlns:r="http://schemas.openxmlformats.org/officeDocument/2006/relationships" xmlns:p="http://schemas.openxmlformats.org/presentationml/2006/main" preserve="1">
+  <p:cSld name="Quote with Caption">
+    <p:spTree>
+      <p:nvGrpSpPr>
+        <p:cNvPr id="1" name=""/>
+        <p:cNvGrpSpPr/>
+        <p:nvPr/>
+      </p:nvGrpSpPr>
+      <p:grpSpPr>
+        <a:xfrm>
+          <a:off x="0" y="0"/>
+          <a:ext cx="0" cy="0"/>
+          <a:chOff x="0" y="0"/>
+          <a:chExt cx="0" cy="0"/>
+        </a:xfrm>
+      </p:grpSpPr>
+      <p:sp>
+        <p:nvSpPr>
+          <p:cNvPr id="14" name="TextBox 13"/>
+          <p:cNvSpPr txBox="1"/>
+          <p:nvPr/>
+        </p:nvSpPr>
+        <p:spPr>
+          <a:xfrm>
+            <a:off x="1598612" y="863023"/>
+            <a:ext cx="609600" cy="584776"/>
+          </a:xfrm>
+          <a:prstGeom prst="rect">
+            <a:avLst/>
+          </a:prstGeom>
+        </p:spPr>
+        <p:txBody>
+          <a:bodyPr vert="horz" lIns="91440" tIns="45720" rIns="91440" bIns="45720" rtlCol="0" anchor="ctr">
+            <a:noAutofit/>
+          </a:bodyPr>
+          <a:lstStyle>
+            <a:lvl1pPr>
+              <a:spcBef>
+                <a:spcPct val="0"/>
+              </a:spcBef>
+              <a:buNone/>
+              <a:defRPr sz="3200" b="0" cap="all">
+                <a:ln w="3175" cmpd="sng">
+                  <a:noFill/>
+                </a:ln>
+                <a:effectLst>
+                  <a:glow rad="38100">
+                    <a:schemeClr val="bg1">
+                      <a:lumMod val="65000"/>
+                      <a:lumOff val="35000"/>
+                      <a:alpha val="40000"/>
+                    </a:schemeClr>
+                  </a:glow>
+                  <a:outerShdw blurRad="28575" dist="38100" dir="14040000" algn="tl" rotWithShape="0">
+                    <a:srgbClr val="000000">
+                      <a:alpha val="25000"/>
+                    </a:srgbClr>
+                  </a:outerShdw>
+                </a:effectLst>
+              </a:defRPr>
+            </a:lvl1pPr>
+            <a:lvl2pPr>
+              <a:defRPr>
+                <a:solidFill>
+                  <a:schemeClr val="tx2"/>
+                </a:solidFill>
+              </a:defRPr>
+            </a:lvl2pPr>
+            <a:lvl3pPr>
+              <a:defRPr>
+                <a:solidFill>
+                  <a:schemeClr val="tx2"/>
+                </a:solidFill>
+              </a:defRPr>
+            </a:lvl3pPr>
+            <a:lvl4pPr>
+              <a:defRPr>
+                <a:solidFill>
+                  <a:schemeClr val="tx2"/>
+                </a:solidFill>
+              </a:defRPr>
+            </a:lvl4pPr>
+            <a:lvl5pPr>
+              <a:defRPr>
+                <a:solidFill>
+                  <a:schemeClr val="tx2"/>
+                </a:solidFill>
+              </a:defRPr>
+            </a:lvl5pPr>
+            <a:lvl6pPr>
+              <a:defRPr>
+                <a:solidFill>
+                  <a:schemeClr val="tx2"/>
+                </a:solidFill>
+              </a:defRPr>
+            </a:lvl6pPr>
+            <a:lvl7pPr>
+              <a:defRPr>
+                <a:solidFill>
+                  <a:schemeClr val="tx2"/>
+                </a:solidFill>
+              </a:defRPr>
+            </a:lvl7pPr>
+            <a:lvl8pPr>
+              <a:defRPr>
+                <a:solidFill>
+                  <a:schemeClr val="tx2"/>
+                </a:solidFill>
+              </a:defRPr>
+            </a:lvl8pPr>
+            <a:lvl9pPr>
+              <a:defRPr>
+                <a:solidFill>
+                  <a:schemeClr val="tx2"/>
+                </a:solidFill>
+              </a:defRPr>
+            </a:lvl9pPr>
+          </a:lstStyle>
+          <a:p>
+            <a:pPr lvl="0"/>
+            <a:r>
+              <a:rPr lang="en-US" sz="8000" dirty="0">
+                <a:solidFill>
+                  <a:schemeClr val="tx1"/>
+                </a:solidFill>
+                <a:effectLst/>
+              </a:rPr>
+              <a:t>“</a:t>
+            </a:r>
+          </a:p>
+        </p:txBody>
+      </p:sp>
+      <p:sp>
+        <p:nvSpPr>
+          <p:cNvPr id="15" name="TextBox 14"/>
+          <p:cNvSpPr txBox="1"/>
+          <p:nvPr/>
+        </p:nvSpPr>
+        <p:spPr>
+          <a:xfrm>
+            <a:off x="10893425" y="2819399"/>
+            <a:ext cx="609600" cy="584776"/>
+          </a:xfrm>
+          <a:prstGeom prst="rect">
+            <a:avLst/>
+          </a:prstGeom>
+        </p:spPr>
+        <p:txBody>
+          <a:bodyPr vert="horz" lIns="91440" tIns="45720" rIns="91440" bIns="45720" rtlCol="0" anchor="ctr">
+            <a:noAutofit/>
+          </a:bodyPr>
+          <a:lstStyle>
+            <a:lvl1pPr>
+              <a:spcBef>
+                <a:spcPct val="0"/>
+              </a:spcBef>
+              <a:buNone/>
+              <a:defRPr sz="3200" b="0" cap="all">
+                <a:ln w="3175" cmpd="sng">
+                  <a:noFill/>
+                </a:ln>
+                <a:effectLst>
+                  <a:glow rad="38100">
+                    <a:schemeClr val="bg1">
+                      <a:lumMod val="65000"/>
+                      <a:lumOff val="35000"/>
+                      <a:alpha val="40000"/>
+                    </a:schemeClr>
+                  </a:glow>
+                  <a:outerShdw blurRad="28575" dist="38100" dir="14040000" algn="tl" rotWithShape="0">
+                    <a:srgbClr val="000000">
+                      <a:alpha val="25000"/>
+                    </a:srgbClr>
+                  </a:outerShdw>
+                </a:effectLst>
+              </a:defRPr>
+            </a:lvl1pPr>
+            <a:lvl2pPr>
+              <a:defRPr>
+                <a:solidFill>
+                  <a:schemeClr val="tx2"/>
+                </a:solidFill>
+              </a:defRPr>
+            </a:lvl2pPr>
+            <a:lvl3pPr>
+              <a:defRPr>
+                <a:solidFill>
+                  <a:schemeClr val="tx2"/>
+                </a:solidFill>
+              </a:defRPr>
+            </a:lvl3pPr>
+            <a:lvl4pPr>
+              <a:defRPr>
+                <a:solidFill>
+                  <a:schemeClr val="tx2"/>
+                </a:solidFill>
+              </a:defRPr>
+            </a:lvl4pPr>
+            <a:lvl5pPr>
+              <a:defRPr>
+                <a:solidFill>
+                  <a:schemeClr val="tx2"/>
+                </a:solidFill>
+              </a:defRPr>
+            </a:lvl5pPr>
+            <a:lvl6pPr>
+              <a:defRPr>
+                <a:solidFill>
+                  <a:schemeClr val="tx2"/>
+                </a:solidFill>
+              </a:defRPr>
+            </a:lvl6pPr>
+            <a:lvl7pPr>
+              <a:defRPr>
+                <a:solidFill>
+                  <a:schemeClr val="tx2"/>
+                </a:solidFill>
+              </a:defRPr>
+            </a:lvl7pPr>
+            <a:lvl8pPr>
+              <a:defRPr>
+                <a:solidFill>
+                  <a:schemeClr val="tx2"/>
+                </a:solidFill>
+              </a:defRPr>
+            </a:lvl8pPr>
+            <a:lvl9pPr>
+              <a:defRPr>
+                <a:solidFill>
+                  <a:schemeClr val="tx2"/>
+                </a:solidFill>
+              </a:defRPr>
+            </a:lvl9pPr>
+          </a:lstStyle>
+          <a:p>
+            <a:pPr lvl="0" algn="r"/>
+            <a:r>
+              <a:rPr lang="en-US" sz="8000" dirty="0">
+                <a:solidFill>
+                  <a:schemeClr val="tx1"/>
+                </a:solidFill>
+                <a:effectLst/>
+              </a:rPr>
+              <a:t>”</a:t>
+            </a:r>
+          </a:p>
+        </p:txBody>
+      </p:sp>
+      <p:sp>
+        <p:nvSpPr>
+          <p:cNvPr id="2" name="Title 1"/>
+          <p:cNvSpPr>
+            <a:spLocks noGrp="1"/>
+          </p:cNvSpPr>
+          <p:nvPr>
+            <p:ph type="title"/>
+          </p:nvPr>
+        </p:nvSpPr>
+        <p:spPr>
+          <a:xfrm>
+            <a:off x="2208212" y="685800"/>
+            <a:ext cx="8990012" cy="2743199"/>
+          </a:xfrm>
+        </p:spPr>
+        <p:txBody>
+          <a:bodyPr anchor="ctr">
+            <a:normAutofit/>
+          </a:bodyPr>
+          <a:lstStyle>
+            <a:lvl1pPr algn="ctr">
+              <a:defRPr sz="3200" b="0" cap="none">
+                <a:solidFill>
+                  <a:schemeClr val="tx1"/>
+                </a:solidFill>
+              </a:defRPr>
+            </a:lvl1pPr>
+          </a:lstStyle>
+          <a:p>
+            <a:r>
+              <a:rPr lang="en-US" smtClean="0"/>
+              <a:t>Click to edit Master title style</a:t>
+            </a:r>
+            <a:endParaRPr lang="en-US" dirty="0"/>
+          </a:p>
+        </p:txBody>
+      </p:sp>
+      <p:sp>
+        <p:nvSpPr>
+          <p:cNvPr id="10" name="Text Placeholder 9"/>
+          <p:cNvSpPr>
+            <a:spLocks noGrp="1"/>
+          </p:cNvSpPr>
+          <p:nvPr>
+            <p:ph type="body" sz="quarter" idx="13"/>
+          </p:nvPr>
+        </p:nvSpPr>
+        <p:spPr>
+          <a:xfrm>
+            <a:off x="2436811" y="3428999"/>
+            <a:ext cx="8532815" cy="381000"/>
+          </a:xfrm>
+        </p:spPr>
+        <p:txBody>
+          <a:bodyPr anchor="ctr">
+            <a:normAutofit/>
+          </a:bodyPr>
+          <a:lstStyle>
+            <a:lvl1pPr marL="0" indent="0">
+              <a:buFontTx/>
+              <a:buNone/>
+              <a:defRPr sz="1800"/>
+            </a:lvl1pPr>
+            <a:lvl2pPr marL="457200" indent="0">
+              <a:buFontTx/>
+              <a:buNone/>
+              <a:defRPr/>
+            </a:lvl2pPr>
+            <a:lvl3pPr marL="914400" indent="0">
+              <a:buFontTx/>
+              <a:buNone/>
+              <a:defRPr/>
+            </a:lvl3pPr>
+            <a:lvl4pPr marL="1371600" indent="0">
+              <a:buFontTx/>
+              <a:buNone/>
+              <a:defRPr/>
+            </a:lvl4pPr>
+            <a:lvl5pPr marL="1828800" indent="0">
+              <a:buFontTx/>
+              <a:buNone/>
+              <a:defRPr/>
+            </a:lvl5pPr>
+          </a:lstStyle>
+          <a:p>
+            <a:pPr lvl="0"/>
+            <a:r>
+              <a:rPr lang="en-US" smtClean="0"/>
+              <a:t>Edit Master text styles</a:t>
+            </a:r>
+          </a:p>
+        </p:txBody>
+      </p:sp>
+      <p:sp>
+        <p:nvSpPr>
+          <p:cNvPr id="3" name="Text Placeholder 2"/>
+          <p:cNvSpPr>
+            <a:spLocks noGrp="1"/>
+          </p:cNvSpPr>
+          <p:nvPr>
+            <p:ph type="body" idx="1"/>
+          </p:nvPr>
+        </p:nvSpPr>
+        <p:spPr>
+          <a:xfrm>
+            <a:off x="1484311" y="4343400"/>
+            <a:ext cx="10018711" cy="1447800"/>
+          </a:xfrm>
+        </p:spPr>
+        <p:txBody>
+          <a:bodyPr anchor="ctr">
+            <a:normAutofit/>
+          </a:bodyPr>
+          <a:lstStyle>
+            <a:lvl1pPr marL="0" indent="0" algn="ctr">
+              <a:buNone/>
+              <a:defRPr sz="2000">
+                <a:solidFill>
+                  <a:schemeClr val="tx1"/>
+                </a:solidFill>
+              </a:defRPr>
+            </a:lvl1pPr>
+            <a:lvl2pPr marL="457200" indent="0">
+              <a:buNone/>
+              <a:defRPr sz="1800">
+                <a:solidFill>
+                  <a:schemeClr val="tx1">
+                    <a:tint val="75000"/>
+                  </a:schemeClr>
+                </a:solidFill>
+              </a:defRPr>
+            </a:lvl2pPr>
+            <a:lvl3pPr marL="914400" indent="0">
+              <a:buNone/>
+              <a:defRPr sz="1600">
+                <a:solidFill>
+                  <a:schemeClr val="tx1">
+                    <a:tint val="75000"/>
+                  </a:schemeClr>
+                </a:solidFill>
+              </a:defRPr>
+            </a:lvl3pPr>
+            <a:lvl4pPr marL="1371600" indent="0">
+              <a:buNone/>
+              <a:defRPr sz="1400">
+                <a:solidFill>
+                  <a:schemeClr val="tx1">
+                    <a:tint val="75000"/>
+                  </a:schemeClr>
+                </a:solidFill>
+              </a:defRPr>
+            </a:lvl4pPr>
+            <a:lvl5pPr marL="1828800" indent="0">
+              <a:buNone/>
+              <a:defRPr sz="1400">
+                <a:solidFill>
+                  <a:schemeClr val="tx1">
+                    <a:tint val="75000"/>
+                  </a:schemeClr>
+                </a:solidFill>
+              </a:defRPr>
+            </a:lvl5pPr>
+            <a:lvl6pPr marL="2286000" indent="0">
+              <a:buNone/>
+              <a:defRPr sz="1400">
+                <a:solidFill>
+                  <a:schemeClr val="tx1">
+                    <a:tint val="75000"/>
+                  </a:schemeClr>
+                </a:solidFill>
+              </a:defRPr>
+            </a:lvl6pPr>
+            <a:lvl7pPr marL="2743200" indent="0">
+              <a:buNone/>
+              <a:defRPr sz="1400">
+                <a:solidFill>
+                  <a:schemeClr val="tx1">
+                    <a:tint val="75000"/>
+                  </a:schemeClr>
+                </a:solidFill>
+              </a:defRPr>
+            </a:lvl7pPr>
+            <a:lvl8pPr marL="3200400" indent="0">
+              <a:buNone/>
+              <a:defRPr sz="1400">
+                <a:solidFill>
+                  <a:schemeClr val="tx1">
+                    <a:tint val="75000"/>
+                  </a:schemeClr>
+                </a:solidFill>
+              </a:defRPr>
+            </a:lvl8pPr>
+            <a:lvl9pPr marL="3657600" indent="0">
+              <a:buNone/>
+              <a:defRPr sz="1400">
+                <a:solidFill>
+                  <a:schemeClr val="tx1">
+                    <a:tint val="75000"/>
+                  </a:schemeClr>
+                </a:solidFill>
+              </a:defRPr>
+            </a:lvl9pPr>
+          </a:lstStyle>
+          <a:p>
+            <a:pPr lvl="0"/>
+            <a:r>
+              <a:rPr lang="en-US" smtClean="0"/>
+              <a:t>Edit Master text styles</a:t>
+            </a:r>
+          </a:p>
+        </p:txBody>
+      </p:sp>
+      <p:sp>
+        <p:nvSpPr>
+          <p:cNvPr id="4" name="Date Placeholder 3"/>
+          <p:cNvSpPr>
+            <a:spLocks noGrp="1"/>
+          </p:cNvSpPr>
+          <p:nvPr>
+            <p:ph type="dt" sz="half" idx="10"/>
+          </p:nvPr>
+        </p:nvSpPr>
+        <p:spPr/>
+        <p:txBody>
+          <a:bodyPr/>
+          <a:lstStyle/>
+          <a:p>
+            <a:fld id="{AADDB955-70B9-4D4C-8D5D-0409BD461500}" type="datetimeFigureOut">
+              <a:rPr lang="en-IN" smtClean="0"/>
+              <a:t>13-01-2022</a:t>
+            </a:fld>
+            <a:endParaRPr lang="en-IN"/>
+          </a:p>
+        </p:txBody>
+      </p:sp>
+      <p:sp>
+        <p:nvSpPr>
+          <p:cNvPr id="5" name="Footer Placeholder 4"/>
+          <p:cNvSpPr>
+            <a:spLocks noGrp="1"/>
+          </p:cNvSpPr>
+          <p:nvPr>
+            <p:ph type="ftr" sz="quarter" idx="11"/>
+          </p:nvPr>
+        </p:nvSpPr>
+        <p:spPr/>
+        <p:txBody>
+          <a:bodyPr/>
+          <a:lstStyle/>
+          <a:p>
+            <a:endParaRPr lang="en-IN"/>
+          </a:p>
+        </p:txBody>
+      </p:sp>
+      <p:sp>
+        <p:nvSpPr>
+          <p:cNvPr id="6" name="Slide Number Placeholder 5"/>
+          <p:cNvSpPr>
+            <a:spLocks noGrp="1"/>
+          </p:cNvSpPr>
+          <p:nvPr>
+            <p:ph type="sldNum" sz="quarter" idx="12"/>
+          </p:nvPr>
+        </p:nvSpPr>
+        <p:spPr/>
+        <p:txBody>
+          <a:bodyPr/>
+          <a:lstStyle/>
+          <a:p>
+            <a:fld id="{A7E5F661-FFCC-4BA4-9DED-412BF76AF31B}" type="slidenum">
+              <a:rPr lang="en-IN" smtClean="0"/>
+              <a:t>‹#›</a:t>
+            </a:fld>
+            <a:endParaRPr lang="en-IN"/>
+          </a:p>
+        </p:txBody>
+      </p:sp>
+    </p:spTree>
+    <p:extLst>
+      <p:ext uri="{BB962C8B-B14F-4D97-AF65-F5344CB8AC3E}">
+        <p14:creationId xmlns:p14="http://schemas.microsoft.com/office/powerpoint/2010/main" val="334139450"/>
+      </p:ext>
+    </p:extLst>
+  </p:cSld>
+  <p:clrMapOvr>
+    <a:masterClrMapping/>
+  </p:clrMapOvr>
+</p:sldLayout>
+</file>
+
+<file path=ppt/slideLayouts/slideLayout13.xml><?xml version="1.0" encoding="utf-8"?>
+<p:sldLayout xmlns:a="http://schemas.openxmlformats.org/drawingml/2006/main" xmlns:r="http://schemas.openxmlformats.org/officeDocument/2006/relationships" xmlns:p="http://schemas.openxmlformats.org/presentationml/2006/main" preserve="1">
+  <p:cSld name="Name Card">
+    <p:spTree>
+      <p:nvGrpSpPr>
+        <p:cNvPr id="1" name=""/>
+        <p:cNvGrpSpPr/>
+        <p:nvPr/>
+      </p:nvGrpSpPr>
+      <p:grpSpPr>
+        <a:xfrm>
+          <a:off x="0" y="0"/>
+          <a:ext cx="0" cy="0"/>
+          <a:chOff x="0" y="0"/>
+          <a:chExt cx="0" cy="0"/>
+        </a:xfrm>
+      </p:grpSpPr>
+      <p:sp>
+        <p:nvSpPr>
+          <p:cNvPr id="2" name="Title 1"/>
+          <p:cNvSpPr>
+            <a:spLocks noGrp="1"/>
+          </p:cNvSpPr>
+          <p:nvPr>
+            <p:ph type="title"/>
+          </p:nvPr>
+        </p:nvSpPr>
+        <p:spPr>
+          <a:xfrm>
+            <a:off x="1484313" y="3308581"/>
+            <a:ext cx="10018709" cy="1468800"/>
+          </a:xfrm>
+        </p:spPr>
+        <p:txBody>
+          <a:bodyPr anchor="b">
+            <a:normAutofit/>
+          </a:bodyPr>
+          <a:lstStyle>
+            <a:lvl1pPr algn="r">
+              <a:defRPr sz="3200" b="0" cap="none"/>
+            </a:lvl1pPr>
+          </a:lstStyle>
+          <a:p>
+            <a:r>
+              <a:rPr lang="en-US" smtClean="0"/>
+              <a:t>Click to edit Master title style</a:t>
+            </a:r>
+            <a:endParaRPr lang="en-US" dirty="0"/>
+          </a:p>
+        </p:txBody>
+      </p:sp>
+      <p:sp>
+        <p:nvSpPr>
+          <p:cNvPr id="3" name="Text Placeholder 2"/>
+          <p:cNvSpPr>
+            <a:spLocks noGrp="1"/>
+          </p:cNvSpPr>
+          <p:nvPr>
+            <p:ph type="body" idx="1"/>
+          </p:nvPr>
+        </p:nvSpPr>
+        <p:spPr>
+          <a:xfrm>
+            <a:off x="1484312" y="4777381"/>
+            <a:ext cx="10018710" cy="860400"/>
+          </a:xfrm>
+        </p:spPr>
+        <p:txBody>
+          <a:bodyPr anchor="t">
+            <a:normAutofit/>
+          </a:bodyPr>
+          <a:lstStyle>
+            <a:lvl1pPr marL="0" indent="0" algn="r">
+              <a:buNone/>
+              <a:defRPr sz="2000">
+                <a:solidFill>
+                  <a:schemeClr val="tx1"/>
+                </a:solidFill>
+              </a:defRPr>
+            </a:lvl1pPr>
+            <a:lvl2pPr marL="457200" indent="0">
+              <a:buNone/>
+              <a:defRPr sz="1800">
+                <a:solidFill>
+                  <a:schemeClr val="tx1">
+                    <a:tint val="75000"/>
+                  </a:schemeClr>
+                </a:solidFill>
+              </a:defRPr>
+            </a:lvl2pPr>
+            <a:lvl3pPr marL="914400" indent="0">
+              <a:buNone/>
+              <a:defRPr sz="1600">
+                <a:solidFill>
+                  <a:schemeClr val="tx1">
+                    <a:tint val="75000"/>
+                  </a:schemeClr>
+                </a:solidFill>
+              </a:defRPr>
+            </a:lvl3pPr>
+            <a:lvl4pPr marL="1371600" indent="0">
+              <a:buNone/>
+              <a:defRPr sz="1400">
+                <a:solidFill>
+                  <a:schemeClr val="tx1">
+                    <a:tint val="75000"/>
+                  </a:schemeClr>
+                </a:solidFill>
+              </a:defRPr>
+            </a:lvl4pPr>
+            <a:lvl5pPr marL="1828800" indent="0">
+              <a:buNone/>
+              <a:defRPr sz="1400">
+                <a:solidFill>
+                  <a:schemeClr val="tx1">
+                    <a:tint val="75000"/>
+                  </a:schemeClr>
+                </a:solidFill>
+              </a:defRPr>
+            </a:lvl5pPr>
+            <a:lvl6pPr marL="2286000" indent="0">
+              <a:buNone/>
+              <a:defRPr sz="1400">
+                <a:solidFill>
+                  <a:schemeClr val="tx1">
+                    <a:tint val="75000"/>
+                  </a:schemeClr>
+                </a:solidFill>
+              </a:defRPr>
+            </a:lvl6pPr>
+            <a:lvl7pPr marL="2743200" indent="0">
+              <a:buNone/>
+              <a:defRPr sz="1400">
+                <a:solidFill>
+                  <a:schemeClr val="tx1">
+                    <a:tint val="75000"/>
+                  </a:schemeClr>
+                </a:solidFill>
+              </a:defRPr>
+            </a:lvl7pPr>
+            <a:lvl8pPr marL="3200400" indent="0">
+              <a:buNone/>
+              <a:defRPr sz="1400">
+                <a:solidFill>
+                  <a:schemeClr val="tx1">
+                    <a:tint val="75000"/>
+                  </a:schemeClr>
+                </a:solidFill>
+              </a:defRPr>
+            </a:lvl8pPr>
+            <a:lvl9pPr marL="3657600" indent="0">
+              <a:buNone/>
+              <a:defRPr sz="1400">
+                <a:solidFill>
+                  <a:schemeClr val="tx1">
+                    <a:tint val="75000"/>
+                  </a:schemeClr>
+                </a:solidFill>
+              </a:defRPr>
+            </a:lvl9pPr>
+          </a:lstStyle>
+          <a:p>
+            <a:pPr lvl="0"/>
+            <a:r>
+              <a:rPr lang="en-US" smtClean="0"/>
+              <a:t>Edit Master text styles</a:t>
+            </a:r>
+          </a:p>
+        </p:txBody>
+      </p:sp>
+      <p:sp>
+        <p:nvSpPr>
+          <p:cNvPr id="4" name="Date Placeholder 3"/>
+          <p:cNvSpPr>
+            <a:spLocks noGrp="1"/>
+          </p:cNvSpPr>
+          <p:nvPr>
+            <p:ph type="dt" sz="half" idx="10"/>
+          </p:nvPr>
+        </p:nvSpPr>
+        <p:spPr/>
+        <p:txBody>
+          <a:bodyPr/>
+          <a:lstStyle/>
+          <a:p>
+            <a:fld id="{AADDB955-70B9-4D4C-8D5D-0409BD461500}" type="datetimeFigureOut">
+              <a:rPr lang="en-IN" smtClean="0"/>
+              <a:t>13-01-2022</a:t>
+            </a:fld>
+            <a:endParaRPr lang="en-IN"/>
+          </a:p>
+        </p:txBody>
+      </p:sp>
+      <p:sp>
+        <p:nvSpPr>
+          <p:cNvPr id="5" name="Footer Placeholder 4"/>
+          <p:cNvSpPr>
+            <a:spLocks noGrp="1"/>
+          </p:cNvSpPr>
+          <p:nvPr>
+            <p:ph type="ftr" sz="quarter" idx="11"/>
+          </p:nvPr>
+        </p:nvSpPr>
+        <p:spPr/>
+        <p:txBody>
+          <a:bodyPr/>
+          <a:lstStyle/>
+          <a:p>
+            <a:endParaRPr lang="en-IN"/>
+          </a:p>
+        </p:txBody>
+      </p:sp>
+      <p:sp>
+        <p:nvSpPr>
+          <p:cNvPr id="6" name="Slide Number Placeholder 5"/>
+          <p:cNvSpPr>
+            <a:spLocks noGrp="1"/>
+          </p:cNvSpPr>
+          <p:nvPr>
+            <p:ph type="sldNum" sz="quarter" idx="12"/>
+          </p:nvPr>
+        </p:nvSpPr>
+        <p:spPr/>
+        <p:txBody>
+          <a:bodyPr/>
+          <a:lstStyle/>
+          <a:p>
+            <a:fld id="{A7E5F661-FFCC-4BA4-9DED-412BF76AF31B}" type="slidenum">
+              <a:rPr lang="en-IN" smtClean="0"/>
+              <a:t>‹#›</a:t>
+            </a:fld>
+            <a:endParaRPr lang="en-IN"/>
+          </a:p>
+        </p:txBody>
+      </p:sp>
+    </p:spTree>
+    <p:extLst>
+      <p:ext uri="{BB962C8B-B14F-4D97-AF65-F5344CB8AC3E}">
+        <p14:creationId xmlns:p14="http://schemas.microsoft.com/office/powerpoint/2010/main" val="371367051"/>
+      </p:ext>
+    </p:extLst>
+  </p:cSld>
+  <p:clrMapOvr>
+    <a:masterClrMapping/>
+  </p:clrMapOvr>
+</p:sldLayout>
+</file>
+
+<file path=ppt/slideLayouts/slideLayout14.xml><?xml version="1.0" encoding="utf-8"?>
+<p:sldLayout xmlns:a="http://schemas.openxmlformats.org/drawingml/2006/main" xmlns:r="http://schemas.openxmlformats.org/officeDocument/2006/relationships" xmlns:p="http://schemas.openxmlformats.org/presentationml/2006/main" preserve="1">
+  <p:cSld name="Quote Name Card">
+    <p:spTree>
+      <p:nvGrpSpPr>
+        <p:cNvPr id="1" name=""/>
+        <p:cNvGrpSpPr/>
+        <p:nvPr/>
+      </p:nvGrpSpPr>
+      <p:grpSpPr>
+        <a:xfrm>
+          <a:off x="0" y="0"/>
+          <a:ext cx="0" cy="0"/>
+          <a:chOff x="0" y="0"/>
+          <a:chExt cx="0" cy="0"/>
+        </a:xfrm>
+      </p:grpSpPr>
+      <p:sp>
+        <p:nvSpPr>
+          <p:cNvPr id="14" name="TextBox 13"/>
+          <p:cNvSpPr txBox="1"/>
+          <p:nvPr/>
+        </p:nvSpPr>
+        <p:spPr>
+          <a:xfrm>
+            <a:off x="1598612" y="863023"/>
+            <a:ext cx="609600" cy="584776"/>
+          </a:xfrm>
+          <a:prstGeom prst="rect">
+            <a:avLst/>
+          </a:prstGeom>
+        </p:spPr>
+        <p:txBody>
+          <a:bodyPr vert="horz" lIns="91440" tIns="45720" rIns="91440" bIns="45720" rtlCol="0" anchor="ctr">
+            <a:noAutofit/>
+          </a:bodyPr>
+          <a:lstStyle>
+            <a:lvl1pPr>
+              <a:spcBef>
+                <a:spcPct val="0"/>
+              </a:spcBef>
+              <a:buNone/>
+              <a:defRPr sz="3200" b="0" cap="all">
+                <a:ln w="3175" cmpd="sng">
+                  <a:noFill/>
+                </a:ln>
+                <a:effectLst>
+                  <a:glow rad="38100">
+                    <a:schemeClr val="bg1">
+                      <a:lumMod val="65000"/>
+                      <a:lumOff val="35000"/>
+                      <a:alpha val="40000"/>
+                    </a:schemeClr>
+                  </a:glow>
+                  <a:outerShdw blurRad="28575" dist="38100" dir="14040000" algn="tl" rotWithShape="0">
+                    <a:srgbClr val="000000">
+                      <a:alpha val="25000"/>
+                    </a:srgbClr>
+                  </a:outerShdw>
+                </a:effectLst>
+              </a:defRPr>
+            </a:lvl1pPr>
+            <a:lvl2pPr>
+              <a:defRPr>
+                <a:solidFill>
+                  <a:schemeClr val="tx2"/>
+                </a:solidFill>
+              </a:defRPr>
+            </a:lvl2pPr>
+            <a:lvl3pPr>
+              <a:defRPr>
+                <a:solidFill>
+                  <a:schemeClr val="tx2"/>
+                </a:solidFill>
+              </a:defRPr>
+            </a:lvl3pPr>
+            <a:lvl4pPr>
+              <a:defRPr>
+                <a:solidFill>
+                  <a:schemeClr val="tx2"/>
+                </a:solidFill>
+              </a:defRPr>
+            </a:lvl4pPr>
+            <a:lvl5pPr>
+              <a:defRPr>
+                <a:solidFill>
+                  <a:schemeClr val="tx2"/>
+                </a:solidFill>
+              </a:defRPr>
+            </a:lvl5pPr>
+            <a:lvl6pPr>
+              <a:defRPr>
+                <a:solidFill>
+                  <a:schemeClr val="tx2"/>
+                </a:solidFill>
+              </a:defRPr>
+            </a:lvl6pPr>
+            <a:lvl7pPr>
+              <a:defRPr>
+                <a:solidFill>
+                  <a:schemeClr val="tx2"/>
+                </a:solidFill>
+              </a:defRPr>
+            </a:lvl7pPr>
+            <a:lvl8pPr>
+              <a:defRPr>
+                <a:solidFill>
+                  <a:schemeClr val="tx2"/>
+                </a:solidFill>
+              </a:defRPr>
+            </a:lvl8pPr>
+            <a:lvl9pPr>
+              <a:defRPr>
+                <a:solidFill>
+                  <a:schemeClr val="tx2"/>
+                </a:solidFill>
+              </a:defRPr>
+            </a:lvl9pPr>
+          </a:lstStyle>
+          <a:p>
+            <a:pPr lvl="0"/>
+            <a:r>
+              <a:rPr lang="en-US" sz="8000" dirty="0">
+                <a:solidFill>
+                  <a:schemeClr val="tx1"/>
+                </a:solidFill>
+                <a:effectLst/>
+              </a:rPr>
+              <a:t>“</a:t>
+            </a:r>
+          </a:p>
+        </p:txBody>
+      </p:sp>
+      <p:sp>
+        <p:nvSpPr>
+          <p:cNvPr id="15" name="TextBox 14"/>
+          <p:cNvSpPr txBox="1"/>
+          <p:nvPr/>
+        </p:nvSpPr>
+        <p:spPr>
+          <a:xfrm>
+            <a:off x="10893425" y="2819399"/>
+            <a:ext cx="609600" cy="584776"/>
+          </a:xfrm>
+          <a:prstGeom prst="rect">
+            <a:avLst/>
+          </a:prstGeom>
+        </p:spPr>
+        <p:txBody>
+          <a:bodyPr vert="horz" lIns="91440" tIns="45720" rIns="91440" bIns="45720" rtlCol="0" anchor="ctr">
+            <a:noAutofit/>
+          </a:bodyPr>
+          <a:lstStyle>
+            <a:lvl1pPr>
+              <a:spcBef>
+                <a:spcPct val="0"/>
+              </a:spcBef>
+              <a:buNone/>
+              <a:defRPr sz="3200" b="0" cap="all">
+                <a:ln w="3175" cmpd="sng">
+                  <a:noFill/>
+                </a:ln>
+                <a:effectLst>
+                  <a:glow rad="38100">
+                    <a:schemeClr val="bg1">
+                      <a:lumMod val="65000"/>
+                      <a:lumOff val="35000"/>
+                      <a:alpha val="40000"/>
+                    </a:schemeClr>
+                  </a:glow>
+                  <a:outerShdw blurRad="28575" dist="38100" dir="14040000" algn="tl" rotWithShape="0">
+                    <a:srgbClr val="000000">
+                      <a:alpha val="25000"/>
+                    </a:srgbClr>
+                  </a:outerShdw>
+                </a:effectLst>
+              </a:defRPr>
+            </a:lvl1pPr>
+            <a:lvl2pPr>
+              <a:defRPr>
+                <a:solidFill>
+                  <a:schemeClr val="tx2"/>
+                </a:solidFill>
+              </a:defRPr>
+            </a:lvl2pPr>
+            <a:lvl3pPr>
+              <a:defRPr>
+                <a:solidFill>
+                  <a:schemeClr val="tx2"/>
+                </a:solidFill>
+              </a:defRPr>
+            </a:lvl3pPr>
+            <a:lvl4pPr>
+              <a:defRPr>
+                <a:solidFill>
+                  <a:schemeClr val="tx2"/>
+                </a:solidFill>
+              </a:defRPr>
+            </a:lvl4pPr>
+            <a:lvl5pPr>
+              <a:defRPr>
+                <a:solidFill>
+                  <a:schemeClr val="tx2"/>
+                </a:solidFill>
+              </a:defRPr>
+            </a:lvl5pPr>
+            <a:lvl6pPr>
+              <a:defRPr>
+                <a:solidFill>
+                  <a:schemeClr val="tx2"/>
+                </a:solidFill>
+              </a:defRPr>
+            </a:lvl6pPr>
+            <a:lvl7pPr>
+              <a:defRPr>
+                <a:solidFill>
+                  <a:schemeClr val="tx2"/>
+                </a:solidFill>
+              </a:defRPr>
+            </a:lvl7pPr>
+            <a:lvl8pPr>
+              <a:defRPr>
+                <a:solidFill>
+                  <a:schemeClr val="tx2"/>
+                </a:solidFill>
+              </a:defRPr>
+            </a:lvl8pPr>
+            <a:lvl9pPr>
+              <a:defRPr>
+                <a:solidFill>
+                  <a:schemeClr val="tx2"/>
+                </a:solidFill>
+              </a:defRPr>
+            </a:lvl9pPr>
+          </a:lstStyle>
+          <a:p>
+            <a:pPr lvl="0" algn="r"/>
+            <a:r>
+              <a:rPr lang="en-US" sz="8000" dirty="0">
+                <a:solidFill>
+                  <a:schemeClr val="tx1"/>
+                </a:solidFill>
+                <a:effectLst/>
+              </a:rPr>
+              <a:t>”</a:t>
+            </a:r>
+          </a:p>
+        </p:txBody>
+      </p:sp>
+      <p:sp>
+        <p:nvSpPr>
+          <p:cNvPr id="2" name="Title 1"/>
+          <p:cNvSpPr>
+            <a:spLocks noGrp="1"/>
+          </p:cNvSpPr>
+          <p:nvPr>
+            <p:ph type="title"/>
+          </p:nvPr>
+        </p:nvSpPr>
+        <p:spPr>
+          <a:xfrm>
+            <a:off x="2208212" y="685800"/>
+            <a:ext cx="8990012" cy="2743199"/>
+          </a:xfrm>
+        </p:spPr>
+        <p:txBody>
+          <a:bodyPr anchor="ctr">
+            <a:normAutofit/>
+          </a:bodyPr>
+          <a:lstStyle>
+            <a:lvl1pPr algn="ctr">
+              <a:defRPr sz="3200" b="0" cap="none">
+                <a:solidFill>
+                  <a:schemeClr val="tx1"/>
+                </a:solidFill>
+              </a:defRPr>
+            </a:lvl1pPr>
+          </a:lstStyle>
+          <a:p>
+            <a:r>
+              <a:rPr lang="en-US" smtClean="0"/>
+              <a:t>Click to edit Master title style</a:t>
+            </a:r>
+            <a:endParaRPr lang="en-US" dirty="0"/>
+          </a:p>
+        </p:txBody>
+      </p:sp>
+      <p:sp>
+        <p:nvSpPr>
+          <p:cNvPr id="10" name="Text Placeholder 9"/>
+          <p:cNvSpPr>
+            <a:spLocks noGrp="1"/>
+          </p:cNvSpPr>
+          <p:nvPr>
+            <p:ph type="body" sz="quarter" idx="13"/>
+          </p:nvPr>
+        </p:nvSpPr>
+        <p:spPr>
+          <a:xfrm>
+            <a:off x="1484313" y="3886200"/>
+            <a:ext cx="10018710" cy="889000"/>
+          </a:xfrm>
+        </p:spPr>
+        <p:txBody>
+          <a:bodyPr vert="horz" lIns="91440" tIns="45720" rIns="91440" bIns="45720" rtlCol="0" anchor="b">
+            <a:normAutofit/>
+          </a:bodyPr>
+          <a:lstStyle>
+            <a:lvl1pPr algn="r">
+              <a:buNone/>
+              <a:defRPr lang="en-US" sz="2400" b="0" cap="none" dirty="0">
+                <a:ln w="3175" cmpd="sng">
+                  <a:noFill/>
+                </a:ln>
+                <a:solidFill>
+                  <a:schemeClr val="tx1"/>
+                </a:solidFill>
+                <a:effectLst/>
+              </a:defRPr>
+            </a:lvl1pPr>
+          </a:lstStyle>
+          <a:p>
+            <a:pPr marL="0" lvl="0">
+              <a:spcBef>
+                <a:spcPct val="0"/>
+              </a:spcBef>
+              <a:buNone/>
+            </a:pPr>
+            <a:r>
+              <a:rPr lang="en-US" smtClean="0"/>
+              <a:t>Edit Master text styles</a:t>
+            </a:r>
+          </a:p>
+        </p:txBody>
+      </p:sp>
+      <p:sp>
+        <p:nvSpPr>
+          <p:cNvPr id="3" name="Text Placeholder 2"/>
+          <p:cNvSpPr>
+            <a:spLocks noGrp="1"/>
+          </p:cNvSpPr>
+          <p:nvPr>
+            <p:ph type="body" idx="1"/>
+          </p:nvPr>
+        </p:nvSpPr>
+        <p:spPr>
+          <a:xfrm>
+            <a:off x="1484312" y="4775200"/>
+            <a:ext cx="10018710" cy="1016000"/>
+          </a:xfrm>
+        </p:spPr>
+        <p:txBody>
+          <a:bodyPr anchor="t">
+            <a:normAutofit/>
+          </a:bodyPr>
+          <a:lstStyle>
+            <a:lvl1pPr marL="0" indent="0" algn="r">
+              <a:buNone/>
+              <a:defRPr sz="1800">
+                <a:solidFill>
+                  <a:schemeClr val="tx1"/>
+                </a:solidFill>
+              </a:defRPr>
+            </a:lvl1pPr>
+            <a:lvl2pPr marL="457200" indent="0">
+              <a:buNone/>
+              <a:defRPr sz="1800">
+                <a:solidFill>
+                  <a:schemeClr val="tx1">
+                    <a:tint val="75000"/>
+                  </a:schemeClr>
+                </a:solidFill>
+              </a:defRPr>
+            </a:lvl2pPr>
+            <a:lvl3pPr marL="914400" indent="0">
+              <a:buNone/>
+              <a:defRPr sz="1600">
+                <a:solidFill>
+                  <a:schemeClr val="tx1">
+                    <a:tint val="75000"/>
+                  </a:schemeClr>
+                </a:solidFill>
+              </a:defRPr>
+            </a:lvl3pPr>
+            <a:lvl4pPr marL="1371600" indent="0">
+              <a:buNone/>
+              <a:defRPr sz="1400">
+                <a:solidFill>
+                  <a:schemeClr val="tx1">
+                    <a:tint val="75000"/>
+                  </a:schemeClr>
+                </a:solidFill>
+              </a:defRPr>
+            </a:lvl4pPr>
+            <a:lvl5pPr marL="1828800" indent="0">
+              <a:buNone/>
+              <a:defRPr sz="1400">
+                <a:solidFill>
+                  <a:schemeClr val="tx1">
+                    <a:tint val="75000"/>
+                  </a:schemeClr>
+                </a:solidFill>
+              </a:defRPr>
+            </a:lvl5pPr>
+            <a:lvl6pPr marL="2286000" indent="0">
+              <a:buNone/>
+              <a:defRPr sz="1400">
+                <a:solidFill>
+                  <a:schemeClr val="tx1">
+                    <a:tint val="75000"/>
+                  </a:schemeClr>
+                </a:solidFill>
+              </a:defRPr>
+            </a:lvl6pPr>
+            <a:lvl7pPr marL="2743200" indent="0">
+              <a:buNone/>
+              <a:defRPr sz="1400">
+                <a:solidFill>
+                  <a:schemeClr val="tx1">
+                    <a:tint val="75000"/>
+                  </a:schemeClr>
+                </a:solidFill>
+              </a:defRPr>
+            </a:lvl7pPr>
+            <a:lvl8pPr marL="3200400" indent="0">
+              <a:buNone/>
+              <a:defRPr sz="1400">
+                <a:solidFill>
+                  <a:schemeClr val="tx1">
+                    <a:tint val="75000"/>
+                  </a:schemeClr>
+                </a:solidFill>
+              </a:defRPr>
+            </a:lvl8pPr>
+            <a:lvl9pPr marL="3657600" indent="0">
+              <a:buNone/>
+              <a:defRPr sz="1400">
+                <a:solidFill>
+                  <a:schemeClr val="tx1">
+                    <a:tint val="75000"/>
+                  </a:schemeClr>
+                </a:solidFill>
+              </a:defRPr>
+            </a:lvl9pPr>
+          </a:lstStyle>
+          <a:p>
+            <a:pPr lvl="0"/>
+            <a:r>
+              <a:rPr lang="en-US" smtClean="0"/>
+              <a:t>Edit Master text styles</a:t>
+            </a:r>
+          </a:p>
+        </p:txBody>
+      </p:sp>
+      <p:sp>
+        <p:nvSpPr>
+          <p:cNvPr id="4" name="Date Placeholder 3"/>
+          <p:cNvSpPr>
+            <a:spLocks noGrp="1"/>
+          </p:cNvSpPr>
+          <p:nvPr>
+            <p:ph type="dt" sz="half" idx="10"/>
+          </p:nvPr>
+        </p:nvSpPr>
+        <p:spPr/>
+        <p:txBody>
+          <a:bodyPr/>
+          <a:lstStyle/>
+          <a:p>
+            <a:fld id="{AADDB955-70B9-4D4C-8D5D-0409BD461500}" type="datetimeFigureOut">
+              <a:rPr lang="en-IN" smtClean="0"/>
+              <a:t>13-01-2022</a:t>
+            </a:fld>
+            <a:endParaRPr lang="en-IN"/>
+          </a:p>
+        </p:txBody>
+      </p:sp>
+      <p:sp>
+        <p:nvSpPr>
+          <p:cNvPr id="5" name="Footer Placeholder 4"/>
+          <p:cNvSpPr>
+            <a:spLocks noGrp="1"/>
+          </p:cNvSpPr>
+          <p:nvPr>
+            <p:ph type="ftr" sz="quarter" idx="11"/>
+          </p:nvPr>
+        </p:nvSpPr>
+        <p:spPr/>
+        <p:txBody>
+          <a:bodyPr/>
+          <a:lstStyle/>
+          <a:p>
+            <a:endParaRPr lang="en-IN"/>
+          </a:p>
+        </p:txBody>
+      </p:sp>
+      <p:sp>
+        <p:nvSpPr>
+          <p:cNvPr id="6" name="Slide Number Placeholder 5"/>
+          <p:cNvSpPr>
+            <a:spLocks noGrp="1"/>
+          </p:cNvSpPr>
+          <p:nvPr>
+            <p:ph type="sldNum" sz="quarter" idx="12"/>
+          </p:nvPr>
+        </p:nvSpPr>
+        <p:spPr/>
+        <p:txBody>
+          <a:bodyPr/>
+          <a:lstStyle/>
+          <a:p>
+            <a:fld id="{A7E5F661-FFCC-4BA4-9DED-412BF76AF31B}" type="slidenum">
+              <a:rPr lang="en-IN" smtClean="0"/>
+              <a:t>‹#›</a:t>
+            </a:fld>
+            <a:endParaRPr lang="en-IN"/>
+          </a:p>
+        </p:txBody>
+      </p:sp>
+    </p:spTree>
+    <p:extLst>
+      <p:ext uri="{BB962C8B-B14F-4D97-AF65-F5344CB8AC3E}">
+        <p14:creationId xmlns:p14="http://schemas.microsoft.com/office/powerpoint/2010/main" val="3599128727"/>
+      </p:ext>
+    </p:extLst>
+  </p:cSld>
+  <p:clrMapOvr>
+    <a:masterClrMapping/>
+  </p:clrMapOvr>
+</p:sldLayout>
+</file>
+
+<file path=ppt/slideLayouts/slideLayout15.xml><?xml version="1.0" encoding="utf-8"?>
+<p:sldLayout xmlns:a="http://schemas.openxmlformats.org/drawingml/2006/main" xmlns:r="http://schemas.openxmlformats.org/officeDocument/2006/relationships" xmlns:p="http://schemas.openxmlformats.org/presentationml/2006/main" preserve="1">
+  <p:cSld name="True or False">
+    <p:spTree>
+      <p:nvGrpSpPr>
+        <p:cNvPr id="1" name=""/>
+        <p:cNvGrpSpPr/>
+        <p:nvPr/>
+      </p:nvGrpSpPr>
+      <p:grpSpPr>
+        <a:xfrm>
+          <a:off x="0" y="0"/>
+          <a:ext cx="0" cy="0"/>
+          <a:chOff x="0" y="0"/>
+          <a:chExt cx="0" cy="0"/>
+        </a:xfrm>
+      </p:grpSpPr>
+      <p:sp>
+        <p:nvSpPr>
+          <p:cNvPr id="2" name="Title 1"/>
+          <p:cNvSpPr>
+            <a:spLocks noGrp="1"/>
+          </p:cNvSpPr>
+          <p:nvPr>
+            <p:ph type="title"/>
+          </p:nvPr>
+        </p:nvSpPr>
+        <p:spPr>
+          <a:xfrm>
+            <a:off x="1484313" y="685800"/>
+            <a:ext cx="10018712" cy="2727325"/>
+          </a:xfrm>
+        </p:spPr>
+        <p:txBody>
+          <a:bodyPr vert="horz" lIns="91440" tIns="45720" rIns="91440" bIns="45720" rtlCol="0" anchor="ctr">
+            <a:normAutofit/>
+          </a:bodyPr>
+          <a:lstStyle>
+            <a:lvl1pPr>
+              <a:defRPr lang="en-US" b="0" dirty="0"/>
+            </a:lvl1pPr>
+          </a:lstStyle>
+          <a:p>
+            <a:pPr marL="0" lvl="0"/>
+            <a:r>
+              <a:rPr lang="en-US" smtClean="0"/>
+              <a:t>Click to edit Master title style</a:t>
+            </a:r>
+            <a:endParaRPr lang="en-US" dirty="0"/>
+          </a:p>
+        </p:txBody>
+      </p:sp>
+      <p:sp>
+        <p:nvSpPr>
+          <p:cNvPr id="10" name="Text Placeholder 9"/>
+          <p:cNvSpPr>
+            <a:spLocks noGrp="1"/>
+          </p:cNvSpPr>
+          <p:nvPr>
+            <p:ph type="body" sz="quarter" idx="13"/>
+          </p:nvPr>
+        </p:nvSpPr>
+        <p:spPr>
+          <a:xfrm>
+            <a:off x="1484312" y="3505200"/>
+            <a:ext cx="10018713" cy="838200"/>
+          </a:xfrm>
+        </p:spPr>
+        <p:txBody>
+          <a:bodyPr vert="horz" lIns="91440" tIns="45720" rIns="91440" bIns="45720" rtlCol="0" anchor="b">
+            <a:normAutofit/>
+          </a:bodyPr>
+          <a:lstStyle>
+            <a:lvl1pPr>
+              <a:buNone/>
+              <a:defRPr lang="en-US" sz="2800" b="0" cap="none" dirty="0">
+                <a:ln w="3175" cmpd="sng">
+                  <a:noFill/>
+                </a:ln>
+                <a:solidFill>
+                  <a:schemeClr val="tx1"/>
+                </a:solidFill>
+                <a:effectLst/>
+              </a:defRPr>
+            </a:lvl1pPr>
+          </a:lstStyle>
+          <a:p>
+            <a:pPr marL="0" lvl="0">
+              <a:spcBef>
+                <a:spcPct val="0"/>
+              </a:spcBef>
+              <a:buNone/>
+            </a:pPr>
+            <a:r>
+              <a:rPr lang="en-US" smtClean="0"/>
+              <a:t>Edit Master text styles</a:t>
+            </a:r>
+          </a:p>
+        </p:txBody>
+      </p:sp>
+      <p:sp>
+        <p:nvSpPr>
+          <p:cNvPr id="3" name="Text Placeholder 2"/>
+          <p:cNvSpPr>
+            <a:spLocks noGrp="1"/>
+          </p:cNvSpPr>
+          <p:nvPr>
+            <p:ph type="body" idx="1"/>
+          </p:nvPr>
+        </p:nvSpPr>
+        <p:spPr>
+          <a:xfrm>
+            <a:off x="1484311" y="4343400"/>
+            <a:ext cx="10018713" cy="1447800"/>
+          </a:xfrm>
+        </p:spPr>
+        <p:txBody>
+          <a:bodyPr anchor="t">
+            <a:normAutofit/>
+          </a:bodyPr>
+          <a:lstStyle>
+            <a:lvl1pPr marL="0" indent="0" algn="l">
+              <a:buNone/>
+              <a:defRPr sz="1800">
+                <a:solidFill>
+                  <a:schemeClr val="tx1"/>
+                </a:solidFill>
+              </a:defRPr>
+            </a:lvl1pPr>
+            <a:lvl2pPr marL="457200" indent="0">
+              <a:buNone/>
+              <a:defRPr sz="1800">
+                <a:solidFill>
+                  <a:schemeClr val="tx1">
+                    <a:tint val="75000"/>
+                  </a:schemeClr>
+                </a:solidFill>
+              </a:defRPr>
+            </a:lvl2pPr>
+            <a:lvl3pPr marL="914400" indent="0">
+              <a:buNone/>
+              <a:defRPr sz="1600">
+                <a:solidFill>
+                  <a:schemeClr val="tx1">
+                    <a:tint val="75000"/>
+                  </a:schemeClr>
+                </a:solidFill>
+              </a:defRPr>
+            </a:lvl3pPr>
+            <a:lvl4pPr marL="1371600" indent="0">
+              <a:buNone/>
+              <a:defRPr sz="1400">
+                <a:solidFill>
+                  <a:schemeClr val="tx1">
+                    <a:tint val="75000"/>
+                  </a:schemeClr>
+                </a:solidFill>
+              </a:defRPr>
+            </a:lvl4pPr>
+            <a:lvl5pPr marL="1828800" indent="0">
+              <a:buNone/>
+              <a:defRPr sz="1400">
+                <a:solidFill>
+                  <a:schemeClr val="tx1">
+                    <a:tint val="75000"/>
+                  </a:schemeClr>
+                </a:solidFill>
+              </a:defRPr>
+            </a:lvl5pPr>
+            <a:lvl6pPr marL="2286000" indent="0">
+              <a:buNone/>
+              <a:defRPr sz="1400">
+                <a:solidFill>
+                  <a:schemeClr val="tx1">
+                    <a:tint val="75000"/>
+                  </a:schemeClr>
+                </a:solidFill>
+              </a:defRPr>
+            </a:lvl6pPr>
+            <a:lvl7pPr marL="2743200" indent="0">
+              <a:buNone/>
+              <a:defRPr sz="1400">
+                <a:solidFill>
+                  <a:schemeClr val="tx1">
+                    <a:tint val="75000"/>
+                  </a:schemeClr>
+                </a:solidFill>
+              </a:defRPr>
+            </a:lvl7pPr>
+            <a:lvl8pPr marL="3200400" indent="0">
+              <a:buNone/>
+              <a:defRPr sz="1400">
+                <a:solidFill>
+                  <a:schemeClr val="tx1">
+                    <a:tint val="75000"/>
+                  </a:schemeClr>
+                </a:solidFill>
+              </a:defRPr>
+            </a:lvl8pPr>
+            <a:lvl9pPr marL="3657600" indent="0">
+              <a:buNone/>
+              <a:defRPr sz="1400">
+                <a:solidFill>
+                  <a:schemeClr val="tx1">
+                    <a:tint val="75000"/>
+                  </a:schemeClr>
+                </a:solidFill>
+              </a:defRPr>
+            </a:lvl9pPr>
+          </a:lstStyle>
+          <a:p>
+            <a:pPr lvl="0"/>
+            <a:r>
+              <a:rPr lang="en-US" smtClean="0"/>
+              <a:t>Edit Master text styles</a:t>
+            </a:r>
+          </a:p>
+        </p:txBody>
+      </p:sp>
+      <p:sp>
+        <p:nvSpPr>
+          <p:cNvPr id="4" name="Date Placeholder 3"/>
+          <p:cNvSpPr>
+            <a:spLocks noGrp="1"/>
+          </p:cNvSpPr>
+          <p:nvPr>
+            <p:ph type="dt" sz="half" idx="10"/>
+          </p:nvPr>
+        </p:nvSpPr>
+        <p:spPr/>
+        <p:txBody>
+          <a:bodyPr/>
+          <a:lstStyle/>
+          <a:p>
+            <a:fld id="{AADDB955-70B9-4D4C-8D5D-0409BD461500}" type="datetimeFigureOut">
+              <a:rPr lang="en-IN" smtClean="0"/>
+              <a:t>13-01-2022</a:t>
+            </a:fld>
+            <a:endParaRPr lang="en-IN"/>
+          </a:p>
+        </p:txBody>
+      </p:sp>
+      <p:sp>
+        <p:nvSpPr>
+          <p:cNvPr id="5" name="Footer Placeholder 4"/>
+          <p:cNvSpPr>
+            <a:spLocks noGrp="1"/>
+          </p:cNvSpPr>
+          <p:nvPr>
+            <p:ph type="ftr" sz="quarter" idx="11"/>
+          </p:nvPr>
+        </p:nvSpPr>
+        <p:spPr/>
+        <p:txBody>
+          <a:bodyPr/>
+          <a:lstStyle/>
+          <a:p>
+            <a:endParaRPr lang="en-IN"/>
+          </a:p>
+        </p:txBody>
+      </p:sp>
+      <p:sp>
+        <p:nvSpPr>
+          <p:cNvPr id="6" name="Slide Number Placeholder 5"/>
+          <p:cNvSpPr>
+            <a:spLocks noGrp="1"/>
+          </p:cNvSpPr>
+          <p:nvPr>
+            <p:ph type="sldNum" sz="quarter" idx="12"/>
+          </p:nvPr>
+        </p:nvSpPr>
+        <p:spPr/>
+        <p:txBody>
+          <a:bodyPr/>
+          <a:lstStyle/>
+          <a:p>
+            <a:fld id="{A7E5F661-FFCC-4BA4-9DED-412BF76AF31B}" type="slidenum">
+              <a:rPr lang="en-IN" smtClean="0"/>
+              <a:t>‹#›</a:t>
+            </a:fld>
+            <a:endParaRPr lang="en-IN"/>
+          </a:p>
+        </p:txBody>
+      </p:sp>
+    </p:spTree>
+    <p:extLst>
+      <p:ext uri="{BB962C8B-B14F-4D97-AF65-F5344CB8AC3E}">
+        <p14:creationId xmlns:p14="http://schemas.microsoft.com/office/powerpoint/2010/main" val="2160605046"/>
+      </p:ext>
+    </p:extLst>
+  </p:cSld>
+  <p:clrMapOvr>
+    <a:masterClrMapping/>
+  </p:clrMapOvr>
+</p:sldLayout>
+</file>
+
+<file path=ppt/slideLayouts/slideLayout16.xml><?xml version="1.0" encoding="utf-8"?>
 <p:sldLayout xmlns:a="http://schemas.openxmlformats.org/drawingml/2006/main" xmlns:r="http://schemas.openxmlformats.org/officeDocument/2006/relationships" xmlns:p="http://schemas.openxmlformats.org/presentationml/2006/main" type="vertTx" preserve="1">
   <p:cSld name="Title and Vertical Text">
     <p:spTree>
@@ -353,18 +2865,91 @@
       </p:grpSpPr>
       <p:sp>
         <p:nvSpPr>
-          <p:cNvPr id="2" name="Title 1">
-            <a:extLst>
-              <a:ext uri="{FF2B5EF4-FFF2-40B4-BE49-F238E27FC236}">
-                <a16:creationId xmlns:a16="http://schemas.microsoft.com/office/drawing/2014/main" id="{51515B1D-01E3-43F9-A73D-F931E8A2887E}"/>
-              </a:ext>
-            </a:extLst>
-          </p:cNvPr>
+          <p:cNvPr id="2" name="Title 1"/>
           <p:cNvSpPr>
             <a:spLocks noGrp="1"/>
           </p:cNvSpPr>
           <p:nvPr>
             <p:ph type="title"/>
+          </p:nvPr>
+        </p:nvSpPr>
+        <p:spPr/>
+        <p:txBody>
+          <a:bodyPr/>
+          <a:lstStyle>
+            <a:lvl1pPr algn="ctr">
+              <a:defRPr/>
+            </a:lvl1pPr>
+          </a:lstStyle>
+          <a:p>
+            <a:r>
+              <a:rPr lang="en-US" smtClean="0"/>
+              <a:t>Click to edit Master title style</a:t>
+            </a:r>
+            <a:endParaRPr lang="en-US" dirty="0"/>
+          </a:p>
+        </p:txBody>
+      </p:sp>
+      <p:sp>
+        <p:nvSpPr>
+          <p:cNvPr id="3" name="Vertical Text Placeholder 2"/>
+          <p:cNvSpPr>
+            <a:spLocks noGrp="1"/>
+          </p:cNvSpPr>
+          <p:nvPr>
+            <p:ph type="body" orient="vert" idx="1"/>
+          </p:nvPr>
+        </p:nvSpPr>
+        <p:spPr/>
+        <p:txBody>
+          <a:bodyPr vert="eaVert" anchor="t"/>
+          <a:lstStyle/>
+          <a:p>
+            <a:pPr lvl="0"/>
+            <a:r>
+              <a:rPr lang="en-US" smtClean="0"/>
+              <a:t>Edit Master text styles</a:t>
+            </a:r>
+          </a:p>
+          <a:p>
+            <a:pPr lvl="1"/>
+            <a:r>
+              <a:rPr lang="en-US" smtClean="0"/>
+              <a:t>Second level</a:t>
+            </a:r>
+          </a:p>
+          <a:p>
+            <a:pPr lvl="2"/>
+            <a:r>
+              <a:rPr lang="en-US" smtClean="0"/>
+              <a:t>Third level</a:t>
+            </a:r>
+          </a:p>
+          <a:p>
+            <a:pPr lvl="3"/>
+            <a:r>
+              <a:rPr lang="en-US" smtClean="0"/>
+              <a:t>Fourth level</a:t>
+            </a:r>
+          </a:p>
+          <a:p>
+            <a:pPr lvl="4"/>
+            <a:r>
+              <a:rPr lang="en-US" smtClean="0"/>
+              <a:t>Fifth level</a:t>
+            </a:r>
+            <a:endParaRPr lang="en-US" dirty="0"/>
+          </a:p>
+        </p:txBody>
+      </p:sp>
+      <p:sp>
+        <p:nvSpPr>
+          <p:cNvPr id="4" name="Date Placeholder 3"/>
+          <p:cNvSpPr>
+            <a:spLocks noGrp="1"/>
+          </p:cNvSpPr>
+          <p:nvPr>
+            <p:ph type="dt" sz="half" idx="10"/>
           </p:nvPr>
         </p:nvSpPr>
         <p:spPr/>
@@ -372,86 +2957,22 @@
           <a:bodyPr/>
           <a:lstStyle/>
           <a:p>
-            <a:r>
-              <a:rPr lang="en-US"/>
-              <a:t>Click to edit Master title style</a:t>
-            </a:r>
+            <a:fld id="{AADDB955-70B9-4D4C-8D5D-0409BD461500}" type="datetimeFigureOut">
+              <a:rPr lang="en-IN" smtClean="0"/>
+              <a:t>13-01-2022</a:t>
+            </a:fld>
             <a:endParaRPr lang="en-IN"/>
           </a:p>
         </p:txBody>
       </p:sp>
       <p:sp>
         <p:nvSpPr>
-          <p:cNvPr id="3" name="Vertical Text Placeholder 2">
-            <a:extLst>
-              <a:ext uri="{FF2B5EF4-FFF2-40B4-BE49-F238E27FC236}">
-                <a16:creationId xmlns:a16="http://schemas.microsoft.com/office/drawing/2014/main" id="{F3C1B3C7-8560-45B2-B7BC-34CB20BF8266}"/>
-              </a:ext>
-            </a:extLst>
-          </p:cNvPr>
-          <p:cNvSpPr>
-            <a:spLocks noGrp="1"/>
-          </p:cNvSpPr>
-          <p:nvPr>
-            <p:ph type="body" orient="vert" idx="1"/>
-          </p:nvPr>
-        </p:nvSpPr>
-        <p:spPr/>
-        <p:txBody>
-          <a:bodyPr vert="eaVert"/>
-          <a:lstStyle/>
-          <a:p>
-            <a:pPr lvl="0"/>
-            <a:r>
-              <a:rPr lang="en-US"/>
-              <a:t>Edit Master text styles</a:t>
-            </a:r>
-          </a:p>
-          <a:p>
-            <a:pPr lvl="1"/>
-            <a:r>
-              <a:rPr lang="en-US"/>
-              <a:t>Second level</a:t>
-            </a:r>
-          </a:p>
-          <a:p>
-            <a:pPr lvl="2"/>
-            <a:r>
-              <a:rPr lang="en-US"/>
-              <a:t>Third level</a:t>
-            </a:r>
-          </a:p>
-          <a:p>
-            <a:pPr lvl="3"/>
-            <a:r>
-              <a:rPr lang="en-US"/>
-              <a:t>Fourth level</a:t>
-            </a:r>
-          </a:p>
-          <a:p>
-            <a:pPr lvl="4"/>
-            <a:r>
-              <a:rPr lang="en-US"/>
-              <a:t>Fifth level</a:t>
-            </a:r>
-            <a:endParaRPr lang="en-IN"/>
-          </a:p>
-        </p:txBody>
-      </p:sp>
-      <p:sp>
-        <p:nvSpPr>
-          <p:cNvPr id="4" name="Date Placeholder 3">
-            <a:extLst>
-              <a:ext uri="{FF2B5EF4-FFF2-40B4-BE49-F238E27FC236}">
-                <a16:creationId xmlns:a16="http://schemas.microsoft.com/office/drawing/2014/main" id="{D0E384B2-DA6B-422F-BB8E-374B1F9AF0CD}"/>
-              </a:ext>
-            </a:extLst>
-          </p:cNvPr>
-          <p:cNvSpPr>
-            <a:spLocks noGrp="1"/>
-          </p:cNvSpPr>
-          <p:nvPr>
-            <p:ph type="dt" sz="half" idx="10"/>
+          <p:cNvPr id="5" name="Footer Placeholder 4"/>
+          <p:cNvSpPr>
+            <a:spLocks noGrp="1"/>
+          </p:cNvSpPr>
+          <p:nvPr>
+            <p:ph type="ftr" sz="quarter" idx="11"/>
           </p:nvPr>
         </p:nvSpPr>
         <p:spPr/>
@@ -459,48 +2980,13 @@
           <a:bodyPr/>
           <a:lstStyle/>
           <a:p>
-            <a:fld id="{AADDB955-70B9-4D4C-8D5D-0409BD461500}" type="datetimeFigureOut">
-              <a:rPr lang="en-IN" smtClean="0"/>
-              <a:t>12-01-2022</a:t>
-            </a:fld>
             <a:endParaRPr lang="en-IN"/>
           </a:p>
         </p:txBody>
       </p:sp>
       <p:sp>
         <p:nvSpPr>
-          <p:cNvPr id="5" name="Footer Placeholder 4">
-            <a:extLst>
-              <a:ext uri="{FF2B5EF4-FFF2-40B4-BE49-F238E27FC236}">
-                <a16:creationId xmlns:a16="http://schemas.microsoft.com/office/drawing/2014/main" id="{9A457684-2226-4937-863D-1F91A63D0C45}"/>
-              </a:ext>
-            </a:extLst>
-          </p:cNvPr>
-          <p:cNvSpPr>
-            <a:spLocks noGrp="1"/>
-          </p:cNvSpPr>
-          <p:nvPr>
-            <p:ph type="ftr" sz="quarter" idx="11"/>
-          </p:nvPr>
-        </p:nvSpPr>
-        <p:spPr/>
-        <p:txBody>
-          <a:bodyPr/>
-          <a:lstStyle/>
-          <a:p>
-            <a:endParaRPr lang="en-IN"/>
-          </a:p>
-        </p:txBody>
-      </p:sp>
-      <p:sp>
-        <p:nvSpPr>
-          <p:cNvPr id="6" name="Slide Number Placeholder 5">
-            <a:extLst>
-              <a:ext uri="{FF2B5EF4-FFF2-40B4-BE49-F238E27FC236}">
-                <a16:creationId xmlns:a16="http://schemas.microsoft.com/office/drawing/2014/main" id="{3536F70E-22CC-4B5E-9A50-3AE3FDE07604}"/>
-              </a:ext>
-            </a:extLst>
-          </p:cNvPr>
+          <p:cNvPr id="6" name="Slide Number Placeholder 5"/>
           <p:cNvSpPr>
             <a:spLocks noGrp="1"/>
           </p:cNvSpPr>
@@ -524,7 +3010,7 @@
     </p:spTree>
     <p:extLst>
       <p:ext uri="{BB962C8B-B14F-4D97-AF65-F5344CB8AC3E}">
-        <p14:creationId xmlns:p14="http://schemas.microsoft.com/office/powerpoint/2010/main" val="3882255667"/>
+        <p14:creationId xmlns:p14="http://schemas.microsoft.com/office/powerpoint/2010/main" val="1459443292"/>
       </p:ext>
     </p:extLst>
   </p:cSld>
@@ -534,7 +3020,7 @@
 </p:sldLayout>
 </file>
 
-<file path=ppt/slideLayouts/slideLayout11.xml><?xml version="1.0" encoding="utf-8"?>
+<file path=ppt/slideLayouts/slideLayout17.xml><?xml version="1.0" encoding="utf-8"?>
 <p:sldLayout xmlns:a="http://schemas.openxmlformats.org/drawingml/2006/main" xmlns:r="http://schemas.openxmlformats.org/officeDocument/2006/relationships" xmlns:p="http://schemas.openxmlformats.org/presentationml/2006/main" type="vertTitleAndTx" preserve="1">
   <p:cSld name="Vertical Title and Text">
     <p:spTree>
@@ -553,13 +3039,7 @@
       </p:grpSpPr>
       <p:sp>
         <p:nvSpPr>
-          <p:cNvPr id="2" name="Vertical Title 1">
-            <a:extLst>
-              <a:ext uri="{FF2B5EF4-FFF2-40B4-BE49-F238E27FC236}">
-                <a16:creationId xmlns:a16="http://schemas.microsoft.com/office/drawing/2014/main" id="{F7E21F5B-E53B-4193-A6D0-CC5D68B15817}"/>
-              </a:ext>
-            </a:extLst>
-          </p:cNvPr>
+          <p:cNvPr id="2" name="Vertical Title 1"/>
           <p:cNvSpPr>
             <a:spLocks noGrp="1"/>
           </p:cNvSpPr>
@@ -569,8 +3049,8 @@
         </p:nvSpPr>
         <p:spPr>
           <a:xfrm>
-            <a:off x="8724900" y="365125"/>
-            <a:ext cx="2628900" cy="5811838"/>
+            <a:off x="9732655" y="685800"/>
+            <a:ext cx="1770369" cy="5105400"/>
           </a:xfrm>
         </p:spPr>
         <p:txBody>
@@ -578,22 +3058,16 @@
           <a:lstStyle/>
           <a:p>
             <a:r>
-              <a:rPr lang="en-US"/>
+              <a:rPr lang="en-US" smtClean="0"/>
               <a:t>Click to edit Master title style</a:t>
             </a:r>
-            <a:endParaRPr lang="en-IN"/>
-          </a:p>
-        </p:txBody>
-      </p:sp>
-      <p:sp>
-        <p:nvSpPr>
-          <p:cNvPr id="3" name="Vertical Text Placeholder 2">
-            <a:extLst>
-              <a:ext uri="{FF2B5EF4-FFF2-40B4-BE49-F238E27FC236}">
-                <a16:creationId xmlns:a16="http://schemas.microsoft.com/office/drawing/2014/main" id="{B13134CA-2AE1-4495-A38B-52F9DD930B2B}"/>
-              </a:ext>
-            </a:extLst>
-          </p:cNvPr>
+            <a:endParaRPr lang="en-US" dirty="0"/>
+          </a:p>
+        </p:txBody>
+      </p:sp>
+      <p:sp>
+        <p:nvSpPr>
+          <p:cNvPr id="3" name="Vertical Text Placeholder 2"/>
           <p:cNvSpPr>
             <a:spLocks noGrp="1"/>
           </p:cNvSpPr>
@@ -603,60 +3077,54 @@
         </p:nvSpPr>
         <p:spPr>
           <a:xfrm>
-            <a:off x="838200" y="365125"/>
-            <a:ext cx="7734300" cy="5811838"/>
+            <a:off x="1484312" y="685800"/>
+            <a:ext cx="8019742" cy="5105400"/>
           </a:xfrm>
         </p:spPr>
         <p:txBody>
-          <a:bodyPr vert="eaVert"/>
+          <a:bodyPr vert="eaVert" anchor="t"/>
           <a:lstStyle/>
           <a:p>
             <a:pPr lvl="0"/>
             <a:r>
-              <a:rPr lang="en-US"/>
+              <a:rPr lang="en-US" smtClean="0"/>
               <a:t>Edit Master text styles</a:t>
             </a:r>
           </a:p>
           <a:p>
             <a:pPr lvl="1"/>
             <a:r>
-              <a:rPr lang="en-US"/>
+              <a:rPr lang="en-US" smtClean="0"/>
               <a:t>Second level</a:t>
             </a:r>
           </a:p>
           <a:p>
             <a:pPr lvl="2"/>
             <a:r>
-              <a:rPr lang="en-US"/>
+              <a:rPr lang="en-US" smtClean="0"/>
               <a:t>Third level</a:t>
             </a:r>
           </a:p>
           <a:p>
             <a:pPr lvl="3"/>
             <a:r>
-              <a:rPr lang="en-US"/>
+              <a:rPr lang="en-US" smtClean="0"/>
               <a:t>Fourth level</a:t>
             </a:r>
           </a:p>
           <a:p>
             <a:pPr lvl="4"/>
             <a:r>
-              <a:rPr lang="en-US"/>
+              <a:rPr lang="en-US" smtClean="0"/>
               <a:t>Fifth level</a:t>
             </a:r>
-            <a:endParaRPr lang="en-IN"/>
-          </a:p>
-        </p:txBody>
-      </p:sp>
-      <p:sp>
-        <p:nvSpPr>
-          <p:cNvPr id="4" name="Date Placeholder 3">
-            <a:extLst>
-              <a:ext uri="{FF2B5EF4-FFF2-40B4-BE49-F238E27FC236}">
-                <a16:creationId xmlns:a16="http://schemas.microsoft.com/office/drawing/2014/main" id="{65F53E7F-7277-48BA-A171-44107D000AE6}"/>
-              </a:ext>
-            </a:extLst>
-          </p:cNvPr>
+            <a:endParaRPr lang="en-US" dirty="0"/>
+          </a:p>
+        </p:txBody>
+      </p:sp>
+      <p:sp>
+        <p:nvSpPr>
+          <p:cNvPr id="4" name="Date Placeholder 3"/>
           <p:cNvSpPr>
             <a:spLocks noGrp="1"/>
           </p:cNvSpPr>
@@ -671,7 +3139,7 @@
           <a:p>
             <a:fld id="{AADDB955-70B9-4D4C-8D5D-0409BD461500}" type="datetimeFigureOut">
               <a:rPr lang="en-IN" smtClean="0"/>
-              <a:t>12-01-2022</a:t>
+              <a:t>13-01-2022</a:t>
             </a:fld>
             <a:endParaRPr lang="en-IN"/>
           </a:p>
@@ -679,13 +3147,7 @@
       </p:sp>
       <p:sp>
         <p:nvSpPr>
-          <p:cNvPr id="5" name="Footer Placeholder 4">
-            <a:extLst>
-              <a:ext uri="{FF2B5EF4-FFF2-40B4-BE49-F238E27FC236}">
-                <a16:creationId xmlns:a16="http://schemas.microsoft.com/office/drawing/2014/main" id="{F42D3BFF-A193-4829-A7EE-AD564FB9C8AC}"/>
-              </a:ext>
-            </a:extLst>
-          </p:cNvPr>
+          <p:cNvPr id="5" name="Footer Placeholder 4"/>
           <p:cNvSpPr>
             <a:spLocks noGrp="1"/>
           </p:cNvSpPr>
@@ -704,13 +3166,7 @@
       </p:sp>
       <p:sp>
         <p:nvSpPr>
-          <p:cNvPr id="6" name="Slide Number Placeholder 5">
-            <a:extLst>
-              <a:ext uri="{FF2B5EF4-FFF2-40B4-BE49-F238E27FC236}">
-                <a16:creationId xmlns:a16="http://schemas.microsoft.com/office/drawing/2014/main" id="{C8865A7B-0687-44D7-B67C-382E06B24202}"/>
-              </a:ext>
-            </a:extLst>
-          </p:cNvPr>
+          <p:cNvPr id="6" name="Slide Number Placeholder 5"/>
           <p:cNvSpPr>
             <a:spLocks noGrp="1"/>
           </p:cNvSpPr>
@@ -734,7 +3190,7 @@
     </p:spTree>
     <p:extLst>
       <p:ext uri="{BB962C8B-B14F-4D97-AF65-F5344CB8AC3E}">
-        <p14:creationId xmlns:p14="http://schemas.microsoft.com/office/powerpoint/2010/main" val="2357702574"/>
+        <p14:creationId xmlns:p14="http://schemas.microsoft.com/office/powerpoint/2010/main" val="500078248"/>
       </p:ext>
     </p:extLst>
   </p:cSld>
@@ -763,13 +3219,7 @@
       </p:grpSpPr>
       <p:sp>
         <p:nvSpPr>
-          <p:cNvPr id="2" name="Title 1">
-            <a:extLst>
-              <a:ext uri="{FF2B5EF4-FFF2-40B4-BE49-F238E27FC236}">
-                <a16:creationId xmlns:a16="http://schemas.microsoft.com/office/drawing/2014/main" id="{5EFA3BD8-83E4-47F9-B4E9-1CBC5ED8432D}"/>
-              </a:ext>
-            </a:extLst>
-          </p:cNvPr>
+          <p:cNvPr id="2" name="Title 1"/>
           <p:cNvSpPr>
             <a:spLocks noGrp="1"/>
           </p:cNvSpPr>
@@ -783,27 +3233,73 @@
           <a:lstStyle/>
           <a:p>
             <a:r>
-              <a:rPr lang="en-US"/>
+              <a:rPr lang="en-US" smtClean="0"/>
               <a:t>Click to edit Master title style</a:t>
             </a:r>
-            <a:endParaRPr lang="en-IN"/>
-          </a:p>
-        </p:txBody>
-      </p:sp>
-      <p:sp>
-        <p:nvSpPr>
-          <p:cNvPr id="3" name="Content Placeholder 2">
-            <a:extLst>
-              <a:ext uri="{FF2B5EF4-FFF2-40B4-BE49-F238E27FC236}">
-                <a16:creationId xmlns:a16="http://schemas.microsoft.com/office/drawing/2014/main" id="{F35B7937-7ABB-4E0F-B563-4C5D6DDB0866}"/>
-              </a:ext>
-            </a:extLst>
-          </p:cNvPr>
+            <a:endParaRPr lang="en-US" dirty="0"/>
+          </a:p>
+        </p:txBody>
+      </p:sp>
+      <p:sp>
+        <p:nvSpPr>
+          <p:cNvPr id="3" name="Content Placeholder 2"/>
           <p:cNvSpPr>
             <a:spLocks noGrp="1"/>
           </p:cNvSpPr>
           <p:nvPr>
             <p:ph idx="1"/>
+          </p:nvPr>
+        </p:nvSpPr>
+        <p:spPr/>
+        <p:txBody>
+          <a:bodyPr anchor="ctr"/>
+          <a:lstStyle/>
+          <a:p>
+            <a:pPr lvl="0"/>
+            <a:r>
+              <a:rPr lang="en-US" smtClean="0"/>
+              <a:t>Edit Master text styles</a:t>
+            </a:r>
+          </a:p>
+          <a:p>
+            <a:pPr lvl="1"/>
+            <a:r>
+              <a:rPr lang="en-US" smtClean="0"/>
+              <a:t>Second level</a:t>
+            </a:r>
+          </a:p>
+          <a:p>
+            <a:pPr lvl="2"/>
+            <a:r>
+              <a:rPr lang="en-US" smtClean="0"/>
+              <a:t>Third level</a:t>
+            </a:r>
+          </a:p>
+          <a:p>
+            <a:pPr lvl="3"/>
+            <a:r>
+              <a:rPr lang="en-US" smtClean="0"/>
+              <a:t>Fourth level</a:t>
+            </a:r>
+          </a:p>
+          <a:p>
+            <a:pPr lvl="4"/>
+            <a:r>
+              <a:rPr lang="en-US" smtClean="0"/>
+              <a:t>Fifth level</a:t>
+            </a:r>
+            <a:endParaRPr lang="en-US" dirty="0"/>
+          </a:p>
+        </p:txBody>
+      </p:sp>
+      <p:sp>
+        <p:nvSpPr>
+          <p:cNvPr id="4" name="Date Placeholder 3"/>
+          <p:cNvSpPr>
+            <a:spLocks noGrp="1"/>
+          </p:cNvSpPr>
+          <p:nvPr>
+            <p:ph type="dt" sz="half" idx="10"/>
           </p:nvPr>
         </p:nvSpPr>
         <p:spPr/>
@@ -811,57 +3307,22 @@
           <a:bodyPr/>
           <a:lstStyle/>
           <a:p>
-            <a:pPr lvl="0"/>
-            <a:r>
-              <a:rPr lang="en-US"/>
-              <a:t>Edit Master text styles</a:t>
-            </a:r>
-          </a:p>
-          <a:p>
-            <a:pPr lvl="1"/>
-            <a:r>
-              <a:rPr lang="en-US"/>
-              <a:t>Second level</a:t>
-            </a:r>
-          </a:p>
-          <a:p>
-            <a:pPr lvl="2"/>
-            <a:r>
-              <a:rPr lang="en-US"/>
-              <a:t>Third level</a:t>
-            </a:r>
-          </a:p>
-          <a:p>
-            <a:pPr lvl="3"/>
-            <a:r>
-              <a:rPr lang="en-US"/>
-              <a:t>Fourth level</a:t>
-            </a:r>
-          </a:p>
-          <a:p>
-            <a:pPr lvl="4"/>
-            <a:r>
-              <a:rPr lang="en-US"/>
-              <a:t>Fifth level</a:t>
-            </a:r>
+            <a:fld id="{AADDB955-70B9-4D4C-8D5D-0409BD461500}" type="datetimeFigureOut">
+              <a:rPr lang="en-IN" smtClean="0"/>
+              <a:t>13-01-2022</a:t>
+            </a:fld>
             <a:endParaRPr lang="en-IN"/>
           </a:p>
         </p:txBody>
       </p:sp>
       <p:sp>
         <p:nvSpPr>
-          <p:cNvPr id="4" name="Date Placeholder 3">
-            <a:extLst>
-              <a:ext uri="{FF2B5EF4-FFF2-40B4-BE49-F238E27FC236}">
-                <a16:creationId xmlns:a16="http://schemas.microsoft.com/office/drawing/2014/main" id="{E490F1F2-BFF9-46D3-B4B6-A1316BD0FDA9}"/>
-              </a:ext>
-            </a:extLst>
-          </p:cNvPr>
-          <p:cNvSpPr>
-            <a:spLocks noGrp="1"/>
-          </p:cNvSpPr>
-          <p:nvPr>
-            <p:ph type="dt" sz="half" idx="10"/>
+          <p:cNvPr id="5" name="Footer Placeholder 4"/>
+          <p:cNvSpPr>
+            <a:spLocks noGrp="1"/>
+          </p:cNvSpPr>
+          <p:nvPr>
+            <p:ph type="ftr" sz="quarter" idx="11"/>
           </p:nvPr>
         </p:nvSpPr>
         <p:spPr/>
@@ -869,48 +3330,13 @@
           <a:bodyPr/>
           <a:lstStyle/>
           <a:p>
-            <a:fld id="{AADDB955-70B9-4D4C-8D5D-0409BD461500}" type="datetimeFigureOut">
-              <a:rPr lang="en-IN" smtClean="0"/>
-              <a:t>12-01-2022</a:t>
-            </a:fld>
             <a:endParaRPr lang="en-IN"/>
           </a:p>
         </p:txBody>
       </p:sp>
       <p:sp>
         <p:nvSpPr>
-          <p:cNvPr id="5" name="Footer Placeholder 4">
-            <a:extLst>
-              <a:ext uri="{FF2B5EF4-FFF2-40B4-BE49-F238E27FC236}">
-                <a16:creationId xmlns:a16="http://schemas.microsoft.com/office/drawing/2014/main" id="{74A21DB6-429D-46C4-A5C4-E0F3B06751F4}"/>
-              </a:ext>
-            </a:extLst>
-          </p:cNvPr>
-          <p:cNvSpPr>
-            <a:spLocks noGrp="1"/>
-          </p:cNvSpPr>
-          <p:nvPr>
-            <p:ph type="ftr" sz="quarter" idx="11"/>
-          </p:nvPr>
-        </p:nvSpPr>
-        <p:spPr/>
-        <p:txBody>
-          <a:bodyPr/>
-          <a:lstStyle/>
-          <a:p>
-            <a:endParaRPr lang="en-IN"/>
-          </a:p>
-        </p:txBody>
-      </p:sp>
-      <p:sp>
-        <p:nvSpPr>
-          <p:cNvPr id="6" name="Slide Number Placeholder 5">
-            <a:extLst>
-              <a:ext uri="{FF2B5EF4-FFF2-40B4-BE49-F238E27FC236}">
-                <a16:creationId xmlns:a16="http://schemas.microsoft.com/office/drawing/2014/main" id="{040587D4-06BE-4D6E-BB6F-2478D14EBE8F}"/>
-              </a:ext>
-            </a:extLst>
-          </p:cNvPr>
+          <p:cNvPr id="6" name="Slide Number Placeholder 5"/>
           <p:cNvSpPr>
             <a:spLocks noGrp="1"/>
           </p:cNvSpPr>
@@ -918,7 +3344,12 @@
             <p:ph type="sldNum" sz="quarter" idx="12"/>
           </p:nvPr>
         </p:nvSpPr>
-        <p:spPr/>
+        <p:spPr>
+          <a:xfrm>
+            <a:off x="10951856" y="5867131"/>
+            <a:ext cx="551167" cy="365125"/>
+          </a:xfrm>
+        </p:spPr>
         <p:txBody>
           <a:bodyPr/>
           <a:lstStyle/>
@@ -934,7 +3365,7 @@
     </p:spTree>
     <p:extLst>
       <p:ext uri="{BB962C8B-B14F-4D97-AF65-F5344CB8AC3E}">
-        <p14:creationId xmlns:p14="http://schemas.microsoft.com/office/powerpoint/2010/main" val="888803303"/>
+        <p14:creationId xmlns:p14="http://schemas.microsoft.com/office/powerpoint/2010/main" val="3642164809"/>
       </p:ext>
     </p:extLst>
   </p:cSld>
@@ -963,13 +3394,7 @@
       </p:grpSpPr>
       <p:sp>
         <p:nvSpPr>
-          <p:cNvPr id="2" name="Title 1">
-            <a:extLst>
-              <a:ext uri="{FF2B5EF4-FFF2-40B4-BE49-F238E27FC236}">
-                <a16:creationId xmlns:a16="http://schemas.microsoft.com/office/drawing/2014/main" id="{9E099D18-531A-498E-9211-35E629EE81A3}"/>
-              </a:ext>
-            </a:extLst>
-          </p:cNvPr>
+          <p:cNvPr id="2" name="Title 1"/>
           <p:cNvSpPr>
             <a:spLocks noGrp="1"/>
           </p:cNvSpPr>
@@ -979,35 +3404,29 @@
         </p:nvSpPr>
         <p:spPr>
           <a:xfrm>
-            <a:off x="831850" y="1709738"/>
-            <a:ext cx="10515600" cy="2852737"/>
+            <a:off x="2572279" y="2666999"/>
+            <a:ext cx="8930747" cy="2110382"/>
           </a:xfrm>
         </p:spPr>
         <p:txBody>
           <a:bodyPr anchor="b"/>
           <a:lstStyle>
-            <a:lvl1pPr>
-              <a:defRPr sz="6000"/>
+            <a:lvl1pPr algn="r">
+              <a:defRPr sz="4000" b="0" cap="none"/>
             </a:lvl1pPr>
           </a:lstStyle>
           <a:p>
             <a:r>
-              <a:rPr lang="en-US"/>
+              <a:rPr lang="en-US" smtClean="0"/>
               <a:t>Click to edit Master title style</a:t>
             </a:r>
-            <a:endParaRPr lang="en-IN"/>
-          </a:p>
-        </p:txBody>
-      </p:sp>
-      <p:sp>
-        <p:nvSpPr>
-          <p:cNvPr id="3" name="Text Placeholder 2">
-            <a:extLst>
-              <a:ext uri="{FF2B5EF4-FFF2-40B4-BE49-F238E27FC236}">
-                <a16:creationId xmlns:a16="http://schemas.microsoft.com/office/drawing/2014/main" id="{FC3F9B4F-DDB0-44BC-B034-9C3DBA0DBB81}"/>
-              </a:ext>
-            </a:extLst>
-          </p:cNvPr>
+            <a:endParaRPr lang="en-US" dirty="0"/>
+          </a:p>
+        </p:txBody>
+      </p:sp>
+      <p:sp>
+        <p:nvSpPr>
+          <p:cNvPr id="3" name="Text Placeholder 2"/>
           <p:cNvSpPr>
             <a:spLocks noGrp="1"/>
           </p:cNvSpPr>
@@ -1017,108 +3436,108 @@
         </p:nvSpPr>
         <p:spPr>
           <a:xfrm>
-            <a:off x="831850" y="4589463"/>
-            <a:ext cx="10515600" cy="1500187"/>
+            <a:off x="2572278" y="4777381"/>
+            <a:ext cx="8930748" cy="860400"/>
           </a:xfrm>
         </p:spPr>
         <p:txBody>
-          <a:bodyPr/>
+          <a:bodyPr anchor="t">
+            <a:normAutofit/>
+          </a:bodyPr>
           <a:lstStyle>
-            <a:lvl1pPr marL="0" indent="0">
-              <a:buNone/>
-              <a:defRPr sz="2400">
+            <a:lvl1pPr marL="0" indent="0" algn="r">
+              <a:buNone/>
+              <a:defRPr sz="2000">
+                <a:solidFill>
+                  <a:schemeClr val="tx1"/>
+                </a:solidFill>
+              </a:defRPr>
+            </a:lvl1pPr>
+            <a:lvl2pPr marL="457200" indent="0">
+              <a:buNone/>
+              <a:defRPr sz="1800">
                 <a:solidFill>
                   <a:schemeClr val="tx1">
                     <a:tint val="75000"/>
                   </a:schemeClr>
                 </a:solidFill>
               </a:defRPr>
-            </a:lvl1pPr>
-            <a:lvl2pPr marL="457200" indent="0">
-              <a:buNone/>
-              <a:defRPr sz="2000">
+            </a:lvl2pPr>
+            <a:lvl3pPr marL="914400" indent="0">
+              <a:buNone/>
+              <a:defRPr sz="1600">
                 <a:solidFill>
                   <a:schemeClr val="tx1">
                     <a:tint val="75000"/>
                   </a:schemeClr>
                 </a:solidFill>
               </a:defRPr>
-            </a:lvl2pPr>
-            <a:lvl3pPr marL="914400" indent="0">
-              <a:buNone/>
-              <a:defRPr sz="1800">
+            </a:lvl3pPr>
+            <a:lvl4pPr marL="1371600" indent="0">
+              <a:buNone/>
+              <a:defRPr sz="1400">
                 <a:solidFill>
                   <a:schemeClr val="tx1">
                     <a:tint val="75000"/>
                   </a:schemeClr>
                 </a:solidFill>
               </a:defRPr>
-            </a:lvl3pPr>
-            <a:lvl4pPr marL="1371600" indent="0">
-              <a:buNone/>
-              <a:defRPr sz="1600">
+            </a:lvl4pPr>
+            <a:lvl5pPr marL="1828800" indent="0">
+              <a:buNone/>
+              <a:defRPr sz="1400">
                 <a:solidFill>
                   <a:schemeClr val="tx1">
                     <a:tint val="75000"/>
                   </a:schemeClr>
                 </a:solidFill>
               </a:defRPr>
-            </a:lvl4pPr>
-            <a:lvl5pPr marL="1828800" indent="0">
-              <a:buNone/>
-              <a:defRPr sz="1600">
+            </a:lvl5pPr>
+            <a:lvl6pPr marL="2286000" indent="0">
+              <a:buNone/>
+              <a:defRPr sz="1400">
                 <a:solidFill>
                   <a:schemeClr val="tx1">
                     <a:tint val="75000"/>
                   </a:schemeClr>
                 </a:solidFill>
               </a:defRPr>
-            </a:lvl5pPr>
-            <a:lvl6pPr marL="2286000" indent="0">
-              <a:buNone/>
-              <a:defRPr sz="1600">
+            </a:lvl6pPr>
+            <a:lvl7pPr marL="2743200" indent="0">
+              <a:buNone/>
+              <a:defRPr sz="1400">
                 <a:solidFill>
                   <a:schemeClr val="tx1">
                     <a:tint val="75000"/>
                   </a:schemeClr>
                 </a:solidFill>
               </a:defRPr>
-            </a:lvl6pPr>
-            <a:lvl7pPr marL="2743200" indent="0">
-              <a:buNone/>
-              <a:defRPr sz="1600">
+            </a:lvl7pPr>
+            <a:lvl8pPr marL="3200400" indent="0">
+              <a:buNone/>
+              <a:defRPr sz="1400">
                 <a:solidFill>
                   <a:schemeClr val="tx1">
                     <a:tint val="75000"/>
                   </a:schemeClr>
                 </a:solidFill>
               </a:defRPr>
-            </a:lvl7pPr>
-            <a:lvl8pPr marL="3200400" indent="0">
-              <a:buNone/>
-              <a:defRPr sz="1600">
+            </a:lvl8pPr>
+            <a:lvl9pPr marL="3657600" indent="0">
+              <a:buNone/>
+              <a:defRPr sz="1400">
                 <a:solidFill>
                   <a:schemeClr val="tx1">
                     <a:tint val="75000"/>
                   </a:schemeClr>
                 </a:solidFill>
               </a:defRPr>
-            </a:lvl8pPr>
-            <a:lvl9pPr marL="3657600" indent="0">
-              <a:buNone/>
-              <a:defRPr sz="1600">
-                <a:solidFill>
-                  <a:schemeClr val="tx1">
-                    <a:tint val="75000"/>
-                  </a:schemeClr>
-                </a:solidFill>
-              </a:defRPr>
             </a:lvl9pPr>
           </a:lstStyle>
           <a:p>
             <a:pPr lvl="0"/>
             <a:r>
-              <a:rPr lang="en-US"/>
+              <a:rPr lang="en-US" smtClean="0"/>
               <a:t>Edit Master text styles</a:t>
             </a:r>
           </a:p>
@@ -1126,13 +3545,7 @@
       </p:sp>
       <p:sp>
         <p:nvSpPr>
-          <p:cNvPr id="4" name="Date Placeholder 3">
-            <a:extLst>
-              <a:ext uri="{FF2B5EF4-FFF2-40B4-BE49-F238E27FC236}">
-                <a16:creationId xmlns:a16="http://schemas.microsoft.com/office/drawing/2014/main" id="{31B0B16C-3DC7-4779-9668-C4B2285AC5DB}"/>
-              </a:ext>
-            </a:extLst>
-          </p:cNvPr>
+          <p:cNvPr id="4" name="Date Placeholder 3"/>
           <p:cNvSpPr>
             <a:spLocks noGrp="1"/>
           </p:cNvSpPr>
@@ -1147,7 +3560,7 @@
           <a:p>
             <a:fld id="{AADDB955-70B9-4D4C-8D5D-0409BD461500}" type="datetimeFigureOut">
               <a:rPr lang="en-IN" smtClean="0"/>
-              <a:t>12-01-2022</a:t>
+              <a:t>13-01-2022</a:t>
             </a:fld>
             <a:endParaRPr lang="en-IN"/>
           </a:p>
@@ -1155,13 +3568,7 @@
       </p:sp>
       <p:sp>
         <p:nvSpPr>
-          <p:cNvPr id="5" name="Footer Placeholder 4">
-            <a:extLst>
-              <a:ext uri="{FF2B5EF4-FFF2-40B4-BE49-F238E27FC236}">
-                <a16:creationId xmlns:a16="http://schemas.microsoft.com/office/drawing/2014/main" id="{5BD85C3D-0313-47BD-AFF8-3579C01AACB0}"/>
-              </a:ext>
-            </a:extLst>
-          </p:cNvPr>
+          <p:cNvPr id="5" name="Footer Placeholder 4"/>
           <p:cNvSpPr>
             <a:spLocks noGrp="1"/>
           </p:cNvSpPr>
@@ -1180,13 +3587,7 @@
       </p:sp>
       <p:sp>
         <p:nvSpPr>
-          <p:cNvPr id="6" name="Slide Number Placeholder 5">
-            <a:extLst>
-              <a:ext uri="{FF2B5EF4-FFF2-40B4-BE49-F238E27FC236}">
-                <a16:creationId xmlns:a16="http://schemas.microsoft.com/office/drawing/2014/main" id="{5DE7C276-00DF-432E-BE9E-CD06A27BFD28}"/>
-              </a:ext>
-            </a:extLst>
-          </p:cNvPr>
+          <p:cNvPr id="6" name="Slide Number Placeholder 5"/>
           <p:cNvSpPr>
             <a:spLocks noGrp="1"/>
           </p:cNvSpPr>
@@ -1210,7 +3611,7 @@
     </p:spTree>
     <p:extLst>
       <p:ext uri="{BB962C8B-B14F-4D97-AF65-F5344CB8AC3E}">
-        <p14:creationId xmlns:p14="http://schemas.microsoft.com/office/powerpoint/2010/main" val="1515070486"/>
+        <p14:creationId xmlns:p14="http://schemas.microsoft.com/office/powerpoint/2010/main" val="780665791"/>
       </p:ext>
     </p:extLst>
   </p:cSld>
@@ -1239,13 +3640,7 @@
       </p:grpSpPr>
       <p:sp>
         <p:nvSpPr>
-          <p:cNvPr id="2" name="Title 1">
-            <a:extLst>
-              <a:ext uri="{FF2B5EF4-FFF2-40B4-BE49-F238E27FC236}">
-                <a16:creationId xmlns:a16="http://schemas.microsoft.com/office/drawing/2014/main" id="{5DA0812A-29E8-488C-8216-022AB49C4891}"/>
-              </a:ext>
-            </a:extLst>
-          </p:cNvPr>
+          <p:cNvPr id="2" name="Title 1"/>
           <p:cNvSpPr>
             <a:spLocks noGrp="1"/>
           </p:cNvSpPr>
@@ -1253,28 +3648,27 @@
             <p:ph type="title"/>
           </p:nvPr>
         </p:nvSpPr>
-        <p:spPr/>
+        <p:spPr>
+          <a:xfrm>
+            <a:off x="1484311" y="685800"/>
+            <a:ext cx="10018713" cy="1752599"/>
+          </a:xfrm>
+        </p:spPr>
         <p:txBody>
           <a:bodyPr/>
           <a:lstStyle/>
           <a:p>
             <a:r>
-              <a:rPr lang="en-US"/>
+              <a:rPr lang="en-US" smtClean="0"/>
               <a:t>Click to edit Master title style</a:t>
             </a:r>
-            <a:endParaRPr lang="en-IN"/>
-          </a:p>
-        </p:txBody>
-      </p:sp>
-      <p:sp>
-        <p:nvSpPr>
-          <p:cNvPr id="3" name="Content Placeholder 2">
-            <a:extLst>
-              <a:ext uri="{FF2B5EF4-FFF2-40B4-BE49-F238E27FC236}">
-                <a16:creationId xmlns:a16="http://schemas.microsoft.com/office/drawing/2014/main" id="{39DCA400-9A86-47AA-BBA8-4FE59F3C0F02}"/>
-              </a:ext>
-            </a:extLst>
-          </p:cNvPr>
+            <a:endParaRPr lang="en-US" dirty="0"/>
+          </a:p>
+        </p:txBody>
+      </p:sp>
+      <p:sp>
+        <p:nvSpPr>
+          <p:cNvPr id="3" name="Content Placeholder 2"/>
           <p:cNvSpPr>
             <a:spLocks noGrp="1"/>
           </p:cNvSpPr>
@@ -1284,177 +3678,213 @@
         </p:nvSpPr>
         <p:spPr>
           <a:xfrm>
-            <a:off x="838200" y="1825625"/>
-            <a:ext cx="5181600" cy="4351338"/>
+            <a:off x="1484312" y="2666999"/>
+            <a:ext cx="4895055" cy="3124201"/>
           </a:xfrm>
         </p:spPr>
         <p:txBody>
+          <a:bodyPr>
+            <a:normAutofit/>
+          </a:bodyPr>
+          <a:lstStyle>
+            <a:lvl1pPr>
+              <a:defRPr sz="1800"/>
+            </a:lvl1pPr>
+            <a:lvl2pPr>
+              <a:defRPr sz="1600"/>
+            </a:lvl2pPr>
+            <a:lvl3pPr>
+              <a:defRPr sz="1400"/>
+            </a:lvl3pPr>
+            <a:lvl4pPr>
+              <a:defRPr sz="1200"/>
+            </a:lvl4pPr>
+            <a:lvl5pPr>
+              <a:defRPr sz="1200"/>
+            </a:lvl5pPr>
+            <a:lvl6pPr>
+              <a:defRPr sz="1200"/>
+            </a:lvl6pPr>
+            <a:lvl7pPr>
+              <a:defRPr sz="1200"/>
+            </a:lvl7pPr>
+            <a:lvl8pPr>
+              <a:defRPr sz="1200"/>
+            </a:lvl8pPr>
+            <a:lvl9pPr>
+              <a:defRPr sz="1200"/>
+            </a:lvl9pPr>
+          </a:lstStyle>
+          <a:p>
+            <a:pPr lvl="0"/>
+            <a:r>
+              <a:rPr lang="en-US" smtClean="0"/>
+              <a:t>Edit Master text styles</a:t>
+            </a:r>
+          </a:p>
+          <a:p>
+            <a:pPr lvl="1"/>
+            <a:r>
+              <a:rPr lang="en-US" smtClean="0"/>
+              <a:t>Second level</a:t>
+            </a:r>
+          </a:p>
+          <a:p>
+            <a:pPr lvl="2"/>
+            <a:r>
+              <a:rPr lang="en-US" smtClean="0"/>
+              <a:t>Third level</a:t>
+            </a:r>
+          </a:p>
+          <a:p>
+            <a:pPr lvl="3"/>
+            <a:r>
+              <a:rPr lang="en-US" smtClean="0"/>
+              <a:t>Fourth level</a:t>
+            </a:r>
+          </a:p>
+          <a:p>
+            <a:pPr lvl="4"/>
+            <a:r>
+              <a:rPr lang="en-US" smtClean="0"/>
+              <a:t>Fifth level</a:t>
+            </a:r>
+            <a:endParaRPr lang="en-US" dirty="0"/>
+          </a:p>
+        </p:txBody>
+      </p:sp>
+      <p:sp>
+        <p:nvSpPr>
+          <p:cNvPr id="4" name="Content Placeholder 3"/>
+          <p:cNvSpPr>
+            <a:spLocks noGrp="1"/>
+          </p:cNvSpPr>
+          <p:nvPr>
+            <p:ph sz="half" idx="2"/>
+          </p:nvPr>
+        </p:nvSpPr>
+        <p:spPr>
+          <a:xfrm>
+            <a:off x="6607967" y="2667000"/>
+            <a:ext cx="4895056" cy="3124200"/>
+          </a:xfrm>
+        </p:spPr>
+        <p:txBody>
+          <a:bodyPr>
+            <a:normAutofit/>
+          </a:bodyPr>
+          <a:lstStyle>
+            <a:lvl1pPr>
+              <a:defRPr sz="1800"/>
+            </a:lvl1pPr>
+            <a:lvl2pPr>
+              <a:defRPr sz="1600"/>
+            </a:lvl2pPr>
+            <a:lvl3pPr>
+              <a:defRPr sz="1400"/>
+            </a:lvl3pPr>
+            <a:lvl4pPr>
+              <a:defRPr sz="1200"/>
+            </a:lvl4pPr>
+            <a:lvl5pPr>
+              <a:defRPr sz="1200"/>
+            </a:lvl5pPr>
+            <a:lvl6pPr>
+              <a:defRPr sz="1200"/>
+            </a:lvl6pPr>
+            <a:lvl7pPr>
+              <a:defRPr sz="1200"/>
+            </a:lvl7pPr>
+            <a:lvl8pPr>
+              <a:defRPr sz="1200"/>
+            </a:lvl8pPr>
+            <a:lvl9pPr>
+              <a:defRPr sz="1200"/>
+            </a:lvl9pPr>
+          </a:lstStyle>
+          <a:p>
+            <a:pPr lvl="0"/>
+            <a:r>
+              <a:rPr lang="en-US" smtClean="0"/>
+              <a:t>Edit Master text styles</a:t>
+            </a:r>
+          </a:p>
+          <a:p>
+            <a:pPr lvl="1"/>
+            <a:r>
+              <a:rPr lang="en-US" smtClean="0"/>
+              <a:t>Second level</a:t>
+            </a:r>
+          </a:p>
+          <a:p>
+            <a:pPr lvl="2"/>
+            <a:r>
+              <a:rPr lang="en-US" smtClean="0"/>
+              <a:t>Third level</a:t>
+            </a:r>
+          </a:p>
+          <a:p>
+            <a:pPr lvl="3"/>
+            <a:r>
+              <a:rPr lang="en-US" smtClean="0"/>
+              <a:t>Fourth level</a:t>
+            </a:r>
+          </a:p>
+          <a:p>
+            <a:pPr lvl="4"/>
+            <a:r>
+              <a:rPr lang="en-US" smtClean="0"/>
+              <a:t>Fifth level</a:t>
+            </a:r>
+            <a:endParaRPr lang="en-US" dirty="0"/>
+          </a:p>
+        </p:txBody>
+      </p:sp>
+      <p:sp>
+        <p:nvSpPr>
+          <p:cNvPr id="5" name="Date Placeholder 4"/>
+          <p:cNvSpPr>
+            <a:spLocks noGrp="1"/>
+          </p:cNvSpPr>
+          <p:nvPr>
+            <p:ph type="dt" sz="half" idx="10"/>
+          </p:nvPr>
+        </p:nvSpPr>
+        <p:spPr/>
+        <p:txBody>
           <a:bodyPr/>
           <a:lstStyle/>
           <a:p>
-            <a:pPr lvl="0"/>
-            <a:r>
-              <a:rPr lang="en-US"/>
-              <a:t>Edit Master text styles</a:t>
-            </a:r>
-          </a:p>
-          <a:p>
-            <a:pPr lvl="1"/>
-            <a:r>
-              <a:rPr lang="en-US"/>
-              <a:t>Second level</a:t>
-            </a:r>
-          </a:p>
-          <a:p>
-            <a:pPr lvl="2"/>
-            <a:r>
-              <a:rPr lang="en-US"/>
-              <a:t>Third level</a:t>
-            </a:r>
-          </a:p>
-          <a:p>
-            <a:pPr lvl="3"/>
-            <a:r>
-              <a:rPr lang="en-US"/>
-              <a:t>Fourth level</a:t>
-            </a:r>
-          </a:p>
-          <a:p>
-            <a:pPr lvl="4"/>
-            <a:r>
-              <a:rPr lang="en-US"/>
-              <a:t>Fifth level</a:t>
-            </a:r>
+            <a:fld id="{AADDB955-70B9-4D4C-8D5D-0409BD461500}" type="datetimeFigureOut">
+              <a:rPr lang="en-IN" smtClean="0"/>
+              <a:t>13-01-2022</a:t>
+            </a:fld>
             <a:endParaRPr lang="en-IN"/>
           </a:p>
         </p:txBody>
       </p:sp>
       <p:sp>
         <p:nvSpPr>
-          <p:cNvPr id="4" name="Content Placeholder 3">
-            <a:extLst>
-              <a:ext uri="{FF2B5EF4-FFF2-40B4-BE49-F238E27FC236}">
-                <a16:creationId xmlns:a16="http://schemas.microsoft.com/office/drawing/2014/main" id="{49C8F65F-44EE-490F-93C4-B6746CCA0ACC}"/>
-              </a:ext>
-            </a:extLst>
-          </p:cNvPr>
-          <p:cNvSpPr>
-            <a:spLocks noGrp="1"/>
-          </p:cNvSpPr>
-          <p:nvPr>
-            <p:ph sz="half" idx="2"/>
-          </p:nvPr>
-        </p:nvSpPr>
-        <p:spPr>
-          <a:xfrm>
-            <a:off x="6172200" y="1825625"/>
-            <a:ext cx="5181600" cy="4351338"/>
-          </a:xfrm>
-        </p:spPr>
+          <p:cNvPr id="6" name="Footer Placeholder 5"/>
+          <p:cNvSpPr>
+            <a:spLocks noGrp="1"/>
+          </p:cNvSpPr>
+          <p:nvPr>
+            <p:ph type="ftr" sz="quarter" idx="11"/>
+          </p:nvPr>
+        </p:nvSpPr>
+        <p:spPr/>
         <p:txBody>
           <a:bodyPr/>
           <a:lstStyle/>
           <a:p>
-            <a:pPr lvl="0"/>
-            <a:r>
-              <a:rPr lang="en-US"/>
-              <a:t>Edit Master text styles</a:t>
-            </a:r>
-          </a:p>
-          <a:p>
-            <a:pPr lvl="1"/>
-            <a:r>
-              <a:rPr lang="en-US"/>
-              <a:t>Second level</a:t>
-            </a:r>
-          </a:p>
-          <a:p>
-            <a:pPr lvl="2"/>
-            <a:r>
-              <a:rPr lang="en-US"/>
-              <a:t>Third level</a:t>
-            </a:r>
-          </a:p>
-          <a:p>
-            <a:pPr lvl="3"/>
-            <a:r>
-              <a:rPr lang="en-US"/>
-              <a:t>Fourth level</a:t>
-            </a:r>
-          </a:p>
-          <a:p>
-            <a:pPr lvl="4"/>
-            <a:r>
-              <a:rPr lang="en-US"/>
-              <a:t>Fifth level</a:t>
-            </a:r>
             <a:endParaRPr lang="en-IN"/>
           </a:p>
         </p:txBody>
       </p:sp>
       <p:sp>
         <p:nvSpPr>
-          <p:cNvPr id="5" name="Date Placeholder 4">
-            <a:extLst>
-              <a:ext uri="{FF2B5EF4-FFF2-40B4-BE49-F238E27FC236}">
-                <a16:creationId xmlns:a16="http://schemas.microsoft.com/office/drawing/2014/main" id="{53AB72B3-4698-458B-89E0-FF3907D9736B}"/>
-              </a:ext>
-            </a:extLst>
-          </p:cNvPr>
-          <p:cNvSpPr>
-            <a:spLocks noGrp="1"/>
-          </p:cNvSpPr>
-          <p:nvPr>
-            <p:ph type="dt" sz="half" idx="10"/>
-          </p:nvPr>
-        </p:nvSpPr>
-        <p:spPr/>
-        <p:txBody>
-          <a:bodyPr/>
-          <a:lstStyle/>
-          <a:p>
-            <a:fld id="{AADDB955-70B9-4D4C-8D5D-0409BD461500}" type="datetimeFigureOut">
-              <a:rPr lang="en-IN" smtClean="0"/>
-              <a:t>12-01-2022</a:t>
-            </a:fld>
-            <a:endParaRPr lang="en-IN"/>
-          </a:p>
-        </p:txBody>
-      </p:sp>
-      <p:sp>
-        <p:nvSpPr>
-          <p:cNvPr id="6" name="Footer Placeholder 5">
-            <a:extLst>
-              <a:ext uri="{FF2B5EF4-FFF2-40B4-BE49-F238E27FC236}">
-                <a16:creationId xmlns:a16="http://schemas.microsoft.com/office/drawing/2014/main" id="{75731484-6BCC-482F-A26D-8F323C6DFE53}"/>
-              </a:ext>
-            </a:extLst>
-          </p:cNvPr>
-          <p:cNvSpPr>
-            <a:spLocks noGrp="1"/>
-          </p:cNvSpPr>
-          <p:nvPr>
-            <p:ph type="ftr" sz="quarter" idx="11"/>
-          </p:nvPr>
-        </p:nvSpPr>
-        <p:spPr/>
-        <p:txBody>
-          <a:bodyPr/>
-          <a:lstStyle/>
-          <a:p>
-            <a:endParaRPr lang="en-IN"/>
-          </a:p>
-        </p:txBody>
-      </p:sp>
-      <p:sp>
-        <p:nvSpPr>
-          <p:cNvPr id="7" name="Slide Number Placeholder 6">
-            <a:extLst>
-              <a:ext uri="{FF2B5EF4-FFF2-40B4-BE49-F238E27FC236}">
-                <a16:creationId xmlns:a16="http://schemas.microsoft.com/office/drawing/2014/main" id="{AF34BE00-BA70-4553-9991-C43ACEE1B1B0}"/>
-              </a:ext>
-            </a:extLst>
-          </p:cNvPr>
+          <p:cNvPr id="7" name="Slide Number Placeholder 6"/>
           <p:cNvSpPr>
             <a:spLocks noGrp="1"/>
           </p:cNvSpPr>
@@ -1478,7 +3908,7 @@
     </p:spTree>
     <p:extLst>
       <p:ext uri="{BB962C8B-B14F-4D97-AF65-F5344CB8AC3E}">
-        <p14:creationId xmlns:p14="http://schemas.microsoft.com/office/powerpoint/2010/main" val="1751273111"/>
+        <p14:creationId xmlns:p14="http://schemas.microsoft.com/office/powerpoint/2010/main" val="1469728714"/>
       </p:ext>
     </p:extLst>
   </p:cSld>
@@ -1507,66 +3937,61 @@
       </p:grpSpPr>
       <p:sp>
         <p:nvSpPr>
-          <p:cNvPr id="2" name="Title 1">
-            <a:extLst>
-              <a:ext uri="{FF2B5EF4-FFF2-40B4-BE49-F238E27FC236}">
-                <a16:creationId xmlns:a16="http://schemas.microsoft.com/office/drawing/2014/main" id="{2A2B45F4-D9C1-4B88-8868-B279175332D1}"/>
-              </a:ext>
-            </a:extLst>
-          </p:cNvPr>
+          <p:cNvPr id="2" name="Title 1"/>
           <p:cNvSpPr>
             <a:spLocks noGrp="1"/>
           </p:cNvSpPr>
           <p:nvPr>
             <p:ph type="title"/>
+          </p:nvPr>
+        </p:nvSpPr>
+        <p:spPr/>
+        <p:txBody>
+          <a:bodyPr/>
+          <a:lstStyle>
+            <a:lvl1pPr>
+              <a:defRPr/>
+            </a:lvl1pPr>
+          </a:lstStyle>
+          <a:p>
+            <a:r>
+              <a:rPr lang="en-US" smtClean="0"/>
+              <a:t>Click to edit Master title style</a:t>
+            </a:r>
+            <a:endParaRPr lang="en-US" dirty="0"/>
+          </a:p>
+        </p:txBody>
+      </p:sp>
+      <p:sp>
+        <p:nvSpPr>
+          <p:cNvPr id="3" name="Text Placeholder 2"/>
+          <p:cNvSpPr>
+            <a:spLocks noGrp="1"/>
+          </p:cNvSpPr>
+          <p:nvPr>
+            <p:ph type="body" idx="1"/>
           </p:nvPr>
         </p:nvSpPr>
         <p:spPr>
           <a:xfrm>
-            <a:off x="839788" y="365125"/>
-            <a:ext cx="10515600" cy="1325563"/>
+            <a:off x="1772179" y="2658533"/>
+            <a:ext cx="4607188" cy="576262"/>
           </a:xfrm>
         </p:spPr>
         <p:txBody>
-          <a:bodyPr/>
-          <a:lstStyle/>
-          <a:p>
-            <a:r>
-              <a:rPr lang="en-US"/>
-              <a:t>Click to edit Master title style</a:t>
-            </a:r>
-            <a:endParaRPr lang="en-IN"/>
-          </a:p>
-        </p:txBody>
-      </p:sp>
-      <p:sp>
-        <p:nvSpPr>
-          <p:cNvPr id="3" name="Text Placeholder 2">
-            <a:extLst>
-              <a:ext uri="{FF2B5EF4-FFF2-40B4-BE49-F238E27FC236}">
-                <a16:creationId xmlns:a16="http://schemas.microsoft.com/office/drawing/2014/main" id="{7223A56C-FBD1-49D5-98AB-BECE9F4A3BED}"/>
-              </a:ext>
-            </a:extLst>
-          </p:cNvPr>
-          <p:cNvSpPr>
-            <a:spLocks noGrp="1"/>
-          </p:cNvSpPr>
-          <p:nvPr>
-            <p:ph type="body" idx="1"/>
-          </p:nvPr>
-        </p:nvSpPr>
-        <p:spPr>
-          <a:xfrm>
-            <a:off x="839788" y="1681163"/>
-            <a:ext cx="5157787" cy="823912"/>
-          </a:xfrm>
-        </p:spPr>
-        <p:txBody>
-          <a:bodyPr anchor="b"/>
+          <a:bodyPr anchor="b">
+            <a:noAutofit/>
+          </a:bodyPr>
           <a:lstStyle>
             <a:lvl1pPr marL="0" indent="0">
               <a:buNone/>
-              <a:defRPr sz="2400" b="1"/>
+              <a:defRPr sz="2800" b="0">
+                <a:solidFill>
+                  <a:schemeClr val="accent1">
+                    <a:lumMod val="75000"/>
+                  </a:schemeClr>
+                </a:solidFill>
+              </a:defRPr>
             </a:lvl1pPr>
             <a:lvl2pPr marL="457200" indent="0">
               <a:buNone/>
@@ -1604,7 +4029,7 @@
           <a:p>
             <a:pPr lvl="0"/>
             <a:r>
-              <a:rPr lang="en-US"/>
+              <a:rPr lang="en-US" smtClean="0"/>
               <a:t>Edit Master text styles</a:t>
             </a:r>
           </a:p>
@@ -1612,13 +4037,7 @@
       </p:sp>
       <p:sp>
         <p:nvSpPr>
-          <p:cNvPr id="4" name="Content Placeholder 3">
-            <a:extLst>
-              <a:ext uri="{FF2B5EF4-FFF2-40B4-BE49-F238E27FC236}">
-                <a16:creationId xmlns:a16="http://schemas.microsoft.com/office/drawing/2014/main" id="{D2FF18C2-E626-4C98-B134-D8030039BC76}"/>
-              </a:ext>
-            </a:extLst>
-          </p:cNvPr>
+          <p:cNvPr id="4" name="Content Placeholder 3"/>
           <p:cNvSpPr>
             <a:spLocks noGrp="1"/>
           </p:cNvSpPr>
@@ -1628,60 +4047,84 @@
         </p:nvSpPr>
         <p:spPr>
           <a:xfrm>
-            <a:off x="839788" y="2505075"/>
-            <a:ext cx="5157787" cy="3684588"/>
+            <a:off x="1484311" y="3335337"/>
+            <a:ext cx="4895056" cy="2455862"/>
           </a:xfrm>
         </p:spPr>
         <p:txBody>
-          <a:bodyPr/>
-          <a:lstStyle/>
+          <a:bodyPr anchor="t">
+            <a:normAutofit/>
+          </a:bodyPr>
+          <a:lstStyle>
+            <a:lvl1pPr>
+              <a:defRPr sz="1800"/>
+            </a:lvl1pPr>
+            <a:lvl2pPr>
+              <a:defRPr sz="1600"/>
+            </a:lvl2pPr>
+            <a:lvl3pPr>
+              <a:defRPr sz="1400"/>
+            </a:lvl3pPr>
+            <a:lvl4pPr>
+              <a:defRPr sz="1200"/>
+            </a:lvl4pPr>
+            <a:lvl5pPr>
+              <a:defRPr sz="1200"/>
+            </a:lvl5pPr>
+            <a:lvl6pPr>
+              <a:defRPr sz="1200"/>
+            </a:lvl6pPr>
+            <a:lvl7pPr>
+              <a:defRPr sz="1200"/>
+            </a:lvl7pPr>
+            <a:lvl8pPr>
+              <a:defRPr sz="1200"/>
+            </a:lvl8pPr>
+            <a:lvl9pPr>
+              <a:defRPr sz="1200"/>
+            </a:lvl9pPr>
+          </a:lstStyle>
           <a:p>
             <a:pPr lvl="0"/>
             <a:r>
-              <a:rPr lang="en-US"/>
+              <a:rPr lang="en-US" smtClean="0"/>
               <a:t>Edit Master text styles</a:t>
             </a:r>
           </a:p>
           <a:p>
             <a:pPr lvl="1"/>
             <a:r>
-              <a:rPr lang="en-US"/>
+              <a:rPr lang="en-US" smtClean="0"/>
               <a:t>Second level</a:t>
             </a:r>
           </a:p>
           <a:p>
             <a:pPr lvl="2"/>
             <a:r>
-              <a:rPr lang="en-US"/>
+              <a:rPr lang="en-US" smtClean="0"/>
               <a:t>Third level</a:t>
             </a:r>
           </a:p>
           <a:p>
             <a:pPr lvl="3"/>
             <a:r>
-              <a:rPr lang="en-US"/>
+              <a:rPr lang="en-US" smtClean="0"/>
               <a:t>Fourth level</a:t>
             </a:r>
           </a:p>
           <a:p>
             <a:pPr lvl="4"/>
             <a:r>
-              <a:rPr lang="en-US"/>
+              <a:rPr lang="en-US" smtClean="0"/>
               <a:t>Fifth level</a:t>
             </a:r>
-            <a:endParaRPr lang="en-IN"/>
-          </a:p>
-        </p:txBody>
-      </p:sp>
-      <p:sp>
-        <p:nvSpPr>
-          <p:cNvPr id="5" name="Text Placeholder 4">
-            <a:extLst>
-              <a:ext uri="{FF2B5EF4-FFF2-40B4-BE49-F238E27FC236}">
-                <a16:creationId xmlns:a16="http://schemas.microsoft.com/office/drawing/2014/main" id="{473D4711-9F8E-4583-A71E-9816C97FF2B2}"/>
-              </a:ext>
-            </a:extLst>
-          </p:cNvPr>
+            <a:endParaRPr lang="en-US" dirty="0"/>
+          </a:p>
+        </p:txBody>
+      </p:sp>
+      <p:sp>
+        <p:nvSpPr>
+          <p:cNvPr id="5" name="Text Placeholder 4"/>
           <p:cNvSpPr>
             <a:spLocks noGrp="1"/>
           </p:cNvSpPr>
@@ -1691,16 +4134,24 @@
         </p:nvSpPr>
         <p:spPr>
           <a:xfrm>
-            <a:off x="6172200" y="1681163"/>
-            <a:ext cx="5183188" cy="823912"/>
+            <a:off x="6880487" y="2667000"/>
+            <a:ext cx="4622537" cy="576262"/>
           </a:xfrm>
         </p:spPr>
         <p:txBody>
-          <a:bodyPr anchor="b"/>
+          <a:bodyPr anchor="b">
+            <a:noAutofit/>
+          </a:bodyPr>
           <a:lstStyle>
             <a:lvl1pPr marL="0" indent="0">
               <a:buNone/>
-              <a:defRPr sz="2400" b="1"/>
+              <a:defRPr sz="2800" b="0">
+                <a:solidFill>
+                  <a:schemeClr val="accent1">
+                    <a:lumMod val="75000"/>
+                  </a:schemeClr>
+                </a:solidFill>
+              </a:defRPr>
             </a:lvl1pPr>
             <a:lvl2pPr marL="457200" indent="0">
               <a:buNone/>
@@ -1738,7 +4189,7 @@
           <a:p>
             <a:pPr lvl="0"/>
             <a:r>
-              <a:rPr lang="en-US"/>
+              <a:rPr lang="en-US" smtClean="0"/>
               <a:t>Edit Master text styles</a:t>
             </a:r>
           </a:p>
@@ -1746,13 +4197,7 @@
       </p:sp>
       <p:sp>
         <p:nvSpPr>
-          <p:cNvPr id="6" name="Content Placeholder 5">
-            <a:extLst>
-              <a:ext uri="{FF2B5EF4-FFF2-40B4-BE49-F238E27FC236}">
-                <a16:creationId xmlns:a16="http://schemas.microsoft.com/office/drawing/2014/main" id="{136A8A45-CC67-489A-98DD-CDCE6440F1BF}"/>
-              </a:ext>
-            </a:extLst>
-          </p:cNvPr>
+          <p:cNvPr id="6" name="Content Placeholder 5"/>
           <p:cNvSpPr>
             <a:spLocks noGrp="1"/>
           </p:cNvSpPr>
@@ -1762,65 +4207,112 @@
         </p:nvSpPr>
         <p:spPr>
           <a:xfrm>
-            <a:off x="6172200" y="2505075"/>
-            <a:ext cx="5183188" cy="3684588"/>
+            <a:off x="6607967" y="3335337"/>
+            <a:ext cx="4895056" cy="2455862"/>
           </a:xfrm>
         </p:spPr>
         <p:txBody>
+          <a:bodyPr anchor="t">
+            <a:normAutofit/>
+          </a:bodyPr>
+          <a:lstStyle>
+            <a:lvl1pPr>
+              <a:defRPr sz="1800"/>
+            </a:lvl1pPr>
+            <a:lvl2pPr>
+              <a:defRPr sz="1600"/>
+            </a:lvl2pPr>
+            <a:lvl3pPr>
+              <a:defRPr sz="1400"/>
+            </a:lvl3pPr>
+            <a:lvl4pPr>
+              <a:defRPr sz="1200"/>
+            </a:lvl4pPr>
+            <a:lvl5pPr>
+              <a:defRPr sz="1200"/>
+            </a:lvl5pPr>
+            <a:lvl6pPr>
+              <a:defRPr sz="1200"/>
+            </a:lvl6pPr>
+            <a:lvl7pPr>
+              <a:defRPr sz="1200"/>
+            </a:lvl7pPr>
+            <a:lvl8pPr>
+              <a:defRPr sz="1200"/>
+            </a:lvl8pPr>
+            <a:lvl9pPr>
+              <a:defRPr sz="1200"/>
+            </a:lvl9pPr>
+          </a:lstStyle>
+          <a:p>
+            <a:pPr lvl="0"/>
+            <a:r>
+              <a:rPr lang="en-US" smtClean="0"/>
+              <a:t>Edit Master text styles</a:t>
+            </a:r>
+          </a:p>
+          <a:p>
+            <a:pPr lvl="1"/>
+            <a:r>
+              <a:rPr lang="en-US" smtClean="0"/>
+              <a:t>Second level</a:t>
+            </a:r>
+          </a:p>
+          <a:p>
+            <a:pPr lvl="2"/>
+            <a:r>
+              <a:rPr lang="en-US" smtClean="0"/>
+              <a:t>Third level</a:t>
+            </a:r>
+          </a:p>
+          <a:p>
+            <a:pPr lvl="3"/>
+            <a:r>
+              <a:rPr lang="en-US" smtClean="0"/>
+              <a:t>Fourth level</a:t>
+            </a:r>
+          </a:p>
+          <a:p>
+            <a:pPr lvl="4"/>
+            <a:r>
+              <a:rPr lang="en-US" smtClean="0"/>
+              <a:t>Fifth level</a:t>
+            </a:r>
+            <a:endParaRPr lang="en-US" dirty="0"/>
+          </a:p>
+        </p:txBody>
+      </p:sp>
+      <p:sp>
+        <p:nvSpPr>
+          <p:cNvPr id="7" name="Date Placeholder 6"/>
+          <p:cNvSpPr>
+            <a:spLocks noGrp="1"/>
+          </p:cNvSpPr>
+          <p:nvPr>
+            <p:ph type="dt" sz="half" idx="10"/>
+          </p:nvPr>
+        </p:nvSpPr>
+        <p:spPr/>
+        <p:txBody>
           <a:bodyPr/>
           <a:lstStyle/>
           <a:p>
-            <a:pPr lvl="0"/>
-            <a:r>
-              <a:rPr lang="en-US"/>
-              <a:t>Edit Master text styles</a:t>
-            </a:r>
-          </a:p>
-          <a:p>
-            <a:pPr lvl="1"/>
-            <a:r>
-              <a:rPr lang="en-US"/>
-              <a:t>Second level</a:t>
-            </a:r>
-          </a:p>
-          <a:p>
-            <a:pPr lvl="2"/>
-            <a:r>
-              <a:rPr lang="en-US"/>
-              <a:t>Third level</a:t>
-            </a:r>
-          </a:p>
-          <a:p>
-            <a:pPr lvl="3"/>
-            <a:r>
-              <a:rPr lang="en-US"/>
-              <a:t>Fourth level</a:t>
-            </a:r>
-          </a:p>
-          <a:p>
-            <a:pPr lvl="4"/>
-            <a:r>
-              <a:rPr lang="en-US"/>
-              <a:t>Fifth level</a:t>
-            </a:r>
+            <a:fld id="{AADDB955-70B9-4D4C-8D5D-0409BD461500}" type="datetimeFigureOut">
+              <a:rPr lang="en-IN" smtClean="0"/>
+              <a:t>13-01-2022</a:t>
+            </a:fld>
             <a:endParaRPr lang="en-IN"/>
           </a:p>
         </p:txBody>
       </p:sp>
       <p:sp>
         <p:nvSpPr>
-          <p:cNvPr id="7" name="Date Placeholder 6">
-            <a:extLst>
-              <a:ext uri="{FF2B5EF4-FFF2-40B4-BE49-F238E27FC236}">
-                <a16:creationId xmlns:a16="http://schemas.microsoft.com/office/drawing/2014/main" id="{B6AA2FA2-9000-48C0-BA51-2CF17EAAEA7B}"/>
-              </a:ext>
-            </a:extLst>
-          </p:cNvPr>
-          <p:cNvSpPr>
-            <a:spLocks noGrp="1"/>
-          </p:cNvSpPr>
-          <p:nvPr>
-            <p:ph type="dt" sz="half" idx="10"/>
+          <p:cNvPr id="8" name="Footer Placeholder 7"/>
+          <p:cNvSpPr>
+            <a:spLocks noGrp="1"/>
+          </p:cNvSpPr>
+          <p:nvPr>
+            <p:ph type="ftr" sz="quarter" idx="11"/>
           </p:nvPr>
         </p:nvSpPr>
         <p:spPr/>
@@ -1828,48 +4320,13 @@
           <a:bodyPr/>
           <a:lstStyle/>
           <a:p>
-            <a:fld id="{AADDB955-70B9-4D4C-8D5D-0409BD461500}" type="datetimeFigureOut">
-              <a:rPr lang="en-IN" smtClean="0"/>
-              <a:t>12-01-2022</a:t>
-            </a:fld>
             <a:endParaRPr lang="en-IN"/>
           </a:p>
         </p:txBody>
       </p:sp>
       <p:sp>
         <p:nvSpPr>
-          <p:cNvPr id="8" name="Footer Placeholder 7">
-            <a:extLst>
-              <a:ext uri="{FF2B5EF4-FFF2-40B4-BE49-F238E27FC236}">
-                <a16:creationId xmlns:a16="http://schemas.microsoft.com/office/drawing/2014/main" id="{4583B186-5981-4C2C-A428-D60586B2FACF}"/>
-              </a:ext>
-            </a:extLst>
-          </p:cNvPr>
-          <p:cNvSpPr>
-            <a:spLocks noGrp="1"/>
-          </p:cNvSpPr>
-          <p:nvPr>
-            <p:ph type="ftr" sz="quarter" idx="11"/>
-          </p:nvPr>
-        </p:nvSpPr>
-        <p:spPr/>
-        <p:txBody>
-          <a:bodyPr/>
-          <a:lstStyle/>
-          <a:p>
-            <a:endParaRPr lang="en-IN"/>
-          </a:p>
-        </p:txBody>
-      </p:sp>
-      <p:sp>
-        <p:nvSpPr>
-          <p:cNvPr id="9" name="Slide Number Placeholder 8">
-            <a:extLst>
-              <a:ext uri="{FF2B5EF4-FFF2-40B4-BE49-F238E27FC236}">
-                <a16:creationId xmlns:a16="http://schemas.microsoft.com/office/drawing/2014/main" id="{73AD84FF-E269-4E34-A4F8-2DDDF77B8FCC}"/>
-              </a:ext>
-            </a:extLst>
-          </p:cNvPr>
+          <p:cNvPr id="9" name="Slide Number Placeholder 8"/>
           <p:cNvSpPr>
             <a:spLocks noGrp="1"/>
           </p:cNvSpPr>
@@ -1893,7 +4350,7 @@
     </p:spTree>
     <p:extLst>
       <p:ext uri="{BB962C8B-B14F-4D97-AF65-F5344CB8AC3E}">
-        <p14:creationId xmlns:p14="http://schemas.microsoft.com/office/powerpoint/2010/main" val="3037571169"/>
+        <p14:creationId xmlns:p14="http://schemas.microsoft.com/office/powerpoint/2010/main" val="1411432687"/>
       </p:ext>
     </p:extLst>
   </p:cSld>
@@ -1922,13 +4379,7 @@
       </p:grpSpPr>
       <p:sp>
         <p:nvSpPr>
-          <p:cNvPr id="2" name="Title 1">
-            <a:extLst>
-              <a:ext uri="{FF2B5EF4-FFF2-40B4-BE49-F238E27FC236}">
-                <a16:creationId xmlns:a16="http://schemas.microsoft.com/office/drawing/2014/main" id="{1DEED7DB-4D28-407F-8BA3-A2D13BCBFA37}"/>
-              </a:ext>
-            </a:extLst>
-          </p:cNvPr>
+          <p:cNvPr id="2" name="Title 1"/>
           <p:cNvSpPr>
             <a:spLocks noGrp="1"/>
           </p:cNvSpPr>
@@ -1942,22 +4393,16 @@
           <a:lstStyle/>
           <a:p>
             <a:r>
-              <a:rPr lang="en-US"/>
+              <a:rPr lang="en-US" smtClean="0"/>
               <a:t>Click to edit Master title style</a:t>
             </a:r>
-            <a:endParaRPr lang="en-IN"/>
-          </a:p>
-        </p:txBody>
-      </p:sp>
-      <p:sp>
-        <p:nvSpPr>
-          <p:cNvPr id="3" name="Date Placeholder 2">
-            <a:extLst>
-              <a:ext uri="{FF2B5EF4-FFF2-40B4-BE49-F238E27FC236}">
-                <a16:creationId xmlns:a16="http://schemas.microsoft.com/office/drawing/2014/main" id="{70E4FB0A-CFED-462E-9657-A68F2229974E}"/>
-              </a:ext>
-            </a:extLst>
-          </p:cNvPr>
+            <a:endParaRPr lang="en-US" dirty="0"/>
+          </a:p>
+        </p:txBody>
+      </p:sp>
+      <p:sp>
+        <p:nvSpPr>
+          <p:cNvPr id="3" name="Date Placeholder 2"/>
           <p:cNvSpPr>
             <a:spLocks noGrp="1"/>
           </p:cNvSpPr>
@@ -1972,7 +4417,7 @@
           <a:p>
             <a:fld id="{AADDB955-70B9-4D4C-8D5D-0409BD461500}" type="datetimeFigureOut">
               <a:rPr lang="en-IN" smtClean="0"/>
-              <a:t>12-01-2022</a:t>
+              <a:t>13-01-2022</a:t>
             </a:fld>
             <a:endParaRPr lang="en-IN"/>
           </a:p>
@@ -1980,13 +4425,7 @@
       </p:sp>
       <p:sp>
         <p:nvSpPr>
-          <p:cNvPr id="4" name="Footer Placeholder 3">
-            <a:extLst>
-              <a:ext uri="{FF2B5EF4-FFF2-40B4-BE49-F238E27FC236}">
-                <a16:creationId xmlns:a16="http://schemas.microsoft.com/office/drawing/2014/main" id="{0DFDE283-BEA7-4186-B2E7-7D592ACC6996}"/>
-              </a:ext>
-            </a:extLst>
-          </p:cNvPr>
+          <p:cNvPr id="4" name="Footer Placeholder 3"/>
           <p:cNvSpPr>
             <a:spLocks noGrp="1"/>
           </p:cNvSpPr>
@@ -2005,13 +4444,7 @@
       </p:sp>
       <p:sp>
         <p:nvSpPr>
-          <p:cNvPr id="5" name="Slide Number Placeholder 4">
-            <a:extLst>
-              <a:ext uri="{FF2B5EF4-FFF2-40B4-BE49-F238E27FC236}">
-                <a16:creationId xmlns:a16="http://schemas.microsoft.com/office/drawing/2014/main" id="{5EF16691-D4BC-4FC0-8396-3E0E3D63F6C4}"/>
-              </a:ext>
-            </a:extLst>
-          </p:cNvPr>
+          <p:cNvPr id="5" name="Slide Number Placeholder 4"/>
           <p:cNvSpPr>
             <a:spLocks noGrp="1"/>
           </p:cNvSpPr>
@@ -2035,7 +4468,7 @@
     </p:spTree>
     <p:extLst>
       <p:ext uri="{BB962C8B-B14F-4D97-AF65-F5344CB8AC3E}">
-        <p14:creationId xmlns:p14="http://schemas.microsoft.com/office/powerpoint/2010/main" val="1356520759"/>
+        <p14:creationId xmlns:p14="http://schemas.microsoft.com/office/powerpoint/2010/main" val="1640453145"/>
       </p:ext>
     </p:extLst>
   </p:cSld>
@@ -2064,13 +4497,7 @@
       </p:grpSpPr>
       <p:sp>
         <p:nvSpPr>
-          <p:cNvPr id="2" name="Date Placeholder 1">
-            <a:extLst>
-              <a:ext uri="{FF2B5EF4-FFF2-40B4-BE49-F238E27FC236}">
-                <a16:creationId xmlns:a16="http://schemas.microsoft.com/office/drawing/2014/main" id="{2875A51C-87CB-4D05-910F-CFE7AC18B67D}"/>
-              </a:ext>
-            </a:extLst>
-          </p:cNvPr>
+          <p:cNvPr id="2" name="Date Placeholder 1"/>
           <p:cNvSpPr>
             <a:spLocks noGrp="1"/>
           </p:cNvSpPr>
@@ -2085,7 +4512,7 @@
           <a:p>
             <a:fld id="{AADDB955-70B9-4D4C-8D5D-0409BD461500}" type="datetimeFigureOut">
               <a:rPr lang="en-IN" smtClean="0"/>
-              <a:t>12-01-2022</a:t>
+              <a:t>13-01-2022</a:t>
             </a:fld>
             <a:endParaRPr lang="en-IN"/>
           </a:p>
@@ -2093,13 +4520,7 @@
       </p:sp>
       <p:sp>
         <p:nvSpPr>
-          <p:cNvPr id="3" name="Footer Placeholder 2">
-            <a:extLst>
-              <a:ext uri="{FF2B5EF4-FFF2-40B4-BE49-F238E27FC236}">
-                <a16:creationId xmlns:a16="http://schemas.microsoft.com/office/drawing/2014/main" id="{BCBC93F9-005C-4C38-B8C6-F244CE685146}"/>
-              </a:ext>
-            </a:extLst>
-          </p:cNvPr>
+          <p:cNvPr id="3" name="Footer Placeholder 2"/>
           <p:cNvSpPr>
             <a:spLocks noGrp="1"/>
           </p:cNvSpPr>
@@ -2118,13 +4539,7 @@
       </p:sp>
       <p:sp>
         <p:nvSpPr>
-          <p:cNvPr id="4" name="Slide Number Placeholder 3">
-            <a:extLst>
-              <a:ext uri="{FF2B5EF4-FFF2-40B4-BE49-F238E27FC236}">
-                <a16:creationId xmlns:a16="http://schemas.microsoft.com/office/drawing/2014/main" id="{47D6FEFD-C14F-45D2-8EB6-93344509E803}"/>
-              </a:ext>
-            </a:extLst>
-          </p:cNvPr>
+          <p:cNvPr id="4" name="Slide Number Placeholder 3"/>
           <p:cNvSpPr>
             <a:spLocks noGrp="1"/>
           </p:cNvSpPr>
@@ -2148,7 +4563,7 @@
     </p:spTree>
     <p:extLst>
       <p:ext uri="{BB962C8B-B14F-4D97-AF65-F5344CB8AC3E}">
-        <p14:creationId xmlns:p14="http://schemas.microsoft.com/office/powerpoint/2010/main" val="2774190261"/>
+        <p14:creationId xmlns:p14="http://schemas.microsoft.com/office/powerpoint/2010/main" val="3345792687"/>
       </p:ext>
     </p:extLst>
   </p:cSld>
@@ -2177,13 +4592,7 @@
       </p:grpSpPr>
       <p:sp>
         <p:nvSpPr>
-          <p:cNvPr id="2" name="Title 1">
-            <a:extLst>
-              <a:ext uri="{FF2B5EF4-FFF2-40B4-BE49-F238E27FC236}">
-                <a16:creationId xmlns:a16="http://schemas.microsoft.com/office/drawing/2014/main" id="{F5764FB6-6490-4B89-A902-81F31C2B52AB}"/>
-              </a:ext>
-            </a:extLst>
-          </p:cNvPr>
+          <p:cNvPr id="2" name="Title 1"/>
           <p:cNvSpPr>
             <a:spLocks noGrp="1"/>
           </p:cNvSpPr>
@@ -2193,183 +4602,177 @@
         </p:nvSpPr>
         <p:spPr>
           <a:xfrm>
-            <a:off x="839788" y="457200"/>
-            <a:ext cx="3932237" cy="1600200"/>
+            <a:off x="1484312" y="1600200"/>
+            <a:ext cx="3549121" cy="1371600"/>
           </a:xfrm>
         </p:spPr>
         <p:txBody>
-          <a:bodyPr anchor="b"/>
+          <a:bodyPr anchor="b">
+            <a:normAutofit/>
+          </a:bodyPr>
+          <a:lstStyle>
+            <a:lvl1pPr algn="ctr">
+              <a:defRPr sz="2400" b="0"/>
+            </a:lvl1pPr>
+          </a:lstStyle>
+          <a:p>
+            <a:r>
+              <a:rPr lang="en-US" smtClean="0"/>
+              <a:t>Click to edit Master title style</a:t>
+            </a:r>
+            <a:endParaRPr lang="en-US" dirty="0"/>
+          </a:p>
+        </p:txBody>
+      </p:sp>
+      <p:sp>
+        <p:nvSpPr>
+          <p:cNvPr id="3" name="Content Placeholder 2"/>
+          <p:cNvSpPr>
+            <a:spLocks noGrp="1"/>
+          </p:cNvSpPr>
+          <p:nvPr>
+            <p:ph idx="1"/>
+          </p:nvPr>
+        </p:nvSpPr>
+        <p:spPr>
+          <a:xfrm>
+            <a:off x="5262033" y="685799"/>
+            <a:ext cx="6240990" cy="5105401"/>
+          </a:xfrm>
+        </p:spPr>
+        <p:txBody>
+          <a:bodyPr anchor="ctr">
+            <a:normAutofit/>
+          </a:bodyPr>
           <a:lstStyle>
             <a:lvl1pPr>
-              <a:defRPr sz="3200"/>
+              <a:defRPr sz="2000"/>
             </a:lvl1pPr>
+            <a:lvl2pPr>
+              <a:defRPr sz="1800"/>
+            </a:lvl2pPr>
+            <a:lvl3pPr>
+              <a:defRPr sz="1600"/>
+            </a:lvl3pPr>
+            <a:lvl4pPr>
+              <a:defRPr sz="1400"/>
+            </a:lvl4pPr>
+            <a:lvl5pPr>
+              <a:defRPr sz="1400"/>
+            </a:lvl5pPr>
+            <a:lvl6pPr>
+              <a:defRPr sz="1400"/>
+            </a:lvl6pPr>
+            <a:lvl7pPr>
+              <a:defRPr sz="1400"/>
+            </a:lvl7pPr>
+            <a:lvl8pPr>
+              <a:defRPr sz="1400"/>
+            </a:lvl8pPr>
+            <a:lvl9pPr>
+              <a:defRPr sz="1400"/>
+            </a:lvl9pPr>
           </a:lstStyle>
           <a:p>
-            <a:r>
-              <a:rPr lang="en-US"/>
-              <a:t>Click to edit Master title style</a:t>
-            </a:r>
-            <a:endParaRPr lang="en-IN"/>
-          </a:p>
-        </p:txBody>
-      </p:sp>
-      <p:sp>
-        <p:nvSpPr>
-          <p:cNvPr id="3" name="Content Placeholder 2">
-            <a:extLst>
-              <a:ext uri="{FF2B5EF4-FFF2-40B4-BE49-F238E27FC236}">
-                <a16:creationId xmlns:a16="http://schemas.microsoft.com/office/drawing/2014/main" id="{9665EF87-E421-485F-B675-545D571E6233}"/>
-              </a:ext>
-            </a:extLst>
-          </p:cNvPr>
-          <p:cNvSpPr>
-            <a:spLocks noGrp="1"/>
-          </p:cNvSpPr>
-          <p:nvPr>
-            <p:ph idx="1"/>
+            <a:pPr lvl="0"/>
+            <a:r>
+              <a:rPr lang="en-US" smtClean="0"/>
+              <a:t>Edit Master text styles</a:t>
+            </a:r>
+          </a:p>
+          <a:p>
+            <a:pPr lvl="1"/>
+            <a:r>
+              <a:rPr lang="en-US" smtClean="0"/>
+              <a:t>Second level</a:t>
+            </a:r>
+          </a:p>
+          <a:p>
+            <a:pPr lvl="2"/>
+            <a:r>
+              <a:rPr lang="en-US" smtClean="0"/>
+              <a:t>Third level</a:t>
+            </a:r>
+          </a:p>
+          <a:p>
+            <a:pPr lvl="3"/>
+            <a:r>
+              <a:rPr lang="en-US" smtClean="0"/>
+              <a:t>Fourth level</a:t>
+            </a:r>
+          </a:p>
+          <a:p>
+            <a:pPr lvl="4"/>
+            <a:r>
+              <a:rPr lang="en-US" smtClean="0"/>
+              <a:t>Fifth level</a:t>
+            </a:r>
+            <a:endParaRPr lang="en-US" dirty="0"/>
+          </a:p>
+        </p:txBody>
+      </p:sp>
+      <p:sp>
+        <p:nvSpPr>
+          <p:cNvPr id="4" name="Text Placeholder 3"/>
+          <p:cNvSpPr>
+            <a:spLocks noGrp="1"/>
+          </p:cNvSpPr>
+          <p:nvPr>
+            <p:ph type="body" sz="half" idx="2"/>
           </p:nvPr>
         </p:nvSpPr>
         <p:spPr>
           <a:xfrm>
-            <a:off x="5183188" y="987425"/>
-            <a:ext cx="6172200" cy="4873625"/>
+            <a:off x="1484312" y="2971800"/>
+            <a:ext cx="3549121" cy="1828800"/>
           </a:xfrm>
         </p:spPr>
         <p:txBody>
-          <a:bodyPr/>
+          <a:bodyPr>
+            <a:normAutofit/>
+          </a:bodyPr>
           <a:lstStyle>
-            <a:lvl1pPr>
-              <a:defRPr sz="3200"/>
-            </a:lvl1pPr>
-            <a:lvl2pPr>
-              <a:defRPr sz="2800"/>
-            </a:lvl2pPr>
-            <a:lvl3pPr>
-              <a:defRPr sz="2400"/>
-            </a:lvl3pPr>
-            <a:lvl4pPr>
-              <a:defRPr sz="2000"/>
-            </a:lvl4pPr>
-            <a:lvl5pPr>
-              <a:defRPr sz="2000"/>
-            </a:lvl5pPr>
-            <a:lvl6pPr>
-              <a:defRPr sz="2000"/>
-            </a:lvl6pPr>
-            <a:lvl7pPr>
-              <a:defRPr sz="2000"/>
-            </a:lvl7pPr>
-            <a:lvl8pPr>
-              <a:defRPr sz="2000"/>
-            </a:lvl8pPr>
-            <a:lvl9pPr>
-              <a:defRPr sz="2000"/>
-            </a:lvl9pPr>
-          </a:lstStyle>
-          <a:p>
-            <a:pPr lvl="0"/>
-            <a:r>
-              <a:rPr lang="en-US"/>
-              <a:t>Edit Master text styles</a:t>
-            </a:r>
-          </a:p>
-          <a:p>
-            <a:pPr lvl="1"/>
-            <a:r>
-              <a:rPr lang="en-US"/>
-              <a:t>Second level</a:t>
-            </a:r>
-          </a:p>
-          <a:p>
-            <a:pPr lvl="2"/>
-            <a:r>
-              <a:rPr lang="en-US"/>
-              <a:t>Third level</a:t>
-            </a:r>
-          </a:p>
-          <a:p>
-            <a:pPr lvl="3"/>
-            <a:r>
-              <a:rPr lang="en-US"/>
-              <a:t>Fourth level</a:t>
-            </a:r>
-          </a:p>
-          <a:p>
-            <a:pPr lvl="4"/>
-            <a:r>
-              <a:rPr lang="en-US"/>
-              <a:t>Fifth level</a:t>
-            </a:r>
-            <a:endParaRPr lang="en-IN"/>
-          </a:p>
-        </p:txBody>
-      </p:sp>
-      <p:sp>
-        <p:nvSpPr>
-          <p:cNvPr id="4" name="Text Placeholder 3">
-            <a:extLst>
-              <a:ext uri="{FF2B5EF4-FFF2-40B4-BE49-F238E27FC236}">
-                <a16:creationId xmlns:a16="http://schemas.microsoft.com/office/drawing/2014/main" id="{315FA4BE-9C88-4FEF-A810-72C1ADDAF462}"/>
-              </a:ext>
-            </a:extLst>
-          </p:cNvPr>
-          <p:cNvSpPr>
-            <a:spLocks noGrp="1"/>
-          </p:cNvSpPr>
-          <p:nvPr>
-            <p:ph type="body" sz="half" idx="2"/>
-          </p:nvPr>
-        </p:nvSpPr>
-        <p:spPr>
-          <a:xfrm>
-            <a:off x="839788" y="2057400"/>
-            <a:ext cx="3932237" cy="3811588"/>
-          </a:xfrm>
-        </p:spPr>
-        <p:txBody>
-          <a:bodyPr/>
-          <a:lstStyle>
-            <a:lvl1pPr marL="0" indent="0">
+            <a:lvl1pPr marL="0" indent="0" algn="ctr">
               <a:buNone/>
               <a:defRPr sz="1600"/>
             </a:lvl1pPr>
             <a:lvl2pPr marL="457200" indent="0">
               <a:buNone/>
-              <a:defRPr sz="1400"/>
+              <a:defRPr sz="1200"/>
             </a:lvl2pPr>
             <a:lvl3pPr marL="914400" indent="0">
               <a:buNone/>
-              <a:defRPr sz="1200"/>
+              <a:defRPr sz="1000"/>
             </a:lvl3pPr>
             <a:lvl4pPr marL="1371600" indent="0">
               <a:buNone/>
-              <a:defRPr sz="1000"/>
+              <a:defRPr sz="900"/>
             </a:lvl4pPr>
             <a:lvl5pPr marL="1828800" indent="0">
               <a:buNone/>
-              <a:defRPr sz="1000"/>
+              <a:defRPr sz="900"/>
             </a:lvl5pPr>
             <a:lvl6pPr marL="2286000" indent="0">
               <a:buNone/>
-              <a:defRPr sz="1000"/>
+              <a:defRPr sz="900"/>
             </a:lvl6pPr>
             <a:lvl7pPr marL="2743200" indent="0">
               <a:buNone/>
-              <a:defRPr sz="1000"/>
+              <a:defRPr sz="900"/>
             </a:lvl7pPr>
             <a:lvl8pPr marL="3200400" indent="0">
               <a:buNone/>
-              <a:defRPr sz="1000"/>
+              <a:defRPr sz="900"/>
             </a:lvl8pPr>
             <a:lvl9pPr marL="3657600" indent="0">
               <a:buNone/>
-              <a:defRPr sz="1000"/>
+              <a:defRPr sz="900"/>
             </a:lvl9pPr>
           </a:lstStyle>
           <a:p>
             <a:pPr lvl="0"/>
             <a:r>
-              <a:rPr lang="en-US"/>
+              <a:rPr lang="en-US" smtClean="0"/>
               <a:t>Edit Master text styles</a:t>
             </a:r>
           </a:p>
@@ -2377,13 +4780,7 @@
       </p:sp>
       <p:sp>
         <p:nvSpPr>
-          <p:cNvPr id="5" name="Date Placeholder 4">
-            <a:extLst>
-              <a:ext uri="{FF2B5EF4-FFF2-40B4-BE49-F238E27FC236}">
-                <a16:creationId xmlns:a16="http://schemas.microsoft.com/office/drawing/2014/main" id="{76E5B0E1-9C73-4D44-B495-C453C572E4B6}"/>
-              </a:ext>
-            </a:extLst>
-          </p:cNvPr>
+          <p:cNvPr id="5" name="Date Placeholder 4"/>
           <p:cNvSpPr>
             <a:spLocks noGrp="1"/>
           </p:cNvSpPr>
@@ -2398,7 +4795,7 @@
           <a:p>
             <a:fld id="{AADDB955-70B9-4D4C-8D5D-0409BD461500}" type="datetimeFigureOut">
               <a:rPr lang="en-IN" smtClean="0"/>
-              <a:t>12-01-2022</a:t>
+              <a:t>13-01-2022</a:t>
             </a:fld>
             <a:endParaRPr lang="en-IN"/>
           </a:p>
@@ -2406,13 +4803,7 @@
       </p:sp>
       <p:sp>
         <p:nvSpPr>
-          <p:cNvPr id="6" name="Footer Placeholder 5">
-            <a:extLst>
-              <a:ext uri="{FF2B5EF4-FFF2-40B4-BE49-F238E27FC236}">
-                <a16:creationId xmlns:a16="http://schemas.microsoft.com/office/drawing/2014/main" id="{46BD704B-4748-4DF5-A9B8-780056465E8D}"/>
-              </a:ext>
-            </a:extLst>
-          </p:cNvPr>
+          <p:cNvPr id="6" name="Footer Placeholder 5"/>
           <p:cNvSpPr>
             <a:spLocks noGrp="1"/>
           </p:cNvSpPr>
@@ -2431,13 +4822,7 @@
       </p:sp>
       <p:sp>
         <p:nvSpPr>
-          <p:cNvPr id="7" name="Slide Number Placeholder 6">
-            <a:extLst>
-              <a:ext uri="{FF2B5EF4-FFF2-40B4-BE49-F238E27FC236}">
-                <a16:creationId xmlns:a16="http://schemas.microsoft.com/office/drawing/2014/main" id="{B5E58AFA-70AC-44FF-9049-3B967AB272E0}"/>
-              </a:ext>
-            </a:extLst>
-          </p:cNvPr>
+          <p:cNvPr id="7" name="Slide Number Placeholder 6"/>
           <p:cNvSpPr>
             <a:spLocks noGrp="1"/>
           </p:cNvSpPr>
@@ -2461,7 +4846,7 @@
     </p:spTree>
     <p:extLst>
       <p:ext uri="{BB962C8B-B14F-4D97-AF65-F5344CB8AC3E}">
-        <p14:creationId xmlns:p14="http://schemas.microsoft.com/office/powerpoint/2010/main" val="3089171058"/>
+        <p14:creationId xmlns:p14="http://schemas.microsoft.com/office/powerpoint/2010/main" val="2374769768"/>
       </p:ext>
     </p:extLst>
   </p:cSld>
@@ -2490,13 +4875,7 @@
       </p:grpSpPr>
       <p:sp>
         <p:nvSpPr>
-          <p:cNvPr id="2" name="Title 1">
-            <a:extLst>
-              <a:ext uri="{FF2B5EF4-FFF2-40B4-BE49-F238E27FC236}">
-                <a16:creationId xmlns:a16="http://schemas.microsoft.com/office/drawing/2014/main" id="{84C02E5B-ABC5-4C72-9665-7543F9F6BD1E}"/>
-              </a:ext>
-            </a:extLst>
-          </p:cNvPr>
+          <p:cNvPr id="2" name="Title 1"/>
           <p:cNvSpPr>
             <a:spLocks noGrp="1"/>
           </p:cNvSpPr>
@@ -2506,37 +4885,33 @@
         </p:nvSpPr>
         <p:spPr>
           <a:xfrm>
-            <a:off x="839788" y="457200"/>
-            <a:ext cx="3932237" cy="1600200"/>
+            <a:off x="1482724" y="1752599"/>
+            <a:ext cx="5426158" cy="1371600"/>
           </a:xfrm>
         </p:spPr>
         <p:txBody>
-          <a:bodyPr anchor="b"/>
+          <a:bodyPr anchor="b">
+            <a:normAutofit/>
+          </a:bodyPr>
           <a:lstStyle>
-            <a:lvl1pPr>
-              <a:defRPr sz="3200"/>
+            <a:lvl1pPr algn="ctr">
+              <a:defRPr sz="2800" b="0"/>
             </a:lvl1pPr>
           </a:lstStyle>
           <a:p>
             <a:r>
-              <a:rPr lang="en-US"/>
+              <a:rPr lang="en-US" smtClean="0"/>
               <a:t>Click to edit Master title style</a:t>
             </a:r>
-            <a:endParaRPr lang="en-IN"/>
-          </a:p>
-        </p:txBody>
-      </p:sp>
-      <p:sp>
-        <p:nvSpPr>
-          <p:cNvPr id="3" name="Picture Placeholder 2">
-            <a:extLst>
-              <a:ext uri="{FF2B5EF4-FFF2-40B4-BE49-F238E27FC236}">
-                <a16:creationId xmlns:a16="http://schemas.microsoft.com/office/drawing/2014/main" id="{BDDBFDEE-32A5-4352-A308-E2C1197C4750}"/>
-              </a:ext>
-            </a:extLst>
-          </p:cNvPr>
-          <p:cNvSpPr>
-            <a:spLocks noGrp="1"/>
+            <a:endParaRPr lang="en-US" dirty="0"/>
+          </a:p>
+        </p:txBody>
+      </p:sp>
+      <p:sp>
+        <p:nvSpPr>
+          <p:cNvPr id="14" name="Picture Placeholder 2"/>
+          <p:cNvSpPr>
+            <a:spLocks noGrp="1" noChangeAspect="1"/>
           </p:cNvSpPr>
           <p:nvPr>
             <p:ph type="pic" idx="1"/>
@@ -2544,121 +4919,151 @@
         </p:nvSpPr>
         <p:spPr>
           <a:xfrm>
-            <a:off x="5183188" y="987425"/>
-            <a:ext cx="6172200" cy="4873625"/>
+            <a:off x="7594682" y="914400"/>
+            <a:ext cx="3280974" cy="4572000"/>
           </a:xfrm>
+          <a:prstGeom prst="roundRect">
+            <a:avLst>
+              <a:gd name="adj" fmla="val 4280"/>
+            </a:avLst>
+          </a:prstGeom>
+          <a:ln w="38100">
+            <a:gradFill flip="none" rotWithShape="1">
+              <a:gsLst>
+                <a:gs pos="0">
+                  <a:schemeClr val="bg2"/>
+                </a:gs>
+                <a:gs pos="100000">
+                  <a:schemeClr val="bg2">
+                    <a:lumMod val="75000"/>
+                  </a:schemeClr>
+                </a:gs>
+              </a:gsLst>
+              <a:lin ang="5400000" scaled="0"/>
+              <a:tileRect/>
+            </a:gradFill>
+          </a:ln>
+          <a:effectLst>
+            <a:innerShdw blurRad="57150" dist="38100" dir="14460000">
+              <a:srgbClr val="000000">
+                <a:alpha val="70000"/>
+              </a:srgbClr>
+            </a:innerShdw>
+          </a:effectLst>
         </p:spPr>
         <p:txBody>
-          <a:bodyPr/>
+          <a:bodyPr anchor="t">
+            <a:normAutofit/>
+          </a:bodyPr>
           <a:lstStyle>
-            <a:lvl1pPr marL="0" indent="0">
-              <a:buNone/>
-              <a:defRPr sz="3200"/>
-            </a:lvl1pPr>
-            <a:lvl2pPr marL="457200" indent="0">
-              <a:buNone/>
-              <a:defRPr sz="2800"/>
-            </a:lvl2pPr>
-            <a:lvl3pPr marL="914400" indent="0">
-              <a:buNone/>
-              <a:defRPr sz="2400"/>
-            </a:lvl3pPr>
-            <a:lvl4pPr marL="1371600" indent="0">
-              <a:buNone/>
-              <a:defRPr sz="2000"/>
-            </a:lvl4pPr>
-            <a:lvl5pPr marL="1828800" indent="0">
-              <a:buNone/>
-              <a:defRPr sz="2000"/>
-            </a:lvl5pPr>
-            <a:lvl6pPr marL="2286000" indent="0">
-              <a:buNone/>
-              <a:defRPr sz="2000"/>
-            </a:lvl6pPr>
-            <a:lvl7pPr marL="2743200" indent="0">
-              <a:buNone/>
-              <a:defRPr sz="2000"/>
-            </a:lvl7pPr>
-            <a:lvl8pPr marL="3200400" indent="0">
-              <a:buNone/>
-              <a:defRPr sz="2000"/>
-            </a:lvl8pPr>
-            <a:lvl9pPr marL="3657600" indent="0">
-              <a:buNone/>
-              <a:defRPr sz="2000"/>
-            </a:lvl9pPr>
-          </a:lstStyle>
-          <a:p>
-            <a:endParaRPr lang="en-IN"/>
-          </a:p>
-        </p:txBody>
-      </p:sp>
-      <p:sp>
-        <p:nvSpPr>
-          <p:cNvPr id="4" name="Text Placeholder 3">
-            <a:extLst>
-              <a:ext uri="{FF2B5EF4-FFF2-40B4-BE49-F238E27FC236}">
-                <a16:creationId xmlns:a16="http://schemas.microsoft.com/office/drawing/2014/main" id="{7BC8413A-041B-463D-8644-6D2593A32642}"/>
-              </a:ext>
-            </a:extLst>
-          </p:cNvPr>
-          <p:cNvSpPr>
-            <a:spLocks noGrp="1"/>
-          </p:cNvSpPr>
-          <p:nvPr>
-            <p:ph type="body" sz="half" idx="2"/>
-          </p:nvPr>
-        </p:nvSpPr>
-        <p:spPr>
-          <a:xfrm>
-            <a:off x="839788" y="2057400"/>
-            <a:ext cx="3932237" cy="3811588"/>
-          </a:xfrm>
-        </p:spPr>
-        <p:txBody>
-          <a:bodyPr/>
-          <a:lstStyle>
-            <a:lvl1pPr marL="0" indent="0">
+            <a:lvl1pPr marL="0" indent="0" algn="ctr">
               <a:buNone/>
               <a:defRPr sz="1600"/>
             </a:lvl1pPr>
             <a:lvl2pPr marL="457200" indent="0">
               <a:buNone/>
-              <a:defRPr sz="1400"/>
+              <a:defRPr sz="1600"/>
             </a:lvl2pPr>
             <a:lvl3pPr marL="914400" indent="0">
               <a:buNone/>
-              <a:defRPr sz="1200"/>
+              <a:defRPr sz="1600"/>
             </a:lvl3pPr>
             <a:lvl4pPr marL="1371600" indent="0">
               <a:buNone/>
-              <a:defRPr sz="1000"/>
+              <a:defRPr sz="1600"/>
             </a:lvl4pPr>
             <a:lvl5pPr marL="1828800" indent="0">
               <a:buNone/>
-              <a:defRPr sz="1000"/>
+              <a:defRPr sz="1600"/>
             </a:lvl5pPr>
             <a:lvl6pPr marL="2286000" indent="0">
               <a:buNone/>
-              <a:defRPr sz="1000"/>
+              <a:defRPr sz="1600"/>
             </a:lvl6pPr>
             <a:lvl7pPr marL="2743200" indent="0">
               <a:buNone/>
-              <a:defRPr sz="1000"/>
+              <a:defRPr sz="1600"/>
             </a:lvl7pPr>
             <a:lvl8pPr marL="3200400" indent="0">
               <a:buNone/>
-              <a:defRPr sz="1000"/>
+              <a:defRPr sz="1600"/>
             </a:lvl8pPr>
             <a:lvl9pPr marL="3657600" indent="0">
               <a:buNone/>
-              <a:defRPr sz="1000"/>
+              <a:defRPr sz="1600"/>
             </a:lvl9pPr>
           </a:lstStyle>
           <a:p>
+            <a:r>
+              <a:rPr lang="en-US" smtClean="0"/>
+              <a:t>Click icon to add picture</a:t>
+            </a:r>
+            <a:endParaRPr lang="en-US" dirty="0"/>
+          </a:p>
+        </p:txBody>
+      </p:sp>
+      <p:sp>
+        <p:nvSpPr>
+          <p:cNvPr id="4" name="Text Placeholder 3"/>
+          <p:cNvSpPr>
+            <a:spLocks noGrp="1"/>
+          </p:cNvSpPr>
+          <p:nvPr>
+            <p:ph type="body" sz="half" idx="2"/>
+          </p:nvPr>
+        </p:nvSpPr>
+        <p:spPr>
+          <a:xfrm>
+            <a:off x="1482724" y="3124199"/>
+            <a:ext cx="5426158" cy="1828800"/>
+          </a:xfrm>
+        </p:spPr>
+        <p:txBody>
+          <a:bodyPr>
+            <a:normAutofit/>
+          </a:bodyPr>
+          <a:lstStyle>
+            <a:lvl1pPr marL="0" indent="0" algn="ctr">
+              <a:buNone/>
+              <a:defRPr sz="1800"/>
+            </a:lvl1pPr>
+            <a:lvl2pPr marL="457200" indent="0">
+              <a:buNone/>
+              <a:defRPr sz="1200"/>
+            </a:lvl2pPr>
+            <a:lvl3pPr marL="914400" indent="0">
+              <a:buNone/>
+              <a:defRPr sz="1000"/>
+            </a:lvl3pPr>
+            <a:lvl4pPr marL="1371600" indent="0">
+              <a:buNone/>
+              <a:defRPr sz="900"/>
+            </a:lvl4pPr>
+            <a:lvl5pPr marL="1828800" indent="0">
+              <a:buNone/>
+              <a:defRPr sz="900"/>
+            </a:lvl5pPr>
+            <a:lvl6pPr marL="2286000" indent="0">
+              <a:buNone/>
+              <a:defRPr sz="900"/>
+            </a:lvl6pPr>
+            <a:lvl7pPr marL="2743200" indent="0">
+              <a:buNone/>
+              <a:defRPr sz="900"/>
+            </a:lvl7pPr>
+            <a:lvl8pPr marL="3200400" indent="0">
+              <a:buNone/>
+              <a:defRPr sz="900"/>
+            </a:lvl8pPr>
+            <a:lvl9pPr marL="3657600" indent="0">
+              <a:buNone/>
+              <a:defRPr sz="900"/>
+            </a:lvl9pPr>
+          </a:lstStyle>
+          <a:p>
             <a:pPr lvl="0"/>
             <a:r>
-              <a:rPr lang="en-US"/>
+              <a:rPr lang="en-US" smtClean="0"/>
               <a:t>Edit Master text styles</a:t>
             </a:r>
           </a:p>
@@ -2666,13 +5071,7 @@
       </p:sp>
       <p:sp>
         <p:nvSpPr>
-          <p:cNvPr id="5" name="Date Placeholder 4">
-            <a:extLst>
-              <a:ext uri="{FF2B5EF4-FFF2-40B4-BE49-F238E27FC236}">
-                <a16:creationId xmlns:a16="http://schemas.microsoft.com/office/drawing/2014/main" id="{3C9F923F-960A-4B22-AB33-A6D43FEA3B01}"/>
-              </a:ext>
-            </a:extLst>
-          </p:cNvPr>
+          <p:cNvPr id="5" name="Date Placeholder 4"/>
           <p:cNvSpPr>
             <a:spLocks noGrp="1"/>
           </p:cNvSpPr>
@@ -2687,7 +5086,7 @@
           <a:p>
             <a:fld id="{AADDB955-70B9-4D4C-8D5D-0409BD461500}" type="datetimeFigureOut">
               <a:rPr lang="en-IN" smtClean="0"/>
-              <a:t>12-01-2022</a:t>
+              <a:t>13-01-2022</a:t>
             </a:fld>
             <a:endParaRPr lang="en-IN"/>
           </a:p>
@@ -2695,13 +5094,7 @@
       </p:sp>
       <p:sp>
         <p:nvSpPr>
-          <p:cNvPr id="6" name="Footer Placeholder 5">
-            <a:extLst>
-              <a:ext uri="{FF2B5EF4-FFF2-40B4-BE49-F238E27FC236}">
-                <a16:creationId xmlns:a16="http://schemas.microsoft.com/office/drawing/2014/main" id="{4F3125C7-5812-4132-AD18-7C45A0F54519}"/>
-              </a:ext>
-            </a:extLst>
-          </p:cNvPr>
+          <p:cNvPr id="6" name="Footer Placeholder 5"/>
           <p:cNvSpPr>
             <a:spLocks noGrp="1"/>
           </p:cNvSpPr>
@@ -2720,13 +5113,7 @@
       </p:sp>
       <p:sp>
         <p:nvSpPr>
-          <p:cNvPr id="7" name="Slide Number Placeholder 6">
-            <a:extLst>
-              <a:ext uri="{FF2B5EF4-FFF2-40B4-BE49-F238E27FC236}">
-                <a16:creationId xmlns:a16="http://schemas.microsoft.com/office/drawing/2014/main" id="{8626193B-AD4E-4492-8DB3-C5FF6E3DC894}"/>
-              </a:ext>
-            </a:extLst>
-          </p:cNvPr>
+          <p:cNvPr id="7" name="Slide Number Placeholder 6"/>
           <p:cNvSpPr>
             <a:spLocks noGrp="1"/>
           </p:cNvSpPr>
@@ -2750,7 +5137,7 @@
     </p:spTree>
     <p:extLst>
       <p:ext uri="{BB962C8B-B14F-4D97-AF65-F5344CB8AC3E}">
-        <p14:creationId xmlns:p14="http://schemas.microsoft.com/office/powerpoint/2010/main" val="4217786485"/>
+        <p14:creationId xmlns:p14="http://schemas.microsoft.com/office/powerpoint/2010/main" val="1289233719"/>
       </p:ext>
     </p:extLst>
   </p:cSld>
@@ -2764,8 +5151,8 @@
 <p:sldMaster xmlns:a="http://schemas.openxmlformats.org/drawingml/2006/main" xmlns:r="http://schemas.openxmlformats.org/officeDocument/2006/relationships" xmlns:p="http://schemas.openxmlformats.org/presentationml/2006/main">
   <p:cSld>
     <p:bg>
-      <p:bgRef idx="1001">
-        <a:schemeClr val="bg1"/>
+      <p:bgRef idx="1003">
+        <a:schemeClr val="bg2"/>
       </p:bgRef>
     </p:bg>
     <p:spTree>
@@ -2782,15 +5169,325 @@
           <a:chExt cx="0" cy="0"/>
         </a:xfrm>
       </p:grpSpPr>
-      <p:sp>
-        <p:nvSpPr>
-          <p:cNvPr id="2" name="Title Placeholder 1">
-            <a:extLst>
-              <a:ext uri="{FF2B5EF4-FFF2-40B4-BE49-F238E27FC236}">
-                <a16:creationId xmlns:a16="http://schemas.microsoft.com/office/drawing/2014/main" id="{E8FA4F6D-3BF8-40CE-A612-034D61B623BD}"/>
-              </a:ext>
-            </a:extLst>
-          </p:cNvPr>
+      <p:grpSp>
+        <p:nvGrpSpPr>
+          <p:cNvPr id="7" name="Group 6"/>
+          <p:cNvGrpSpPr/>
+          <p:nvPr/>
+        </p:nvGrpSpPr>
+        <p:grpSpPr>
+          <a:xfrm>
+            <a:off x="150812" y="0"/>
+            <a:ext cx="2436813" cy="6858001"/>
+            <a:chOff x="1320800" y="0"/>
+            <a:chExt cx="2436813" cy="6858001"/>
+          </a:xfrm>
+        </p:grpSpPr>
+        <p:sp>
+          <p:nvSpPr>
+            <p:cNvPr id="8" name="Freeform 6"/>
+            <p:cNvSpPr/>
+            <p:nvPr/>
+          </p:nvSpPr>
+          <p:spPr bwMode="auto">
+            <a:xfrm>
+              <a:off x="1627188" y="0"/>
+              <a:ext cx="1122363" cy="5329238"/>
+            </a:xfrm>
+            <a:custGeom>
+              <a:avLst/>
+              <a:gdLst/>
+              <a:ahLst/>
+              <a:cxnLst/>
+              <a:rect l="0" t="0" r="r" b="b"/>
+              <a:pathLst>
+                <a:path w="707" h="3357">
+                  <a:moveTo>
+                    <a:pt x="0" y="3330"/>
+                  </a:moveTo>
+                  <a:lnTo>
+                    <a:pt x="156" y="3357"/>
+                  </a:lnTo>
+                  <a:lnTo>
+                    <a:pt x="707" y="0"/>
+                  </a:lnTo>
+                  <a:lnTo>
+                    <a:pt x="547" y="0"/>
+                  </a:lnTo>
+                  <a:lnTo>
+                    <a:pt x="0" y="3330"/>
+                  </a:lnTo>
+                  <a:close/>
+                </a:path>
+              </a:pathLst>
+            </a:custGeom>
+            <a:solidFill>
+              <a:schemeClr val="accent1"/>
+            </a:solidFill>
+            <a:ln>
+              <a:noFill/>
+            </a:ln>
+          </p:spPr>
+        </p:sp>
+        <p:sp>
+          <p:nvSpPr>
+            <p:cNvPr id="9" name="Freeform 7"/>
+            <p:cNvSpPr/>
+            <p:nvPr/>
+          </p:nvSpPr>
+          <p:spPr bwMode="auto">
+            <a:xfrm>
+              <a:off x="1320800" y="0"/>
+              <a:ext cx="1117600" cy="5276850"/>
+            </a:xfrm>
+            <a:custGeom>
+              <a:avLst/>
+              <a:gdLst/>
+              <a:ahLst/>
+              <a:cxnLst/>
+              <a:rect l="0" t="0" r="r" b="b"/>
+              <a:pathLst>
+                <a:path w="704" h="3324">
+                  <a:moveTo>
+                    <a:pt x="704" y="0"/>
+                  </a:moveTo>
+                  <a:lnTo>
+                    <a:pt x="545" y="0"/>
+                  </a:lnTo>
+                  <a:lnTo>
+                    <a:pt x="0" y="3300"/>
+                  </a:lnTo>
+                  <a:lnTo>
+                    <a:pt x="157" y="3324"/>
+                  </a:lnTo>
+                  <a:lnTo>
+                    <a:pt x="704" y="0"/>
+                  </a:lnTo>
+                  <a:close/>
+                </a:path>
+              </a:pathLst>
+            </a:custGeom>
+            <a:solidFill>
+              <a:schemeClr val="tx1">
+                <a:lumMod val="65000"/>
+                <a:lumOff val="35000"/>
+              </a:schemeClr>
+            </a:solidFill>
+            <a:ln>
+              <a:noFill/>
+            </a:ln>
+          </p:spPr>
+        </p:sp>
+        <p:sp>
+          <p:nvSpPr>
+            <p:cNvPr id="10" name="Freeform 8"/>
+            <p:cNvSpPr/>
+            <p:nvPr/>
+          </p:nvSpPr>
+          <p:spPr bwMode="auto">
+            <a:xfrm>
+              <a:off x="1320800" y="5238750"/>
+              <a:ext cx="1228725" cy="1619250"/>
+            </a:xfrm>
+            <a:custGeom>
+              <a:avLst/>
+              <a:gdLst/>
+              <a:ahLst/>
+              <a:cxnLst/>
+              <a:rect l="0" t="0" r="r" b="b"/>
+              <a:pathLst>
+                <a:path w="774" h="1020">
+                  <a:moveTo>
+                    <a:pt x="0" y="0"/>
+                  </a:moveTo>
+                  <a:lnTo>
+                    <a:pt x="740" y="1020"/>
+                  </a:lnTo>
+                  <a:lnTo>
+                    <a:pt x="774" y="1020"/>
+                  </a:lnTo>
+                  <a:lnTo>
+                    <a:pt x="0" y="0"/>
+                  </a:lnTo>
+                  <a:close/>
+                </a:path>
+              </a:pathLst>
+            </a:custGeom>
+            <a:solidFill>
+              <a:schemeClr val="tx1">
+                <a:lumMod val="85000"/>
+                <a:lumOff val="15000"/>
+              </a:schemeClr>
+            </a:solidFill>
+            <a:ln>
+              <a:noFill/>
+            </a:ln>
+          </p:spPr>
+        </p:sp>
+        <p:sp>
+          <p:nvSpPr>
+            <p:cNvPr id="11" name="Freeform 9"/>
+            <p:cNvSpPr/>
+            <p:nvPr/>
+          </p:nvSpPr>
+          <p:spPr bwMode="auto">
+            <a:xfrm>
+              <a:off x="1627188" y="5291138"/>
+              <a:ext cx="1495425" cy="1566863"/>
+            </a:xfrm>
+            <a:custGeom>
+              <a:avLst/>
+              <a:gdLst/>
+              <a:ahLst/>
+              <a:cxnLst/>
+              <a:rect l="0" t="0" r="r" b="b"/>
+              <a:pathLst>
+                <a:path w="942" h="987">
+                  <a:moveTo>
+                    <a:pt x="0" y="0"/>
+                  </a:moveTo>
+                  <a:lnTo>
+                    <a:pt x="909" y="987"/>
+                  </a:lnTo>
+                  <a:lnTo>
+                    <a:pt x="942" y="987"/>
+                  </a:lnTo>
+                  <a:lnTo>
+                    <a:pt x="0" y="0"/>
+                  </a:lnTo>
+                  <a:close/>
+                </a:path>
+              </a:pathLst>
+            </a:custGeom>
+            <a:solidFill>
+              <a:schemeClr val="accent1">
+                <a:lumMod val="50000"/>
+              </a:schemeClr>
+            </a:solidFill>
+            <a:ln>
+              <a:noFill/>
+            </a:ln>
+          </p:spPr>
+        </p:sp>
+        <p:sp>
+          <p:nvSpPr>
+            <p:cNvPr id="12" name="Freeform 10"/>
+            <p:cNvSpPr/>
+            <p:nvPr/>
+          </p:nvSpPr>
+          <p:spPr bwMode="auto">
+            <a:xfrm>
+              <a:off x="1627188" y="5286375"/>
+              <a:ext cx="2130425" cy="1571625"/>
+            </a:xfrm>
+            <a:custGeom>
+              <a:avLst/>
+              <a:gdLst/>
+              <a:ahLst/>
+              <a:cxnLst/>
+              <a:rect l="0" t="0" r="r" b="b"/>
+              <a:pathLst>
+                <a:path w="1342" h="990">
+                  <a:moveTo>
+                    <a:pt x="0" y="3"/>
+                  </a:moveTo>
+                  <a:lnTo>
+                    <a:pt x="942" y="990"/>
+                  </a:lnTo>
+                  <a:lnTo>
+                    <a:pt x="1342" y="990"/>
+                  </a:lnTo>
+                  <a:lnTo>
+                    <a:pt x="156" y="27"/>
+                  </a:lnTo>
+                  <a:lnTo>
+                    <a:pt x="0" y="0"/>
+                  </a:lnTo>
+                  <a:lnTo>
+                    <a:pt x="0" y="3"/>
+                  </a:lnTo>
+                  <a:close/>
+                </a:path>
+              </a:pathLst>
+            </a:custGeom>
+            <a:solidFill>
+              <a:schemeClr val="accent1">
+                <a:lumMod val="75000"/>
+              </a:schemeClr>
+            </a:solidFill>
+            <a:ln>
+              <a:noFill/>
+            </a:ln>
+          </p:spPr>
+        </p:sp>
+        <p:sp>
+          <p:nvSpPr>
+            <p:cNvPr id="13" name="Freeform 11"/>
+            <p:cNvSpPr/>
+            <p:nvPr/>
+          </p:nvSpPr>
+          <p:spPr bwMode="auto">
+            <a:xfrm>
+              <a:off x="1320800" y="5238750"/>
+              <a:ext cx="1695450" cy="1619250"/>
+            </a:xfrm>
+            <a:custGeom>
+              <a:avLst/>
+              <a:gdLst/>
+              <a:ahLst/>
+              <a:cxnLst/>
+              <a:rect l="0" t="0" r="r" b="b"/>
+              <a:pathLst>
+                <a:path w="1068" h="1020">
+                  <a:moveTo>
+                    <a:pt x="1068" y="1020"/>
+                  </a:moveTo>
+                  <a:lnTo>
+                    <a:pt x="184" y="60"/>
+                  </a:lnTo>
+                  <a:lnTo>
+                    <a:pt x="154" y="27"/>
+                  </a:lnTo>
+                  <a:lnTo>
+                    <a:pt x="157" y="27"/>
+                  </a:lnTo>
+                  <a:lnTo>
+                    <a:pt x="157" y="24"/>
+                  </a:lnTo>
+                  <a:lnTo>
+                    <a:pt x="154" y="24"/>
+                  </a:lnTo>
+                  <a:lnTo>
+                    <a:pt x="0" y="0"/>
+                  </a:lnTo>
+                  <a:lnTo>
+                    <a:pt x="0" y="0"/>
+                  </a:lnTo>
+                  <a:lnTo>
+                    <a:pt x="774" y="1020"/>
+                  </a:lnTo>
+                  <a:lnTo>
+                    <a:pt x="1068" y="1020"/>
+                  </a:lnTo>
+                  <a:close/>
+                </a:path>
+              </a:pathLst>
+            </a:custGeom>
+            <a:solidFill>
+              <a:schemeClr val="tx1">
+                <a:lumMod val="75000"/>
+                <a:lumOff val="25000"/>
+              </a:schemeClr>
+            </a:solidFill>
+            <a:ln>
+              <a:noFill/>
+            </a:ln>
+          </p:spPr>
+        </p:sp>
+      </p:grpSp>
+      <p:sp>
+        <p:nvSpPr>
+          <p:cNvPr id="2" name="Title Placeholder 1"/>
           <p:cNvSpPr>
             <a:spLocks noGrp="1"/>
           </p:cNvSpPr>
@@ -2800,8 +5497,42 @@
         </p:nvSpPr>
         <p:spPr>
           <a:xfrm>
-            <a:off x="838200" y="365125"/>
-            <a:ext cx="10515600" cy="1325563"/>
+            <a:off x="1484311" y="685800"/>
+            <a:ext cx="10018713" cy="1752599"/>
+          </a:xfrm>
+          <a:prstGeom prst="rect">
+            <a:avLst/>
+          </a:prstGeom>
+          <a:effectLst/>
+        </p:spPr>
+        <p:txBody>
+          <a:bodyPr vert="horz" lIns="91440" tIns="45720" rIns="91440" bIns="45720" rtlCol="0" anchor="ctr">
+            <a:normAutofit/>
+          </a:bodyPr>
+          <a:lstStyle/>
+          <a:p>
+            <a:r>
+              <a:rPr lang="en-US" smtClean="0"/>
+              <a:t>Click to edit Master title style</a:t>
+            </a:r>
+            <a:endParaRPr lang="en-US" dirty="0"/>
+          </a:p>
+        </p:txBody>
+      </p:sp>
+      <p:sp>
+        <p:nvSpPr>
+          <p:cNvPr id="3" name="Text Placeholder 2"/>
+          <p:cNvSpPr>
+            <a:spLocks noGrp="1"/>
+          </p:cNvSpPr>
+          <p:nvPr>
+            <p:ph type="body" idx="1"/>
+          </p:nvPr>
+        </p:nvSpPr>
+        <p:spPr>
+          <a:xfrm>
+            <a:off x="1484310" y="2666999"/>
+            <a:ext cx="10018713" cy="3124201"/>
           </a:xfrm>
           <a:prstGeom prst="rect">
             <a:avLst/>
@@ -2813,102 +5544,98 @@
           </a:bodyPr>
           <a:lstStyle/>
           <a:p>
-            <a:r>
-              <a:rPr lang="en-US"/>
-              <a:t>Click to edit Master title style</a:t>
-            </a:r>
-            <a:endParaRPr lang="en-IN"/>
-          </a:p>
-        </p:txBody>
-      </p:sp>
-      <p:sp>
-        <p:nvSpPr>
-          <p:cNvPr id="3" name="Text Placeholder 2">
-            <a:extLst>
-              <a:ext uri="{FF2B5EF4-FFF2-40B4-BE49-F238E27FC236}">
-                <a16:creationId xmlns:a16="http://schemas.microsoft.com/office/drawing/2014/main" id="{B98B03E9-7ECD-4936-BDE3-1877F616D028}"/>
-              </a:ext>
-            </a:extLst>
-          </p:cNvPr>
-          <p:cNvSpPr>
-            <a:spLocks noGrp="1"/>
-          </p:cNvSpPr>
-          <p:nvPr>
-            <p:ph type="body" idx="1"/>
+            <a:pPr lvl="0"/>
+            <a:r>
+              <a:rPr lang="en-US" smtClean="0"/>
+              <a:t>Edit Master text styles</a:t>
+            </a:r>
+          </a:p>
+          <a:p>
+            <a:pPr lvl="1"/>
+            <a:r>
+              <a:rPr lang="en-US" smtClean="0"/>
+              <a:t>Second level</a:t>
+            </a:r>
+          </a:p>
+          <a:p>
+            <a:pPr lvl="2"/>
+            <a:r>
+              <a:rPr lang="en-US" smtClean="0"/>
+              <a:t>Third level</a:t>
+            </a:r>
+          </a:p>
+          <a:p>
+            <a:pPr lvl="3"/>
+            <a:r>
+              <a:rPr lang="en-US" smtClean="0"/>
+              <a:t>Fourth level</a:t>
+            </a:r>
+          </a:p>
+          <a:p>
+            <a:pPr lvl="4"/>
+            <a:r>
+              <a:rPr lang="en-US" smtClean="0"/>
+              <a:t>Fifth level</a:t>
+            </a:r>
+            <a:endParaRPr lang="en-US" dirty="0"/>
+          </a:p>
+        </p:txBody>
+      </p:sp>
+      <p:sp>
+        <p:nvSpPr>
+          <p:cNvPr id="4" name="Date Placeholder 3"/>
+          <p:cNvSpPr>
+            <a:spLocks noGrp="1"/>
+          </p:cNvSpPr>
+          <p:nvPr>
+            <p:ph type="dt" sz="half" idx="2"/>
           </p:nvPr>
         </p:nvSpPr>
         <p:spPr>
           <a:xfrm>
-            <a:off x="838200" y="1825625"/>
-            <a:ext cx="10515600" cy="4351338"/>
+            <a:off x="9732656" y="5883275"/>
+            <a:ext cx="1143000" cy="365125"/>
           </a:xfrm>
           <a:prstGeom prst="rect">
             <a:avLst/>
           </a:prstGeom>
         </p:spPr>
         <p:txBody>
-          <a:bodyPr vert="horz" lIns="91440" tIns="45720" rIns="91440" bIns="45720" rtlCol="0">
-            <a:normAutofit/>
-          </a:bodyPr>
-          <a:lstStyle/>
-          <a:p>
-            <a:pPr lvl="0"/>
-            <a:r>
-              <a:rPr lang="en-US"/>
-              <a:t>Edit Master text styles</a:t>
-            </a:r>
-          </a:p>
-          <a:p>
-            <a:pPr lvl="1"/>
-            <a:r>
-              <a:rPr lang="en-US"/>
-              <a:t>Second level</a:t>
-            </a:r>
-          </a:p>
-          <a:p>
-            <a:pPr lvl="2"/>
-            <a:r>
-              <a:rPr lang="en-US"/>
-              <a:t>Third level</a:t>
-            </a:r>
-          </a:p>
-          <a:p>
-            <a:pPr lvl="3"/>
-            <a:r>
-              <a:rPr lang="en-US"/>
-              <a:t>Fourth level</a:t>
-            </a:r>
-          </a:p>
-          <a:p>
-            <a:pPr lvl="4"/>
-            <a:r>
-              <a:rPr lang="en-US"/>
-              <a:t>Fifth level</a:t>
-            </a:r>
+          <a:bodyPr vert="horz" lIns="91440" tIns="45720" rIns="91440" bIns="45720" rtlCol="0" anchor="ctr"/>
+          <a:lstStyle>
+            <a:lvl1pPr algn="r">
+              <a:defRPr sz="1000" b="0" i="0">
+                <a:solidFill>
+                  <a:schemeClr val="tx1"/>
+                </a:solidFill>
+                <a:effectLst/>
+                <a:latin typeface="+mn-lt"/>
+              </a:defRPr>
+            </a:lvl1pPr>
+          </a:lstStyle>
+          <a:p>
+            <a:fld id="{AADDB955-70B9-4D4C-8D5D-0409BD461500}" type="datetimeFigureOut">
+              <a:rPr lang="en-IN" smtClean="0"/>
+              <a:t>13-01-2022</a:t>
+            </a:fld>
             <a:endParaRPr lang="en-IN"/>
           </a:p>
         </p:txBody>
       </p:sp>
       <p:sp>
         <p:nvSpPr>
-          <p:cNvPr id="4" name="Date Placeholder 3">
-            <a:extLst>
-              <a:ext uri="{FF2B5EF4-FFF2-40B4-BE49-F238E27FC236}">
-                <a16:creationId xmlns:a16="http://schemas.microsoft.com/office/drawing/2014/main" id="{DCF0F78E-3826-4B59-83C1-1DF0269C482D}"/>
-              </a:ext>
-            </a:extLst>
-          </p:cNvPr>
-          <p:cNvSpPr>
-            <a:spLocks noGrp="1"/>
-          </p:cNvSpPr>
-          <p:nvPr>
-            <p:ph type="dt" sz="half" idx="2"/>
+          <p:cNvPr id="5" name="Footer Placeholder 4"/>
+          <p:cNvSpPr>
+            <a:spLocks noGrp="1"/>
+          </p:cNvSpPr>
+          <p:nvPr>
+            <p:ph type="ftr" sz="quarter" idx="3"/>
           </p:nvPr>
         </p:nvSpPr>
         <p:spPr>
           <a:xfrm>
-            <a:off x="838200" y="6356350"/>
-            <a:ext cx="2743200" cy="365125"/>
+            <a:off x="2572279" y="5883275"/>
+            <a:ext cx="7084177" cy="365125"/>
           </a:xfrm>
           <a:prstGeom prst="rect">
             <a:avLst/>
@@ -2918,44 +5645,34 @@
           <a:bodyPr vert="horz" lIns="91440" tIns="45720" rIns="91440" bIns="45720" rtlCol="0" anchor="ctr"/>
           <a:lstStyle>
             <a:lvl1pPr algn="l">
-              <a:defRPr sz="1200">
-                <a:solidFill>
-                  <a:schemeClr val="tx1">
-                    <a:tint val="75000"/>
-                  </a:schemeClr>
-                </a:solidFill>
+              <a:defRPr sz="1000" b="0" i="0">
+                <a:solidFill>
+                  <a:schemeClr val="tx1"/>
+                </a:solidFill>
+                <a:effectLst/>
+                <a:latin typeface="+mn-lt"/>
               </a:defRPr>
             </a:lvl1pPr>
           </a:lstStyle>
           <a:p>
-            <a:fld id="{AADDB955-70B9-4D4C-8D5D-0409BD461500}" type="datetimeFigureOut">
-              <a:rPr lang="en-IN" smtClean="0"/>
-              <a:t>12-01-2022</a:t>
-            </a:fld>
             <a:endParaRPr lang="en-IN"/>
           </a:p>
         </p:txBody>
       </p:sp>
       <p:sp>
         <p:nvSpPr>
-          <p:cNvPr id="5" name="Footer Placeholder 4">
-            <a:extLst>
-              <a:ext uri="{FF2B5EF4-FFF2-40B4-BE49-F238E27FC236}">
-                <a16:creationId xmlns:a16="http://schemas.microsoft.com/office/drawing/2014/main" id="{39C1B90D-6022-4EE2-8031-6EE68A6CE9D8}"/>
-              </a:ext>
-            </a:extLst>
-          </p:cNvPr>
-          <p:cNvSpPr>
-            <a:spLocks noGrp="1"/>
-          </p:cNvSpPr>
-          <p:nvPr>
-            <p:ph type="ftr" sz="quarter" idx="3"/>
+          <p:cNvPr id="6" name="Slide Number Placeholder 5"/>
+          <p:cNvSpPr>
+            <a:spLocks noGrp="1"/>
+          </p:cNvSpPr>
+          <p:nvPr>
+            <p:ph type="sldNum" sz="quarter" idx="4"/>
           </p:nvPr>
         </p:nvSpPr>
         <p:spPr>
           <a:xfrm>
-            <a:off x="4038600" y="6356350"/>
-            <a:ext cx="4114800" cy="365125"/>
+            <a:off x="10951856" y="5883275"/>
+            <a:ext cx="551167" cy="365125"/>
           </a:xfrm>
           <a:prstGeom prst="rect">
             <a:avLst/>
@@ -2964,56 +5681,13 @@
         <p:txBody>
           <a:bodyPr vert="horz" lIns="91440" tIns="45720" rIns="91440" bIns="45720" rtlCol="0" anchor="ctr"/>
           <a:lstStyle>
-            <a:lvl1pPr algn="ctr">
-              <a:defRPr sz="1200">
-                <a:solidFill>
-                  <a:schemeClr val="tx1">
-                    <a:tint val="75000"/>
-                  </a:schemeClr>
-                </a:solidFill>
-              </a:defRPr>
-            </a:lvl1pPr>
-          </a:lstStyle>
-          <a:p>
-            <a:endParaRPr lang="en-IN"/>
-          </a:p>
-        </p:txBody>
-      </p:sp>
-      <p:sp>
-        <p:nvSpPr>
-          <p:cNvPr id="6" name="Slide Number Placeholder 5">
-            <a:extLst>
-              <a:ext uri="{FF2B5EF4-FFF2-40B4-BE49-F238E27FC236}">
-                <a16:creationId xmlns:a16="http://schemas.microsoft.com/office/drawing/2014/main" id="{B87FFD98-F7DB-41CE-9CA2-14BCB9F58AE6}"/>
-              </a:ext>
-            </a:extLst>
-          </p:cNvPr>
-          <p:cNvSpPr>
-            <a:spLocks noGrp="1"/>
-          </p:cNvSpPr>
-          <p:nvPr>
-            <p:ph type="sldNum" sz="quarter" idx="4"/>
-          </p:nvPr>
-        </p:nvSpPr>
-        <p:spPr>
-          <a:xfrm>
-            <a:off x="8610600" y="6356350"/>
-            <a:ext cx="2743200" cy="365125"/>
-          </a:xfrm>
-          <a:prstGeom prst="rect">
-            <a:avLst/>
-          </a:prstGeom>
-        </p:spPr>
-        <p:txBody>
-          <a:bodyPr vert="horz" lIns="91440" tIns="45720" rIns="91440" bIns="45720" rtlCol="0" anchor="ctr"/>
-          <a:lstStyle>
             <a:lvl1pPr algn="r">
-              <a:defRPr sz="1200">
-                <a:solidFill>
-                  <a:schemeClr val="tx1">
-                    <a:tint val="75000"/>
-                  </a:schemeClr>
-                </a:solidFill>
+              <a:defRPr sz="1000" b="0" i="0">
+                <a:solidFill>
+                  <a:schemeClr val="tx1"/>
+                </a:solidFill>
+                <a:effectLst/>
+                <a:latin typeface="+mn-lt"/>
               </a:defRPr>
             </a:lvl1pPr>
           </a:lstStyle>
@@ -3029,202 +5703,328 @@
     </p:spTree>
     <p:extLst>
       <p:ext uri="{BB962C8B-B14F-4D97-AF65-F5344CB8AC3E}">
-        <p14:creationId xmlns:p14="http://schemas.microsoft.com/office/powerpoint/2010/main" val="3800674253"/>
+        <p14:creationId xmlns:p14="http://schemas.microsoft.com/office/powerpoint/2010/main" val="2589625299"/>
       </p:ext>
     </p:extLst>
   </p:cSld>
   <p:clrMap bg1="lt1" tx1="dk1" bg2="lt2" tx2="dk2" accent1="accent1" accent2="accent2" accent3="accent3" accent4="accent4" accent5="accent5" accent6="accent6" hlink="hlink" folHlink="folHlink"/>
   <p:sldLayoutIdLst>
-    <p:sldLayoutId id="2147483649" r:id="rId1"/>
-    <p:sldLayoutId id="2147483650" r:id="rId2"/>
-    <p:sldLayoutId id="2147483651" r:id="rId3"/>
-    <p:sldLayoutId id="2147483652" r:id="rId4"/>
-    <p:sldLayoutId id="2147483653" r:id="rId5"/>
-    <p:sldLayoutId id="2147483654" r:id="rId6"/>
-    <p:sldLayoutId id="2147483655" r:id="rId7"/>
-    <p:sldLayoutId id="2147483656" r:id="rId8"/>
-    <p:sldLayoutId id="2147483657" r:id="rId9"/>
-    <p:sldLayoutId id="2147483658" r:id="rId10"/>
-    <p:sldLayoutId id="2147483659" r:id="rId11"/>
+    <p:sldLayoutId id="2147483829" r:id="rId1"/>
+    <p:sldLayoutId id="2147483830" r:id="rId2"/>
+    <p:sldLayoutId id="2147483831" r:id="rId3"/>
+    <p:sldLayoutId id="2147483832" r:id="rId4"/>
+    <p:sldLayoutId id="2147483833" r:id="rId5"/>
+    <p:sldLayoutId id="2147483834" r:id="rId6"/>
+    <p:sldLayoutId id="2147483835" r:id="rId7"/>
+    <p:sldLayoutId id="2147483836" r:id="rId8"/>
+    <p:sldLayoutId id="2147483837" r:id="rId9"/>
+    <p:sldLayoutId id="2147483838" r:id="rId10"/>
+    <p:sldLayoutId id="2147483839" r:id="rId11"/>
+    <p:sldLayoutId id="2147483840" r:id="rId12"/>
+    <p:sldLayoutId id="2147483841" r:id="rId13"/>
+    <p:sldLayoutId id="2147483842" r:id="rId14"/>
+    <p:sldLayoutId id="2147483843" r:id="rId15"/>
+    <p:sldLayoutId id="2147483844" r:id="rId16"/>
+    <p:sldLayoutId id="2147483845" r:id="rId17"/>
   </p:sldLayoutIdLst>
   <p:txStyles>
     <p:titleStyle>
-      <a:lvl1pPr algn="l" defTabSz="914400" rtl="0" eaLnBrk="1" latinLnBrk="0" hangingPunct="1">
-        <a:lnSpc>
-          <a:spcPct val="90000"/>
-        </a:lnSpc>
+      <a:lvl1pPr algn="ctr" defTabSz="457200" rtl="0" eaLnBrk="1" latinLnBrk="0" hangingPunct="1">
         <a:spcBef>
           <a:spcPct val="0"/>
         </a:spcBef>
         <a:buNone/>
-        <a:defRPr sz="4400" kern="1200">
+        <a:defRPr sz="4000" kern="1200" cap="none">
+          <a:ln w="3175" cmpd="sng">
+            <a:noFill/>
+          </a:ln>
           <a:solidFill>
             <a:schemeClr val="tx1"/>
           </a:solidFill>
+          <a:effectLst/>
           <a:latin typeface="+mj-lt"/>
           <a:ea typeface="+mj-ea"/>
           <a:cs typeface="+mj-cs"/>
         </a:defRPr>
       </a:lvl1pPr>
+      <a:lvl2pPr eaLnBrk="1" hangingPunct="1">
+        <a:defRPr>
+          <a:solidFill>
+            <a:schemeClr val="tx2"/>
+          </a:solidFill>
+        </a:defRPr>
+      </a:lvl2pPr>
+      <a:lvl3pPr eaLnBrk="1" hangingPunct="1">
+        <a:defRPr>
+          <a:solidFill>
+            <a:schemeClr val="tx2"/>
+          </a:solidFill>
+        </a:defRPr>
+      </a:lvl3pPr>
+      <a:lvl4pPr eaLnBrk="1" hangingPunct="1">
+        <a:defRPr>
+          <a:solidFill>
+            <a:schemeClr val="tx2"/>
+          </a:solidFill>
+        </a:defRPr>
+      </a:lvl4pPr>
+      <a:lvl5pPr eaLnBrk="1" hangingPunct="1">
+        <a:defRPr>
+          <a:solidFill>
+            <a:schemeClr val="tx2"/>
+          </a:solidFill>
+        </a:defRPr>
+      </a:lvl5pPr>
+      <a:lvl6pPr eaLnBrk="1" hangingPunct="1">
+        <a:defRPr>
+          <a:solidFill>
+            <a:schemeClr val="tx2"/>
+          </a:solidFill>
+        </a:defRPr>
+      </a:lvl6pPr>
+      <a:lvl7pPr eaLnBrk="1" hangingPunct="1">
+        <a:defRPr>
+          <a:solidFill>
+            <a:schemeClr val="tx2"/>
+          </a:solidFill>
+        </a:defRPr>
+      </a:lvl7pPr>
+      <a:lvl8pPr eaLnBrk="1" hangingPunct="1">
+        <a:defRPr>
+          <a:solidFill>
+            <a:schemeClr val="tx2"/>
+          </a:solidFill>
+        </a:defRPr>
+      </a:lvl8pPr>
+      <a:lvl9pPr eaLnBrk="1" hangingPunct="1">
+        <a:defRPr>
+          <a:solidFill>
+            <a:schemeClr val="tx2"/>
+          </a:solidFill>
+        </a:defRPr>
+      </a:lvl9pPr>
     </p:titleStyle>
     <p:bodyStyle>
-      <a:lvl1pPr marL="228600" indent="-228600" algn="l" defTabSz="914400" rtl="0" eaLnBrk="1" latinLnBrk="0" hangingPunct="1">
-        <a:lnSpc>
-          <a:spcPct val="90000"/>
-        </a:lnSpc>
+      <a:lvl1pPr marL="285750" indent="-285750" algn="l" defTabSz="457200" rtl="0" eaLnBrk="1" latinLnBrk="0" hangingPunct="1">
         <a:spcBef>
-          <a:spcPts val="1000"/>
+          <a:spcPct val="20000"/>
         </a:spcBef>
-        <a:buFont typeface="Arial" panose="020B0604020202020204" pitchFamily="34" charset="0"/>
+        <a:spcAft>
+          <a:spcPts val="600"/>
+        </a:spcAft>
+        <a:buClr>
+          <a:schemeClr val="accent1">
+            <a:lumMod val="75000"/>
+          </a:schemeClr>
+        </a:buClr>
+        <a:buSzPct val="145000"/>
+        <a:buFont typeface="Arial"/>
         <a:buChar char="•"/>
-        <a:defRPr sz="2800" kern="1200">
+        <a:defRPr sz="2400" kern="1200" cap="none">
           <a:solidFill>
             <a:schemeClr val="tx1"/>
           </a:solidFill>
+          <a:effectLst/>
           <a:latin typeface="+mn-lt"/>
           <a:ea typeface="+mn-ea"/>
           <a:cs typeface="+mn-cs"/>
         </a:defRPr>
       </a:lvl1pPr>
-      <a:lvl2pPr marL="685800" indent="-228600" algn="l" defTabSz="914400" rtl="0" eaLnBrk="1" latinLnBrk="0" hangingPunct="1">
-        <a:lnSpc>
-          <a:spcPct val="90000"/>
-        </a:lnSpc>
+      <a:lvl2pPr marL="742950" indent="-285750" algn="l" defTabSz="457200" rtl="0" eaLnBrk="1" latinLnBrk="0" hangingPunct="1">
         <a:spcBef>
-          <a:spcPts val="500"/>
+          <a:spcPct val="20000"/>
         </a:spcBef>
-        <a:buFont typeface="Arial" panose="020B0604020202020204" pitchFamily="34" charset="0"/>
+        <a:spcAft>
+          <a:spcPts val="600"/>
+        </a:spcAft>
+        <a:buClr>
+          <a:schemeClr val="accent1">
+            <a:lumMod val="75000"/>
+          </a:schemeClr>
+        </a:buClr>
+        <a:buSzPct val="145000"/>
+        <a:buFont typeface="Arial"/>
         <a:buChar char="•"/>
-        <a:defRPr sz="2400" kern="1200">
+        <a:defRPr sz="2000" kern="1200" cap="none">
           <a:solidFill>
             <a:schemeClr val="tx1"/>
           </a:solidFill>
+          <a:effectLst/>
           <a:latin typeface="+mn-lt"/>
           <a:ea typeface="+mn-ea"/>
           <a:cs typeface="+mn-cs"/>
         </a:defRPr>
       </a:lvl2pPr>
-      <a:lvl3pPr marL="1143000" indent="-228600" algn="l" defTabSz="914400" rtl="0" eaLnBrk="1" latinLnBrk="0" hangingPunct="1">
-        <a:lnSpc>
-          <a:spcPct val="90000"/>
-        </a:lnSpc>
+      <a:lvl3pPr marL="1200150" indent="-285750" algn="l" defTabSz="457200" rtl="0" eaLnBrk="1" latinLnBrk="0" hangingPunct="1">
         <a:spcBef>
-          <a:spcPts val="500"/>
+          <a:spcPct val="20000"/>
         </a:spcBef>
-        <a:buFont typeface="Arial" panose="020B0604020202020204" pitchFamily="34" charset="0"/>
+        <a:spcAft>
+          <a:spcPts val="600"/>
+        </a:spcAft>
+        <a:buClr>
+          <a:schemeClr val="accent1">
+            <a:lumMod val="75000"/>
+          </a:schemeClr>
+        </a:buClr>
+        <a:buSzPct val="145000"/>
+        <a:buFont typeface="Arial"/>
         <a:buChar char="•"/>
-        <a:defRPr sz="2000" kern="1200">
+        <a:defRPr sz="1800" kern="1200" cap="none">
           <a:solidFill>
             <a:schemeClr val="tx1"/>
           </a:solidFill>
+          <a:effectLst/>
           <a:latin typeface="+mn-lt"/>
           <a:ea typeface="+mn-ea"/>
           <a:cs typeface="+mn-cs"/>
         </a:defRPr>
       </a:lvl3pPr>
-      <a:lvl4pPr marL="1600200" indent="-228600" algn="l" defTabSz="914400" rtl="0" eaLnBrk="1" latinLnBrk="0" hangingPunct="1">
-        <a:lnSpc>
-          <a:spcPct val="90000"/>
-        </a:lnSpc>
+      <a:lvl4pPr marL="1543050" indent="-171450" algn="l" defTabSz="457200" rtl="0" eaLnBrk="1" latinLnBrk="0" hangingPunct="1">
         <a:spcBef>
-          <a:spcPts val="500"/>
+          <a:spcPct val="20000"/>
         </a:spcBef>
-        <a:buFont typeface="Arial" panose="020B0604020202020204" pitchFamily="34" charset="0"/>
+        <a:spcAft>
+          <a:spcPts val="600"/>
+        </a:spcAft>
+        <a:buClr>
+          <a:schemeClr val="accent1">
+            <a:lumMod val="75000"/>
+          </a:schemeClr>
+        </a:buClr>
+        <a:buSzPct val="145000"/>
+        <a:buFont typeface="Arial"/>
         <a:buChar char="•"/>
-        <a:defRPr sz="1800" kern="1200">
+        <a:defRPr sz="1600" kern="1200" cap="none">
           <a:solidFill>
             <a:schemeClr val="tx1"/>
           </a:solidFill>
+          <a:effectLst/>
           <a:latin typeface="+mn-lt"/>
           <a:ea typeface="+mn-ea"/>
           <a:cs typeface="+mn-cs"/>
         </a:defRPr>
       </a:lvl4pPr>
-      <a:lvl5pPr marL="2057400" indent="-228600" algn="l" defTabSz="914400" rtl="0" eaLnBrk="1" latinLnBrk="0" hangingPunct="1">
-        <a:lnSpc>
-          <a:spcPct val="90000"/>
-        </a:lnSpc>
+      <a:lvl5pPr marL="2000250" indent="-171450" algn="l" defTabSz="457200" rtl="0" eaLnBrk="1" latinLnBrk="0" hangingPunct="1">
         <a:spcBef>
-          <a:spcPts val="500"/>
+          <a:spcPct val="20000"/>
         </a:spcBef>
-        <a:buFont typeface="Arial" panose="020B0604020202020204" pitchFamily="34" charset="0"/>
+        <a:spcAft>
+          <a:spcPts val="600"/>
+        </a:spcAft>
+        <a:buClr>
+          <a:schemeClr val="accent1">
+            <a:lumMod val="75000"/>
+          </a:schemeClr>
+        </a:buClr>
+        <a:buSzPct val="145000"/>
+        <a:buFont typeface="Arial"/>
         <a:buChar char="•"/>
-        <a:defRPr sz="1800" kern="1200">
+        <a:defRPr sz="1400" kern="1200" cap="none">
           <a:solidFill>
             <a:schemeClr val="tx1"/>
           </a:solidFill>
+          <a:effectLst/>
           <a:latin typeface="+mn-lt"/>
           <a:ea typeface="+mn-ea"/>
           <a:cs typeface="+mn-cs"/>
         </a:defRPr>
       </a:lvl5pPr>
-      <a:lvl6pPr marL="2514600" indent="-228600" algn="l" defTabSz="914400" rtl="0" eaLnBrk="1" latinLnBrk="0" hangingPunct="1">
-        <a:lnSpc>
-          <a:spcPct val="90000"/>
-        </a:lnSpc>
+      <a:lvl6pPr marL="2514600" indent="-228600" algn="l" defTabSz="457200" rtl="0" eaLnBrk="1" latinLnBrk="0" hangingPunct="1">
         <a:spcBef>
-          <a:spcPts val="500"/>
+          <a:spcPct val="20000"/>
         </a:spcBef>
-        <a:buFont typeface="Arial" panose="020B0604020202020204" pitchFamily="34" charset="0"/>
+        <a:spcAft>
+          <a:spcPts val="600"/>
+        </a:spcAft>
+        <a:buClr>
+          <a:schemeClr val="accent1">
+            <a:lumMod val="75000"/>
+          </a:schemeClr>
+        </a:buClr>
+        <a:buSzPct val="145000"/>
+        <a:buFont typeface="Arial"/>
         <a:buChar char="•"/>
-        <a:defRPr sz="1800" kern="1200">
+        <a:defRPr sz="1400" kern="1200" cap="none">
           <a:solidFill>
             <a:schemeClr val="tx1"/>
           </a:solidFill>
+          <a:effectLst/>
           <a:latin typeface="+mn-lt"/>
           <a:ea typeface="+mn-ea"/>
           <a:cs typeface="+mn-cs"/>
         </a:defRPr>
       </a:lvl6pPr>
-      <a:lvl7pPr marL="2971800" indent="-228600" algn="l" defTabSz="914400" rtl="0" eaLnBrk="1" latinLnBrk="0" hangingPunct="1">
-        <a:lnSpc>
-          <a:spcPct val="90000"/>
-        </a:lnSpc>
+      <a:lvl7pPr marL="2971800" indent="-228600" algn="l" defTabSz="457200" rtl="0" eaLnBrk="1" latinLnBrk="0" hangingPunct="1">
         <a:spcBef>
-          <a:spcPts val="500"/>
+          <a:spcPct val="20000"/>
         </a:spcBef>
-        <a:buFont typeface="Arial" panose="020B0604020202020204" pitchFamily="34" charset="0"/>
+        <a:spcAft>
+          <a:spcPts val="600"/>
+        </a:spcAft>
+        <a:buClr>
+          <a:schemeClr val="accent1">
+            <a:lumMod val="75000"/>
+          </a:schemeClr>
+        </a:buClr>
+        <a:buSzPct val="145000"/>
+        <a:buFont typeface="Arial"/>
         <a:buChar char="•"/>
-        <a:defRPr sz="1800" kern="1200">
+        <a:defRPr sz="1400" kern="1200" cap="none">
           <a:solidFill>
             <a:schemeClr val="tx1"/>
           </a:solidFill>
+          <a:effectLst/>
           <a:latin typeface="+mn-lt"/>
           <a:ea typeface="+mn-ea"/>
           <a:cs typeface="+mn-cs"/>
         </a:defRPr>
       </a:lvl7pPr>
-      <a:lvl8pPr marL="3429000" indent="-228600" algn="l" defTabSz="914400" rtl="0" eaLnBrk="1" latinLnBrk="0" hangingPunct="1">
-        <a:lnSpc>
-          <a:spcPct val="90000"/>
-        </a:lnSpc>
+      <a:lvl8pPr marL="3429000" indent="-228600" algn="l" defTabSz="457200" rtl="0" eaLnBrk="1" latinLnBrk="0" hangingPunct="1">
         <a:spcBef>
-          <a:spcPts val="500"/>
+          <a:spcPct val="20000"/>
         </a:spcBef>
-        <a:buFont typeface="Arial" panose="020B0604020202020204" pitchFamily="34" charset="0"/>
+        <a:spcAft>
+          <a:spcPts val="600"/>
+        </a:spcAft>
+        <a:buClr>
+          <a:schemeClr val="accent1">
+            <a:lumMod val="75000"/>
+          </a:schemeClr>
+        </a:buClr>
+        <a:buSzPct val="145000"/>
+        <a:buFont typeface="Arial"/>
         <a:buChar char="•"/>
-        <a:defRPr sz="1800" kern="1200">
+        <a:defRPr sz="1400" kern="1200" cap="none">
           <a:solidFill>
             <a:schemeClr val="tx1"/>
           </a:solidFill>
+          <a:effectLst/>
           <a:latin typeface="+mn-lt"/>
           <a:ea typeface="+mn-ea"/>
           <a:cs typeface="+mn-cs"/>
         </a:defRPr>
       </a:lvl8pPr>
-      <a:lvl9pPr marL="3886200" indent="-228600" algn="l" defTabSz="914400" rtl="0" eaLnBrk="1" latinLnBrk="0" hangingPunct="1">
-        <a:lnSpc>
-          <a:spcPct val="90000"/>
-        </a:lnSpc>
+      <a:lvl9pPr marL="3886200" indent="-228600" algn="l" defTabSz="457200" rtl="0" eaLnBrk="1" latinLnBrk="0" hangingPunct="1">
         <a:spcBef>
-          <a:spcPts val="500"/>
+          <a:spcPct val="20000"/>
         </a:spcBef>
-        <a:buFont typeface="Arial" panose="020B0604020202020204" pitchFamily="34" charset="0"/>
+        <a:spcAft>
+          <a:spcPts val="600"/>
+        </a:spcAft>
+        <a:buClr>
+          <a:schemeClr val="accent1">
+            <a:lumMod val="75000"/>
+          </a:schemeClr>
+        </a:buClr>
+        <a:buSzPct val="145000"/>
+        <a:buFont typeface="Arial"/>
         <a:buChar char="•"/>
-        <a:defRPr sz="1800" kern="1200">
+        <a:defRPr sz="1400" kern="1200" cap="none">
           <a:solidFill>
             <a:schemeClr val="tx1"/>
           </a:solidFill>
+          <a:effectLst/>
           <a:latin typeface="+mn-lt"/>
           <a:ea typeface="+mn-ea"/>
           <a:cs typeface="+mn-cs"/>
@@ -3235,7 +6035,7 @@
       <a:defPPr>
         <a:defRPr lang="en-US"/>
       </a:defPPr>
-      <a:lvl1pPr marL="0" algn="l" defTabSz="914400" rtl="0" eaLnBrk="1" latinLnBrk="0" hangingPunct="1">
+      <a:lvl1pPr marL="0" algn="l" defTabSz="457200" rtl="0" eaLnBrk="1" latinLnBrk="0" hangingPunct="1">
         <a:defRPr sz="1800" kern="1200">
           <a:solidFill>
             <a:schemeClr val="tx1"/>
@@ -3245,7 +6045,7 @@
           <a:cs typeface="+mn-cs"/>
         </a:defRPr>
       </a:lvl1pPr>
-      <a:lvl2pPr marL="457200" algn="l" defTabSz="914400" rtl="0" eaLnBrk="1" latinLnBrk="0" hangingPunct="1">
+      <a:lvl2pPr marL="457200" algn="l" defTabSz="457200" rtl="0" eaLnBrk="1" latinLnBrk="0" hangingPunct="1">
         <a:defRPr sz="1800" kern="1200">
           <a:solidFill>
             <a:schemeClr val="tx1"/>
@@ -3255,7 +6055,7 @@
           <a:cs typeface="+mn-cs"/>
         </a:defRPr>
       </a:lvl2pPr>
-      <a:lvl3pPr marL="914400" algn="l" defTabSz="914400" rtl="0" eaLnBrk="1" latinLnBrk="0" hangingPunct="1">
+      <a:lvl3pPr marL="914400" algn="l" defTabSz="457200" rtl="0" eaLnBrk="1" latinLnBrk="0" hangingPunct="1">
         <a:defRPr sz="1800" kern="1200">
           <a:solidFill>
             <a:schemeClr val="tx1"/>
@@ -3265,7 +6065,7 @@
           <a:cs typeface="+mn-cs"/>
         </a:defRPr>
       </a:lvl3pPr>
-      <a:lvl4pPr marL="1371600" algn="l" defTabSz="914400" rtl="0" eaLnBrk="1" latinLnBrk="0" hangingPunct="1">
+      <a:lvl4pPr marL="1371600" algn="l" defTabSz="457200" rtl="0" eaLnBrk="1" latinLnBrk="0" hangingPunct="1">
         <a:defRPr sz="1800" kern="1200">
           <a:solidFill>
             <a:schemeClr val="tx1"/>
@@ -3275,7 +6075,7 @@
           <a:cs typeface="+mn-cs"/>
         </a:defRPr>
       </a:lvl4pPr>
-      <a:lvl5pPr marL="1828800" algn="l" defTabSz="914400" rtl="0" eaLnBrk="1" latinLnBrk="0" hangingPunct="1">
+      <a:lvl5pPr marL="1828800" algn="l" defTabSz="457200" rtl="0" eaLnBrk="1" latinLnBrk="0" hangingPunct="1">
         <a:defRPr sz="1800" kern="1200">
           <a:solidFill>
             <a:schemeClr val="tx1"/>
@@ -3285,7 +6085,7 @@
           <a:cs typeface="+mn-cs"/>
         </a:defRPr>
       </a:lvl5pPr>
-      <a:lvl6pPr marL="2286000" algn="l" defTabSz="914400" rtl="0" eaLnBrk="1" latinLnBrk="0" hangingPunct="1">
+      <a:lvl6pPr marL="2286000" algn="l" defTabSz="457200" rtl="0" eaLnBrk="1" latinLnBrk="0" hangingPunct="1">
         <a:defRPr sz="1800" kern="1200">
           <a:solidFill>
             <a:schemeClr val="tx1"/>
@@ -3295,7 +6095,7 @@
           <a:cs typeface="+mn-cs"/>
         </a:defRPr>
       </a:lvl6pPr>
-      <a:lvl7pPr marL="2743200" algn="l" defTabSz="914400" rtl="0" eaLnBrk="1" latinLnBrk="0" hangingPunct="1">
+      <a:lvl7pPr marL="2743200" algn="l" defTabSz="457200" rtl="0" eaLnBrk="1" latinLnBrk="0" hangingPunct="1">
         <a:defRPr sz="1800" kern="1200">
           <a:solidFill>
             <a:schemeClr val="tx1"/>
@@ -3305,7 +6105,7 @@
           <a:cs typeface="+mn-cs"/>
         </a:defRPr>
       </a:lvl7pPr>
-      <a:lvl8pPr marL="3200400" algn="l" defTabSz="914400" rtl="0" eaLnBrk="1" latinLnBrk="0" hangingPunct="1">
+      <a:lvl8pPr marL="3200400" algn="l" defTabSz="457200" rtl="0" eaLnBrk="1" latinLnBrk="0" hangingPunct="1">
         <a:defRPr sz="1800" kern="1200">
           <a:solidFill>
             <a:schemeClr val="tx1"/>
@@ -3315,7 +6115,7 @@
           <a:cs typeface="+mn-cs"/>
         </a:defRPr>
       </a:lvl8pPr>
-      <a:lvl9pPr marL="3657600" algn="l" defTabSz="914400" rtl="0" eaLnBrk="1" latinLnBrk="0" hangingPunct="1">
+      <a:lvl9pPr marL="3657600" algn="l" defTabSz="457200" rtl="0" eaLnBrk="1" latinLnBrk="0" hangingPunct="1">
         <a:defRPr sz="1800" kern="1200">
           <a:solidFill>
             <a:schemeClr val="tx1"/>
@@ -3349,6 +6149,142 @@
       </p:grpSpPr>
       <p:sp>
         <p:nvSpPr>
+          <p:cNvPr id="2" name="Title 1"/>
+          <p:cNvSpPr>
+            <a:spLocks noGrp="1"/>
+          </p:cNvSpPr>
+          <p:nvPr>
+            <p:ph type="ctrTitle"/>
+          </p:nvPr>
+        </p:nvSpPr>
+        <p:spPr>
+          <a:xfrm>
+            <a:off x="6074229" y="1123406"/>
+            <a:ext cx="5428794" cy="1658983"/>
+          </a:xfrm>
+        </p:spPr>
+        <p:txBody>
+          <a:bodyPr>
+            <a:normAutofit/>
+          </a:bodyPr>
+          <a:lstStyle/>
+          <a:p>
+            <a:r>
+              <a:rPr lang="en-US" sz="8800" dirty="0" smtClean="0">
+                <a:latin typeface="Bahnschrift SemiLight Condensed" panose="020B0502040204020203" pitchFamily="34" charset="0"/>
+              </a:rPr>
+              <a:t>STUDENTIFY</a:t>
+            </a:r>
+            <a:endParaRPr lang="en-IN" sz="8800" dirty="0">
+              <a:latin typeface="Bahnschrift SemiLight Condensed" panose="020B0502040204020203" pitchFamily="34" charset="0"/>
+            </a:endParaRPr>
+          </a:p>
+        </p:txBody>
+      </p:sp>
+      <p:sp>
+        <p:nvSpPr>
+          <p:cNvPr id="4" name="Rectangle 3"/>
+          <p:cNvSpPr/>
+          <p:nvPr/>
+        </p:nvSpPr>
+        <p:spPr>
+          <a:xfrm>
+            <a:off x="6074229" y="4402183"/>
+            <a:ext cx="6065858" cy="1631216"/>
+          </a:xfrm>
+          <a:prstGeom prst="rect">
+            <a:avLst/>
+          </a:prstGeom>
+        </p:spPr>
+        <p:txBody>
+          <a:bodyPr wrap="square">
+            <a:spAutoFit/>
+          </a:bodyPr>
+          <a:lstStyle/>
+          <a:p>
+            <a:r>
+              <a:rPr lang="en-US" sz="2800" dirty="0" smtClean="0">
+                <a:latin typeface="Californian FB" panose="0207040306080B030204" pitchFamily="18" charset="0"/>
+              </a:rPr>
+              <a:t>Presented By </a:t>
+            </a:r>
+            <a:r>
+              <a:rPr lang="en-US" dirty="0" smtClean="0"/>
+              <a:t>- </a:t>
+            </a:r>
+          </a:p>
+          <a:p>
+            <a:r>
+              <a:rPr lang="en-US" dirty="0" smtClean="0"/>
+              <a:t>                                                </a:t>
+            </a:r>
+            <a:r>
+              <a:rPr lang="en-US" sz="2400" dirty="0" smtClean="0">
+                <a:latin typeface="Calisto MT" panose="02040603050505030304" pitchFamily="18" charset="0"/>
+              </a:rPr>
+              <a:t>Asif Hossain</a:t>
+            </a:r>
+          </a:p>
+          <a:p>
+            <a:r>
+              <a:rPr lang="en-US" sz="2400" dirty="0" smtClean="0">
+                <a:latin typeface="Calisto MT" panose="02040603050505030304" pitchFamily="18" charset="0"/>
+              </a:rPr>
+              <a:t>			           Anowar Hossain Sardar</a:t>
+            </a:r>
+          </a:p>
+          <a:p>
+            <a:r>
+              <a:rPr lang="en-US" sz="2400" dirty="0" smtClean="0">
+                <a:latin typeface="Calisto MT" panose="02040603050505030304" pitchFamily="18" charset="0"/>
+              </a:rPr>
+              <a:t>			           Subhadip Pradhan</a:t>
+            </a:r>
+            <a:endParaRPr lang="en-IN" sz="2400" dirty="0">
+              <a:latin typeface="Calisto MT" panose="02040603050505030304" pitchFamily="18" charset="0"/>
+            </a:endParaRPr>
+          </a:p>
+        </p:txBody>
+      </p:sp>
+    </p:spTree>
+    <p:extLst>
+      <p:ext uri="{BB962C8B-B14F-4D97-AF65-F5344CB8AC3E}">
+        <p14:creationId xmlns:p14="http://schemas.microsoft.com/office/powerpoint/2010/main" val="1704369962"/>
+      </p:ext>
+    </p:extLst>
+  </p:cSld>
+  <p:clrMapOvr>
+    <a:masterClrMapping/>
+  </p:clrMapOvr>
+  <p:timing>
+    <p:tnLst>
+      <p:par>
+        <p:cTn id="1" dur="indefinite" restart="never" nodeType="tmRoot"/>
+      </p:par>
+    </p:tnLst>
+  </p:timing>
+</p:sld>
+</file>
+
+<file path=ppt/slides/slide10.xml><?xml version="1.0" encoding="utf-8"?>
+<p:sld xmlns:a="http://schemas.openxmlformats.org/drawingml/2006/main" xmlns:r="http://schemas.openxmlformats.org/officeDocument/2006/relationships" xmlns:p="http://schemas.openxmlformats.org/presentationml/2006/main">
+  <p:cSld>
+    <p:spTree>
+      <p:nvGrpSpPr>
+        <p:cNvPr id="1" name=""/>
+        <p:cNvGrpSpPr/>
+        <p:nvPr/>
+      </p:nvGrpSpPr>
+      <p:grpSpPr>
+        <a:xfrm>
+          <a:off x="0" y="0"/>
+          <a:ext cx="0" cy="0"/>
+          <a:chOff x="0" y="0"/>
+          <a:chExt cx="0" cy="0"/>
+        </a:xfrm>
+      </p:grpSpPr>
+      <p:sp>
+        <p:nvSpPr>
           <p:cNvPr id="4" name="Title 3">
             <a:extLst>
               <a:ext uri="{FF2B5EF4-FFF2-40B4-BE49-F238E27FC236}">
@@ -3365,8 +6301,8 @@
         </p:nvSpPr>
         <p:spPr>
           <a:xfrm>
-            <a:off x="838200" y="365126"/>
-            <a:ext cx="10515600" cy="673562"/>
+            <a:off x="1776548" y="365125"/>
+            <a:ext cx="3905795" cy="504887"/>
           </a:xfrm>
         </p:spPr>
         <p:txBody>
@@ -3375,16 +6311,24 @@
           </a:bodyPr>
           <a:lstStyle/>
           <a:p>
-            <a:endParaRPr lang="en-IN" dirty="0"/>
+            <a:r>
+              <a:rPr lang="en-US" dirty="0" smtClean="0">
+                <a:latin typeface="Arial Rounded MT Bold" panose="020F0704030504030204" pitchFamily="34" charset="0"/>
+              </a:rPr>
+              <a:t>Complete Profile</a:t>
+            </a:r>
+            <a:endParaRPr lang="en-IN" dirty="0">
+              <a:latin typeface="Arial Rounded MT Bold" panose="020F0704030504030204" pitchFamily="34" charset="0"/>
+            </a:endParaRPr>
           </a:p>
         </p:txBody>
       </p:sp>
       <p:pic>
         <p:nvPicPr>
-          <p:cNvPr id="8" name="Content Placeholder 7">
+          <p:cNvPr id="3" name="Content Placeholder 2">
             <a:extLst>
               <a:ext uri="{FF2B5EF4-FFF2-40B4-BE49-F238E27FC236}">
-                <a16:creationId xmlns:a16="http://schemas.microsoft.com/office/drawing/2014/main" id="{96645FD5-1743-40E9-9070-FE293973DE0D}"/>
+                <a16:creationId xmlns:a16="http://schemas.microsoft.com/office/drawing/2014/main" id="{05627DFF-5278-4EB3-BE5B-70750F3E3724}"/>
               </a:ext>
             </a:extLst>
           </p:cNvPr>
@@ -3398,6 +6342,15 @@
         <p:blipFill>
           <a:blip r:embed="rId2">
             <a:extLst>
+              <a:ext uri="{BEBA8EAE-BF5A-486C-A8C5-ECC9F3942E4B}">
+                <a14:imgProps xmlns:a14="http://schemas.microsoft.com/office/drawing/2010/main">
+                  <a14:imgLayer r:embed="rId3">
+                    <a14:imgEffect>
+                      <a14:colorTemperature colorTemp="5300"/>
+                    </a14:imgEffect>
+                  </a14:imgLayer>
+                </a14:imgProps>
+              </a:ext>
               <a:ext uri="{28A0092B-C50C-407E-A947-70E740481C1C}">
                 <a14:useLocalDpi xmlns:a14="http://schemas.microsoft.com/office/drawing/2010/main" val="0"/>
               </a:ext>
@@ -3409,21 +6362,104 @@
         </p:blipFill>
         <p:spPr>
           <a:xfrm>
-            <a:off x="1757779" y="1390617"/>
-            <a:ext cx="9188387" cy="4566299"/>
+            <a:off x="2338884" y="896138"/>
+            <a:ext cx="9392575" cy="5418137"/>
           </a:xfrm>
+          <a:prstGeom prst="rect">
+            <a:avLst/>
+          </a:prstGeom>
+          <a:ln>
+            <a:noFill/>
+          </a:ln>
+          <a:effectLst>
+            <a:softEdge rad="112500"/>
+          </a:effectLst>
         </p:spPr>
       </p:pic>
     </p:spTree>
     <p:extLst>
       <p:ext uri="{BB962C8B-B14F-4D97-AF65-F5344CB8AC3E}">
-        <p14:creationId xmlns:p14="http://schemas.microsoft.com/office/powerpoint/2010/main" val="500554537"/>
+        <p14:creationId xmlns:p14="http://schemas.microsoft.com/office/powerpoint/2010/main" val="472768259"/>
       </p:ext>
     </p:extLst>
   </p:cSld>
   <p:clrMapOvr>
     <a:masterClrMapping/>
   </p:clrMapOvr>
+  <p:timing>
+    <p:tnLst>
+      <p:par>
+        <p:cTn id="1" dur="indefinite" restart="never" nodeType="tmRoot"/>
+      </p:par>
+    </p:tnLst>
+  </p:timing>
+</p:sld>
+</file>
+
+<file path=ppt/slides/slide11.xml><?xml version="1.0" encoding="utf-8"?>
+<p:sld xmlns:a="http://schemas.openxmlformats.org/drawingml/2006/main" xmlns:r="http://schemas.openxmlformats.org/officeDocument/2006/relationships" xmlns:p="http://schemas.openxmlformats.org/presentationml/2006/main">
+  <p:cSld>
+    <p:spTree>
+      <p:nvGrpSpPr>
+        <p:cNvPr id="1" name=""/>
+        <p:cNvGrpSpPr/>
+        <p:nvPr/>
+      </p:nvGrpSpPr>
+      <p:grpSpPr>
+        <a:xfrm>
+          <a:off x="0" y="0"/>
+          <a:ext cx="0" cy="0"/>
+          <a:chOff x="0" y="0"/>
+          <a:chExt cx="0" cy="0"/>
+        </a:xfrm>
+      </p:grpSpPr>
+      <p:sp>
+        <p:nvSpPr>
+          <p:cNvPr id="3" name="Text Placeholder 2"/>
+          <p:cNvSpPr>
+            <a:spLocks noGrp="1"/>
+          </p:cNvSpPr>
+          <p:nvPr>
+            <p:ph type="body" idx="1"/>
+          </p:nvPr>
+        </p:nvSpPr>
+        <p:spPr>
+          <a:xfrm>
+            <a:off x="2808516" y="2752638"/>
+            <a:ext cx="5238205" cy="860400"/>
+          </a:xfrm>
+        </p:spPr>
+        <p:txBody>
+          <a:bodyPr>
+            <a:noAutofit/>
+          </a:bodyPr>
+          <a:lstStyle/>
+          <a:p>
+            <a:r>
+              <a:rPr lang="en-US" sz="6000" dirty="0" smtClean="0"/>
+              <a:t>Thank You</a:t>
+            </a:r>
+            <a:endParaRPr lang="en-IN" sz="6000" dirty="0"/>
+          </a:p>
+        </p:txBody>
+      </p:sp>
+    </p:spTree>
+    <p:extLst>
+      <p:ext uri="{BB962C8B-B14F-4D97-AF65-F5344CB8AC3E}">
+        <p14:creationId xmlns:p14="http://schemas.microsoft.com/office/powerpoint/2010/main" val="82424176"/>
+      </p:ext>
+    </p:extLst>
+  </p:cSld>
+  <p:clrMapOvr>
+    <a:masterClrMapping/>
+  </p:clrMapOvr>
+  <p:timing>
+    <p:tnLst>
+      <p:par>
+        <p:cTn id="1" dur="indefinite" restart="never" nodeType="tmRoot"/>
+      </p:par>
+    </p:tnLst>
+  </p:timing>
 </p:sld>
 </file>
 
@@ -3446,13 +6482,7 @@
       </p:grpSpPr>
       <p:sp>
         <p:nvSpPr>
-          <p:cNvPr id="2" name="Title 1">
-            <a:extLst>
-              <a:ext uri="{FF2B5EF4-FFF2-40B4-BE49-F238E27FC236}">
-                <a16:creationId xmlns:a16="http://schemas.microsoft.com/office/drawing/2014/main" id="{3321A781-346C-4FAD-B3E2-31ACABDA77EA}"/>
-              </a:ext>
-            </a:extLst>
-          </p:cNvPr>
+          <p:cNvPr id="2" name="Title 1"/>
           <p:cNvSpPr>
             <a:spLocks noGrp="1"/>
           </p:cNvSpPr>
@@ -3462,65 +6492,159 @@
         </p:nvSpPr>
         <p:spPr>
           <a:xfrm>
-            <a:off x="838200" y="365125"/>
-            <a:ext cx="10515600" cy="558153"/>
+            <a:off x="1484311" y="685800"/>
+            <a:ext cx="2147163" cy="1752599"/>
           </a:xfrm>
         </p:spPr>
         <p:txBody>
+          <a:bodyPr/>
+          <a:lstStyle/>
+          <a:p>
+            <a:r>
+              <a:rPr lang="en-US" dirty="0" smtClean="0">
+                <a:latin typeface="Arial Rounded MT Bold" panose="020F0704030504030204" pitchFamily="34" charset="0"/>
+              </a:rPr>
+              <a:t>About -</a:t>
+            </a:r>
+            <a:endParaRPr lang="en-IN" dirty="0">
+              <a:latin typeface="Arial Rounded MT Bold" panose="020F0704030504030204" pitchFamily="34" charset="0"/>
+            </a:endParaRPr>
+          </a:p>
+        </p:txBody>
+      </p:sp>
+      <p:sp>
+        <p:nvSpPr>
+          <p:cNvPr id="4" name="Content Placeholder 3"/>
+          <p:cNvSpPr>
+            <a:spLocks noGrp="1"/>
+          </p:cNvSpPr>
+          <p:nvPr>
+            <p:ph sz="half" idx="1"/>
+          </p:nvPr>
+        </p:nvSpPr>
+        <p:spPr>
+          <a:xfrm>
+            <a:off x="1299255" y="1993174"/>
+            <a:ext cx="10248311" cy="2591889"/>
+          </a:xfrm>
+        </p:spPr>
+        <p:txBody>
           <a:bodyPr>
-            <a:normAutofit fontScale="90000"/>
+            <a:normAutofit/>
           </a:bodyPr>
           <a:lstStyle/>
           <a:p>
-            <a:endParaRPr lang="en-IN" dirty="0"/>
-          </a:p>
-        </p:txBody>
-      </p:sp>
-      <p:pic>
-        <p:nvPicPr>
-          <p:cNvPr id="5" name="Content Placeholder 4">
-            <a:extLst>
-              <a:ext uri="{FF2B5EF4-FFF2-40B4-BE49-F238E27FC236}">
-                <a16:creationId xmlns:a16="http://schemas.microsoft.com/office/drawing/2014/main" id="{C78A2EEF-DB70-4A1C-8376-D0BD05CBB678}"/>
-              </a:ext>
-            </a:extLst>
-          </p:cNvPr>
-          <p:cNvPicPr>
-            <a:picLocks noGrp="1" noChangeAspect="1"/>
-          </p:cNvPicPr>
-          <p:nvPr>
-            <p:ph idx="1"/>
-          </p:nvPr>
-        </p:nvPicPr>
-        <p:blipFill>
-          <a:blip r:embed="rId2">
-            <a:extLst>
-              <a:ext uri="{28A0092B-C50C-407E-A947-70E740481C1C}">
-                <a14:useLocalDpi xmlns:a14="http://schemas.microsoft.com/office/drawing/2010/main" val="0"/>
-              </a:ext>
-            </a:extLst>
-          </a:blip>
-          <a:stretch>
-            <a:fillRect/>
-          </a:stretch>
-        </p:blipFill>
-        <p:spPr>
-          <a:xfrm>
-            <a:off x="1526960" y="1180729"/>
-            <a:ext cx="10665040" cy="5312145"/>
-          </a:xfrm>
-        </p:spPr>
-      </p:pic>
+            <a:r>
+              <a:rPr lang="en-US" sz="2200" dirty="0" smtClean="0">
+                <a:latin typeface="Bahnschrift SemiLight SemiConde" panose="020B0502040204020203" pitchFamily="34" charset="0"/>
+              </a:rPr>
+              <a:t>This </a:t>
+            </a:r>
+            <a:r>
+              <a:rPr lang="en-US" sz="2200" dirty="0">
+                <a:latin typeface="Bahnschrift SemiLight SemiConde" panose="020B0502040204020203" pitchFamily="34" charset="0"/>
+              </a:rPr>
+              <a:t>is a Web application of student </a:t>
+            </a:r>
+            <a:r>
+              <a:rPr lang="en-US" sz="2200" dirty="0" smtClean="0">
+                <a:latin typeface="Bahnschrift SemiLight SemiConde" panose="020B0502040204020203" pitchFamily="34" charset="0"/>
+              </a:rPr>
+              <a:t>database </a:t>
+            </a:r>
+            <a:r>
+              <a:rPr lang="en-US" sz="2200" dirty="0">
+                <a:latin typeface="Bahnschrift SemiLight SemiConde" panose="020B0502040204020203" pitchFamily="34" charset="0"/>
+              </a:rPr>
+              <a:t>management system of a </a:t>
+            </a:r>
+            <a:r>
+              <a:rPr lang="en-US" sz="2200" dirty="0" smtClean="0">
+                <a:latin typeface="Bahnschrift SemiLight SemiConde" panose="020B0502040204020203" pitchFamily="34" charset="0"/>
+              </a:rPr>
+              <a:t>particular      </a:t>
+            </a:r>
+          </a:p>
+          <a:p>
+            <a:pPr marL="0" indent="0">
+              <a:buNone/>
+            </a:pPr>
+            <a:r>
+              <a:rPr lang="en-US" sz="2200" dirty="0" smtClean="0">
+                <a:latin typeface="Bahnschrift SemiLight SemiConde" panose="020B0502040204020203" pitchFamily="34" charset="0"/>
+              </a:rPr>
+              <a:t>     Institute</a:t>
+            </a:r>
+            <a:r>
+              <a:rPr lang="en-US" sz="2200" dirty="0">
+                <a:latin typeface="Bahnschrift SemiLight SemiConde" panose="020B0502040204020203" pitchFamily="34" charset="0"/>
+              </a:rPr>
+              <a:t>. Which will help </a:t>
+            </a:r>
+            <a:r>
+              <a:rPr lang="en-US" sz="2200" dirty="0" smtClean="0">
+                <a:latin typeface="Bahnschrift SemiLight SemiConde" panose="020B0502040204020203" pitchFamily="34" charset="0"/>
+              </a:rPr>
+              <a:t>college </a:t>
+            </a:r>
+            <a:r>
+              <a:rPr lang="en-US" sz="2200" dirty="0">
+                <a:latin typeface="Bahnschrift SemiLight SemiConde" panose="020B0502040204020203" pitchFamily="34" charset="0"/>
+              </a:rPr>
+              <a:t>authority to store and </a:t>
+            </a:r>
+            <a:r>
+              <a:rPr lang="en-US" sz="2200" dirty="0" smtClean="0">
+                <a:latin typeface="Bahnschrift SemiLight SemiConde" panose="020B0502040204020203" pitchFamily="34" charset="0"/>
+              </a:rPr>
+              <a:t>manage data (student’s details) </a:t>
+            </a:r>
+          </a:p>
+          <a:p>
+            <a:pPr marL="0" indent="0">
+              <a:buNone/>
+            </a:pPr>
+            <a:r>
+              <a:rPr lang="en-US" sz="2200" dirty="0">
+                <a:latin typeface="Bahnschrift SemiLight SemiConde" panose="020B0502040204020203" pitchFamily="34" charset="0"/>
+              </a:rPr>
+              <a:t> </a:t>
+            </a:r>
+            <a:r>
+              <a:rPr lang="en-US" sz="2200" dirty="0" smtClean="0">
+                <a:latin typeface="Bahnschrift SemiLight SemiConde" panose="020B0502040204020203" pitchFamily="34" charset="0"/>
+              </a:rPr>
+              <a:t>    of registered </a:t>
+            </a:r>
+            <a:r>
+              <a:rPr lang="en-US" sz="2200" dirty="0">
+                <a:latin typeface="Bahnschrift SemiLight SemiConde" panose="020B0502040204020203" pitchFamily="34" charset="0"/>
+              </a:rPr>
+              <a:t>students. It will be easy to access and manage data.</a:t>
+            </a:r>
+            <a:endParaRPr lang="en-IN" sz="2200" dirty="0">
+              <a:latin typeface="Bahnschrift SemiLight SemiConde" panose="020B0502040204020203" pitchFamily="34" charset="0"/>
+            </a:endParaRPr>
+          </a:p>
+        </p:txBody>
+      </p:sp>
     </p:spTree>
     <p:extLst>
       <p:ext uri="{BB962C8B-B14F-4D97-AF65-F5344CB8AC3E}">
-        <p14:creationId xmlns:p14="http://schemas.microsoft.com/office/powerpoint/2010/main" val="4040029631"/>
+        <p14:creationId xmlns:p14="http://schemas.microsoft.com/office/powerpoint/2010/main" val="1813492822"/>
       </p:ext>
     </p:extLst>
   </p:cSld>
   <p:clrMapOvr>
     <a:masterClrMapping/>
   </p:clrMapOvr>
+  <p:timing>
+    <p:tnLst>
+      <p:par>
+        <p:cTn id="1" dur="indefinite" restart="never" nodeType="tmRoot"/>
+      </p:par>
+    </p:tnLst>
+  </p:timing>
 </p:sld>
 </file>
 
@@ -3543,13 +6667,7 @@
       </p:grpSpPr>
       <p:sp>
         <p:nvSpPr>
-          <p:cNvPr id="4" name="Title 3">
-            <a:extLst>
-              <a:ext uri="{FF2B5EF4-FFF2-40B4-BE49-F238E27FC236}">
-                <a16:creationId xmlns:a16="http://schemas.microsoft.com/office/drawing/2014/main" id="{142011D9-DAE6-4A01-91E7-C2EABA5C66B5}"/>
-              </a:ext>
-            </a:extLst>
-          </p:cNvPr>
+          <p:cNvPr id="2" name="Title 1"/>
           <p:cNvSpPr>
             <a:spLocks noGrp="1"/>
           </p:cNvSpPr>
@@ -3559,65 +6677,117 @@
         </p:nvSpPr>
         <p:spPr>
           <a:xfrm>
-            <a:off x="838200" y="285227"/>
-            <a:ext cx="10515600" cy="478254"/>
+            <a:off x="1484312" y="1306285"/>
+            <a:ext cx="4681358" cy="1132113"/>
           </a:xfrm>
         </p:spPr>
         <p:txBody>
-          <a:bodyPr>
-            <a:normAutofit fontScale="90000"/>
-          </a:bodyPr>
+          <a:bodyPr/>
           <a:lstStyle/>
           <a:p>
-            <a:endParaRPr lang="en-IN" dirty="0"/>
-          </a:p>
-        </p:txBody>
-      </p:sp>
-      <p:pic>
-        <p:nvPicPr>
-          <p:cNvPr id="3" name="Content Placeholder 2">
-            <a:extLst>
-              <a:ext uri="{FF2B5EF4-FFF2-40B4-BE49-F238E27FC236}">
-                <a16:creationId xmlns:a16="http://schemas.microsoft.com/office/drawing/2014/main" id="{857F6BB7-E36D-4497-807D-EEF72CF61D97}"/>
-              </a:ext>
-            </a:extLst>
-          </p:cNvPr>
-          <p:cNvPicPr>
-            <a:picLocks noGrp="1" noChangeAspect="1"/>
-          </p:cNvPicPr>
+            <a:r>
+              <a:rPr lang="en-US" dirty="0" smtClean="0">
+                <a:latin typeface="Arial Rounded MT Bold" panose="020F0704030504030204" pitchFamily="34" charset="0"/>
+              </a:rPr>
+              <a:t>Technology Used</a:t>
+            </a:r>
+            <a:endParaRPr lang="en-IN" dirty="0">
+              <a:latin typeface="Arial Rounded MT Bold" panose="020F0704030504030204" pitchFamily="34" charset="0"/>
+            </a:endParaRPr>
+          </a:p>
+        </p:txBody>
+      </p:sp>
+      <p:sp>
+        <p:nvSpPr>
+          <p:cNvPr id="3" name="Content Placeholder 2"/>
+          <p:cNvSpPr>
+            <a:spLocks noGrp="1"/>
+          </p:cNvSpPr>
           <p:nvPr>
             <p:ph idx="1"/>
           </p:nvPr>
-        </p:nvPicPr>
-        <p:blipFill>
-          <a:blip r:embed="rId2">
-            <a:extLst>
-              <a:ext uri="{28A0092B-C50C-407E-A947-70E740481C1C}">
-                <a14:useLocalDpi xmlns:a14="http://schemas.microsoft.com/office/drawing/2010/main" val="0"/>
-              </a:ext>
-            </a:extLst>
-          </a:blip>
-          <a:stretch>
-            <a:fillRect/>
-          </a:stretch>
-        </p:blipFill>
-        <p:spPr>
-          <a:xfrm>
-            <a:off x="1757778" y="1287261"/>
-            <a:ext cx="7155402" cy="4891597"/>
-          </a:xfrm>
-        </p:spPr>
-      </p:pic>
+        </p:nvSpPr>
+        <p:spPr/>
+        <p:txBody>
+          <a:bodyPr/>
+          <a:lstStyle/>
+          <a:p>
+            <a:r>
+              <a:rPr lang="en-US" dirty="0">
+                <a:latin typeface="Bahnschrift SemiLight SemiConde" panose="020B0502040204020203" pitchFamily="34" charset="0"/>
+              </a:rPr>
+              <a:t>Visual Studio Code </a:t>
+            </a:r>
+            <a:r>
+              <a:rPr lang="en-US" dirty="0" smtClean="0">
+                <a:latin typeface="Bahnschrift SemiLight SemiConde" panose="020B0502040204020203" pitchFamily="34" charset="0"/>
+              </a:rPr>
+              <a:t>IDE</a:t>
+            </a:r>
+          </a:p>
+          <a:p>
+            <a:r>
+              <a:rPr lang="en-US" dirty="0" smtClean="0">
+                <a:latin typeface="Bahnschrift SemiLight SemiConde" panose="020B0502040204020203" pitchFamily="34" charset="0"/>
+              </a:rPr>
+              <a:t>Django Framework</a:t>
+            </a:r>
+          </a:p>
+          <a:p>
+            <a:r>
+              <a:rPr lang="en-US" dirty="0">
+                <a:latin typeface="Bahnschrift SemiLight SemiConde" panose="020B0502040204020203" pitchFamily="34" charset="0"/>
+              </a:rPr>
+              <a:t>Python ,Html ,</a:t>
+            </a:r>
+            <a:r>
+              <a:rPr lang="en-US" dirty="0" smtClean="0">
+                <a:latin typeface="Bahnschrift SemiLight SemiConde" panose="020B0502040204020203" pitchFamily="34" charset="0"/>
+              </a:rPr>
+              <a:t>CSS</a:t>
+            </a:r>
+          </a:p>
+          <a:p>
+            <a:r>
+              <a:rPr lang="en-US" dirty="0" smtClean="0">
+                <a:latin typeface="Bahnschrift SemiLight SemiConde" panose="020B0502040204020203" pitchFamily="34" charset="0"/>
+              </a:rPr>
+              <a:t>MySQL</a:t>
+            </a:r>
+          </a:p>
+          <a:p>
+            <a:r>
+              <a:rPr lang="en-US" dirty="0" smtClean="0">
+                <a:latin typeface="Bahnschrift SemiLight SemiConde" panose="020B0502040204020203" pitchFamily="34" charset="0"/>
+              </a:rPr>
+              <a:t>XAMPP Control Panel</a:t>
+            </a:r>
+          </a:p>
+          <a:p>
+            <a:pPr marL="0" indent="0">
+              <a:buNone/>
+            </a:pPr>
+            <a:endParaRPr lang="en-US" dirty="0"/>
+          </a:p>
+        </p:txBody>
+      </p:sp>
     </p:spTree>
     <p:extLst>
       <p:ext uri="{BB962C8B-B14F-4D97-AF65-F5344CB8AC3E}">
-        <p14:creationId xmlns:p14="http://schemas.microsoft.com/office/powerpoint/2010/main" val="1025791247"/>
+        <p14:creationId xmlns:p14="http://schemas.microsoft.com/office/powerpoint/2010/main" val="929012127"/>
       </p:ext>
     </p:extLst>
   </p:cSld>
   <p:clrMapOvr>
     <a:masterClrMapping/>
   </p:clrMapOvr>
+  <p:timing>
+    <p:tnLst>
+      <p:par>
+        <p:cTn id="1" dur="indefinite" restart="never" nodeType="tmRoot"/>
+      </p:par>
+    </p:tnLst>
+  </p:timing>
 </p:sld>
 </file>
 
@@ -3656,8 +6826,8 @@
         </p:nvSpPr>
         <p:spPr>
           <a:xfrm>
-            <a:off x="838200" y="365125"/>
-            <a:ext cx="10515600" cy="487131"/>
+            <a:off x="890451" y="423141"/>
+            <a:ext cx="3968931" cy="673562"/>
           </a:xfrm>
         </p:spPr>
         <p:txBody>
@@ -3666,16 +6836,24 @@
           </a:bodyPr>
           <a:lstStyle/>
           <a:p>
-            <a:endParaRPr lang="en-IN" dirty="0"/>
+            <a:r>
+              <a:rPr lang="en-US" dirty="0" smtClean="0">
+                <a:latin typeface="Arial Rounded MT Bold" panose="020F0704030504030204" pitchFamily="34" charset="0"/>
+              </a:rPr>
+              <a:t>Home Page</a:t>
+            </a:r>
+            <a:endParaRPr lang="en-IN" dirty="0">
+              <a:latin typeface="Arial Rounded MT Bold" panose="020F0704030504030204" pitchFamily="34" charset="0"/>
+            </a:endParaRPr>
           </a:p>
         </p:txBody>
       </p:sp>
       <p:pic>
         <p:nvPicPr>
-          <p:cNvPr id="3" name="Content Placeholder 2">
+          <p:cNvPr id="8" name="Content Placeholder 7">
             <a:extLst>
               <a:ext uri="{FF2B5EF4-FFF2-40B4-BE49-F238E27FC236}">
-                <a16:creationId xmlns:a16="http://schemas.microsoft.com/office/drawing/2014/main" id="{1CF8B253-EBEC-4794-A184-9DBB16B425DC}"/>
+                <a16:creationId xmlns:a16="http://schemas.microsoft.com/office/drawing/2014/main" id="{96645FD5-1743-40E9-9070-FE293973DE0D}"/>
               </a:ext>
             </a:extLst>
           </p:cNvPr>
@@ -3689,6 +6867,15 @@
         <p:blipFill>
           <a:blip r:embed="rId2">
             <a:extLst>
+              <a:ext uri="{BEBA8EAE-BF5A-486C-A8C5-ECC9F3942E4B}">
+                <a14:imgProps xmlns:a14="http://schemas.microsoft.com/office/drawing/2010/main">
+                  <a14:imgLayer r:embed="rId3">
+                    <a14:imgEffect>
+                      <a14:colorTemperature colorTemp="5300"/>
+                    </a14:imgEffect>
+                  </a14:imgLayer>
+                </a14:imgProps>
+              </a:ext>
               <a:ext uri="{28A0092B-C50C-407E-A947-70E740481C1C}">
                 <a14:useLocalDpi xmlns:a14="http://schemas.microsoft.com/office/drawing/2010/main" val="0"/>
               </a:ext>
@@ -3700,21 +6887,115 @@
         </p:blipFill>
         <p:spPr>
           <a:xfrm>
-            <a:off x="1384917" y="1251751"/>
-            <a:ext cx="6755907" cy="5022866"/>
+            <a:off x="2050709" y="1340974"/>
+            <a:ext cx="9601360" cy="4798568"/>
           </a:xfrm>
+          <a:prstGeom prst="rect">
+            <a:avLst/>
+          </a:prstGeom>
+          <a:ln>
+            <a:noFill/>
+          </a:ln>
+          <a:effectLst>
+            <a:softEdge rad="112500"/>
+          </a:effectLst>
+        </p:spPr>
+      </p:pic>
+      <p:pic>
+        <p:nvPicPr>
+          <p:cNvPr id="2" name="Picture 1"/>
+          <p:cNvPicPr>
+            <a:picLocks noChangeAspect="1"/>
+          </p:cNvPicPr>
+          <p:nvPr/>
+        </p:nvPicPr>
+        <p:blipFill>
+          <a:blip r:embed="rId4" cstate="hqprint">
+            <a:extLst>
+              <a:ext uri="{BEBA8EAE-BF5A-486C-A8C5-ECC9F3942E4B}">
+                <a14:imgProps xmlns:a14="http://schemas.microsoft.com/office/drawing/2010/main">
+                  <a14:imgLayer r:embed="rId5">
+                    <a14:imgEffect>
+                      <a14:colorTemperature colorTemp="5300"/>
+                    </a14:imgEffect>
+                  </a14:imgLayer>
+                </a14:imgProps>
+              </a:ext>
+              <a:ext uri="{28A0092B-C50C-407E-A947-70E740481C1C}">
+                <a14:useLocalDpi xmlns:a14="http://schemas.microsoft.com/office/drawing/2010/main" val="0"/>
+              </a:ext>
+            </a:extLst>
+          </a:blip>
+          <a:stretch>
+            <a:fillRect/>
+          </a:stretch>
+        </p:blipFill>
+        <p:spPr>
+          <a:xfrm>
+            <a:off x="2235354" y="1929747"/>
+            <a:ext cx="1435878" cy="983270"/>
+          </a:xfrm>
+          <a:prstGeom prst="rect">
+            <a:avLst/>
+          </a:prstGeom>
+        </p:spPr>
+      </p:pic>
+      <p:pic>
+        <p:nvPicPr>
+          <p:cNvPr id="3" name="Picture 2"/>
+          <p:cNvPicPr>
+            <a:picLocks noChangeAspect="1"/>
+          </p:cNvPicPr>
+          <p:nvPr/>
+        </p:nvPicPr>
+        <p:blipFill>
+          <a:blip r:embed="rId6">
+            <a:extLst>
+              <a:ext uri="{BEBA8EAE-BF5A-486C-A8C5-ECC9F3942E4B}">
+                <a14:imgProps xmlns:a14="http://schemas.microsoft.com/office/drawing/2010/main">
+                  <a14:imgLayer r:embed="rId7">
+                    <a14:imgEffect>
+                      <a14:colorTemperature colorTemp="5300"/>
+                    </a14:imgEffect>
+                  </a14:imgLayer>
+                </a14:imgProps>
+              </a:ext>
+              <a:ext uri="{28A0092B-C50C-407E-A947-70E740481C1C}">
+                <a14:useLocalDpi xmlns:a14="http://schemas.microsoft.com/office/drawing/2010/main" val="0"/>
+              </a:ext>
+            </a:extLst>
+          </a:blip>
+          <a:stretch>
+            <a:fillRect/>
+          </a:stretch>
+        </p:blipFill>
+        <p:spPr>
+          <a:xfrm>
+            <a:off x="9627324" y="1520770"/>
+            <a:ext cx="1573938" cy="712979"/>
+          </a:xfrm>
+          <a:prstGeom prst="rect">
+            <a:avLst/>
+          </a:prstGeom>
         </p:spPr>
       </p:pic>
     </p:spTree>
     <p:extLst>
       <p:ext uri="{BB962C8B-B14F-4D97-AF65-F5344CB8AC3E}">
-        <p14:creationId xmlns:p14="http://schemas.microsoft.com/office/powerpoint/2010/main" val="172382468"/>
+        <p14:creationId xmlns:p14="http://schemas.microsoft.com/office/powerpoint/2010/main" val="500554537"/>
       </p:ext>
     </p:extLst>
   </p:cSld>
   <p:clrMapOvr>
     <a:masterClrMapping/>
   </p:clrMapOvr>
+  <p:timing>
+    <p:tnLst>
+      <p:par>
+        <p:cTn id="1" dur="indefinite" restart="never" nodeType="tmRoot"/>
+      </p:par>
+    </p:tnLst>
+  </p:timing>
 </p:sld>
 </file>
 
@@ -3737,13 +7018,7 @@
       </p:grpSpPr>
       <p:sp>
         <p:nvSpPr>
-          <p:cNvPr id="4" name="Title 3">
-            <a:extLst>
-              <a:ext uri="{FF2B5EF4-FFF2-40B4-BE49-F238E27FC236}">
-                <a16:creationId xmlns:a16="http://schemas.microsoft.com/office/drawing/2014/main" id="{142011D9-DAE6-4A01-91E7-C2EABA5C66B5}"/>
-              </a:ext>
-            </a:extLst>
-          </p:cNvPr>
+          <p:cNvPr id="2" name="Title 1"/>
           <p:cNvSpPr>
             <a:spLocks noGrp="1"/>
           </p:cNvSpPr>
@@ -3753,39 +7028,46 @@
         </p:nvSpPr>
         <p:spPr>
           <a:xfrm>
-            <a:off x="838200" y="365125"/>
-            <a:ext cx="10515600" cy="504887"/>
+            <a:off x="1484312" y="502921"/>
+            <a:ext cx="3989026" cy="749500"/>
           </a:xfrm>
         </p:spPr>
         <p:txBody>
-          <a:bodyPr>
-            <a:normAutofit fontScale="90000"/>
-          </a:bodyPr>
+          <a:bodyPr/>
           <a:lstStyle/>
           <a:p>
-            <a:endParaRPr lang="en-IN" dirty="0"/>
+            <a:r>
+              <a:rPr lang="en-US" dirty="0" smtClean="0">
+                <a:latin typeface="Arial Rounded MT Bold" panose="020F0704030504030204" pitchFamily="34" charset="0"/>
+              </a:rPr>
+              <a:t>Block Diagram</a:t>
+            </a:r>
+            <a:endParaRPr lang="en-IN" dirty="0">
+              <a:latin typeface="Arial Rounded MT Bold" panose="020F0704030504030204" pitchFamily="34" charset="0"/>
+            </a:endParaRPr>
           </a:p>
         </p:txBody>
       </p:sp>
       <p:pic>
         <p:nvPicPr>
-          <p:cNvPr id="3" name="Content Placeholder 2">
-            <a:extLst>
-              <a:ext uri="{FF2B5EF4-FFF2-40B4-BE49-F238E27FC236}">
-                <a16:creationId xmlns:a16="http://schemas.microsoft.com/office/drawing/2014/main" id="{7123E940-3E25-400D-860C-C93272C4DC2B}"/>
-              </a:ext>
-            </a:extLst>
-          </p:cNvPr>
+          <p:cNvPr id="7" name="Picture 6"/>
           <p:cNvPicPr>
-            <a:picLocks noGrp="1" noChangeAspect="1"/>
+            <a:picLocks noChangeAspect="1"/>
           </p:cNvPicPr>
-          <p:nvPr>
-            <p:ph idx="1"/>
-          </p:nvPr>
+          <p:nvPr/>
         </p:nvPicPr>
         <p:blipFill>
           <a:blip r:embed="rId2">
             <a:extLst>
+              <a:ext uri="{BEBA8EAE-BF5A-486C-A8C5-ECC9F3942E4B}">
+                <a14:imgProps xmlns:a14="http://schemas.microsoft.com/office/drawing/2010/main">
+                  <a14:imgLayer r:embed="rId3">
+                    <a14:imgEffect>
+                      <a14:colorTemperature colorTemp="5300"/>
+                    </a14:imgEffect>
+                  </a14:imgLayer>
+                </a14:imgProps>
+              </a:ext>
               <a:ext uri="{28A0092B-C50C-407E-A947-70E740481C1C}">
                 <a14:useLocalDpi xmlns:a14="http://schemas.microsoft.com/office/drawing/2010/main" val="0"/>
               </a:ext>
@@ -3797,21 +7079,37 @@
         </p:blipFill>
         <p:spPr>
           <a:xfrm>
-            <a:off x="1012053" y="1438182"/>
-            <a:ext cx="8957569" cy="4900473"/>
+            <a:off x="2181497" y="1252421"/>
+            <a:ext cx="8923521" cy="5117081"/>
           </a:xfrm>
+          <a:prstGeom prst="rect">
+            <a:avLst/>
+          </a:prstGeom>
+          <a:ln>
+            <a:noFill/>
+          </a:ln>
+          <a:effectLst>
+            <a:softEdge rad="112500"/>
+          </a:effectLst>
         </p:spPr>
       </p:pic>
     </p:spTree>
     <p:extLst>
       <p:ext uri="{BB962C8B-B14F-4D97-AF65-F5344CB8AC3E}">
-        <p14:creationId xmlns:p14="http://schemas.microsoft.com/office/powerpoint/2010/main" val="3656023324"/>
+        <p14:creationId xmlns:p14="http://schemas.microsoft.com/office/powerpoint/2010/main" val="2158503059"/>
       </p:ext>
     </p:extLst>
   </p:cSld>
   <p:clrMapOvr>
     <a:masterClrMapping/>
   </p:clrMapOvr>
+  <p:timing>
+    <p:tnLst>
+      <p:par>
+        <p:cTn id="1" dur="indefinite" restart="never" nodeType="tmRoot"/>
+      </p:par>
+    </p:tnLst>
+  </p:timing>
 </p:sld>
 </file>
 
@@ -3834,10 +7132,10 @@
       </p:grpSpPr>
       <p:sp>
         <p:nvSpPr>
-          <p:cNvPr id="4" name="Title 3">
+          <p:cNvPr id="2" name="Title 1">
             <a:extLst>
               <a:ext uri="{FF2B5EF4-FFF2-40B4-BE49-F238E27FC236}">
-                <a16:creationId xmlns:a16="http://schemas.microsoft.com/office/drawing/2014/main" id="{142011D9-DAE6-4A01-91E7-C2EABA5C66B5}"/>
+                <a16:creationId xmlns:a16="http://schemas.microsoft.com/office/drawing/2014/main" id="{3321A781-346C-4FAD-B3E2-31ACABDA77EA}"/>
               </a:ext>
             </a:extLst>
           </p:cNvPr>
@@ -3850,8 +7148,8 @@
         </p:nvSpPr>
         <p:spPr>
           <a:xfrm>
-            <a:off x="838200" y="365125"/>
-            <a:ext cx="10515600" cy="504887"/>
+            <a:off x="1243149" y="365126"/>
+            <a:ext cx="3524794" cy="558153"/>
           </a:xfrm>
         </p:spPr>
         <p:txBody>
@@ -3860,19 +7158,21 @@
           </a:bodyPr>
           <a:lstStyle/>
           <a:p>
-            <a:endParaRPr lang="en-IN" dirty="0"/>
+            <a:r>
+              <a:rPr lang="en-US" dirty="0" smtClean="0">
+                <a:latin typeface="Arial Rounded MT Bold" panose="020F0704030504030204" pitchFamily="34" charset="0"/>
+              </a:rPr>
+              <a:t>Profile Page</a:t>
+            </a:r>
+            <a:endParaRPr lang="en-IN" dirty="0">
+              <a:latin typeface="Arial Rounded MT Bold" panose="020F0704030504030204" pitchFamily="34" charset="0"/>
+            </a:endParaRPr>
           </a:p>
         </p:txBody>
       </p:sp>
       <p:pic>
         <p:nvPicPr>
-          <p:cNvPr id="3" name="Content Placeholder 2">
-            <a:extLst>
-              <a:ext uri="{FF2B5EF4-FFF2-40B4-BE49-F238E27FC236}">
-                <a16:creationId xmlns:a16="http://schemas.microsoft.com/office/drawing/2014/main" id="{05627DFF-5278-4EB3-BE5B-70750F3E3724}"/>
-              </a:ext>
-            </a:extLst>
-          </p:cNvPr>
+          <p:cNvPr id="6" name="Content Placeholder 5"/>
           <p:cNvPicPr>
             <a:picLocks noGrp="1" noChangeAspect="1"/>
           </p:cNvPicPr>
@@ -3881,8 +7181,17 @@
           </p:nvPr>
         </p:nvPicPr>
         <p:blipFill>
-          <a:blip r:embed="rId2">
+          <a:blip r:embed="rId2" cstate="print">
             <a:extLst>
+              <a:ext uri="{BEBA8EAE-BF5A-486C-A8C5-ECC9F3942E4B}">
+                <a14:imgProps xmlns:a14="http://schemas.microsoft.com/office/drawing/2010/main">
+                  <a14:imgLayer r:embed="rId3">
+                    <a14:imgEffect>
+                      <a14:colorTemperature colorTemp="5300"/>
+                    </a14:imgEffect>
+                  </a14:imgLayer>
+                </a14:imgProps>
+              </a:ext>
               <a:ext uri="{28A0092B-C50C-407E-A947-70E740481C1C}">
                 <a14:useLocalDpi xmlns:a14="http://schemas.microsoft.com/office/drawing/2010/main" val="0"/>
               </a:ext>
@@ -3894,28 +7203,468 @@
         </p:blipFill>
         <p:spPr>
           <a:xfrm>
-            <a:off x="719090" y="1074738"/>
-            <a:ext cx="9392575" cy="5418137"/>
+            <a:off x="2102226" y="1018903"/>
+            <a:ext cx="8975077" cy="5212079"/>
           </a:xfrm>
+          <a:prstGeom prst="rect">
+            <a:avLst/>
+          </a:prstGeom>
+          <a:ln>
+            <a:noFill/>
+          </a:ln>
+          <a:effectLst>
+            <a:softEdge rad="112500"/>
+          </a:effectLst>
         </p:spPr>
       </p:pic>
     </p:spTree>
     <p:extLst>
       <p:ext uri="{BB962C8B-B14F-4D97-AF65-F5344CB8AC3E}">
-        <p14:creationId xmlns:p14="http://schemas.microsoft.com/office/powerpoint/2010/main" val="472768259"/>
+        <p14:creationId xmlns:p14="http://schemas.microsoft.com/office/powerpoint/2010/main" val="4040029631"/>
       </p:ext>
     </p:extLst>
   </p:cSld>
   <p:clrMapOvr>
     <a:masterClrMapping/>
   </p:clrMapOvr>
+  <p:timing>
+    <p:tnLst>
+      <p:par>
+        <p:cTn id="1" dur="indefinite" restart="never" nodeType="tmRoot"/>
+      </p:par>
+    </p:tnLst>
+  </p:timing>
+</p:sld>
+</file>
+
+<file path=ppt/slides/slide7.xml><?xml version="1.0" encoding="utf-8"?>
+<p:sld xmlns:a="http://schemas.openxmlformats.org/drawingml/2006/main" xmlns:r="http://schemas.openxmlformats.org/officeDocument/2006/relationships" xmlns:p="http://schemas.openxmlformats.org/presentationml/2006/main">
+  <p:cSld>
+    <p:spTree>
+      <p:nvGrpSpPr>
+        <p:cNvPr id="1" name=""/>
+        <p:cNvGrpSpPr/>
+        <p:nvPr/>
+      </p:nvGrpSpPr>
+      <p:grpSpPr>
+        <a:xfrm>
+          <a:off x="0" y="0"/>
+          <a:ext cx="0" cy="0"/>
+          <a:chOff x="0" y="0"/>
+          <a:chExt cx="0" cy="0"/>
+        </a:xfrm>
+      </p:grpSpPr>
+      <p:sp>
+        <p:nvSpPr>
+          <p:cNvPr id="4" name="Title 3">
+            <a:extLst>
+              <a:ext uri="{FF2B5EF4-FFF2-40B4-BE49-F238E27FC236}">
+                <a16:creationId xmlns:a16="http://schemas.microsoft.com/office/drawing/2014/main" id="{142011D9-DAE6-4A01-91E7-C2EABA5C66B5}"/>
+              </a:ext>
+            </a:extLst>
+          </p:cNvPr>
+          <p:cNvSpPr>
+            <a:spLocks noGrp="1"/>
+          </p:cNvSpPr>
+          <p:nvPr>
+            <p:ph type="title"/>
+          </p:nvPr>
+        </p:nvSpPr>
+        <p:spPr>
+          <a:xfrm>
+            <a:off x="968828" y="455044"/>
+            <a:ext cx="6241869" cy="478254"/>
+          </a:xfrm>
+        </p:spPr>
+        <p:txBody>
+          <a:bodyPr>
+            <a:normAutofit fontScale="90000"/>
+          </a:bodyPr>
+          <a:lstStyle/>
+          <a:p>
+            <a:r>
+              <a:rPr lang="en-US" dirty="0" smtClean="0">
+                <a:latin typeface="Arial Rounded MT Bold" panose="020F0704030504030204" pitchFamily="34" charset="0"/>
+              </a:rPr>
+              <a:t>Profile Updation Page</a:t>
+            </a:r>
+            <a:endParaRPr lang="en-IN" dirty="0">
+              <a:latin typeface="Arial Rounded MT Bold" panose="020F0704030504030204" pitchFamily="34" charset="0"/>
+            </a:endParaRPr>
+          </a:p>
+        </p:txBody>
+      </p:sp>
+      <p:pic>
+        <p:nvPicPr>
+          <p:cNvPr id="3" name="Content Placeholder 2">
+            <a:extLst>
+              <a:ext uri="{FF2B5EF4-FFF2-40B4-BE49-F238E27FC236}">
+                <a16:creationId xmlns:a16="http://schemas.microsoft.com/office/drawing/2014/main" id="{857F6BB7-E36D-4497-807D-EEF72CF61D97}"/>
+              </a:ext>
+            </a:extLst>
+          </p:cNvPr>
+          <p:cNvPicPr>
+            <a:picLocks noGrp="1" noChangeAspect="1"/>
+          </p:cNvPicPr>
+          <p:nvPr>
+            <p:ph idx="1"/>
+          </p:nvPr>
+        </p:nvPicPr>
+        <p:blipFill>
+          <a:blip r:embed="rId2">
+            <a:extLst>
+              <a:ext uri="{BEBA8EAE-BF5A-486C-A8C5-ECC9F3942E4B}">
+                <a14:imgProps xmlns:a14="http://schemas.microsoft.com/office/drawing/2010/main">
+                  <a14:imgLayer r:embed="rId3">
+                    <a14:imgEffect>
+                      <a14:colorTemperature colorTemp="5300"/>
+                    </a14:imgEffect>
+                  </a14:imgLayer>
+                </a14:imgProps>
+              </a:ext>
+              <a:ext uri="{28A0092B-C50C-407E-A947-70E740481C1C}">
+                <a14:useLocalDpi xmlns:a14="http://schemas.microsoft.com/office/drawing/2010/main" val="0"/>
+              </a:ext>
+            </a:extLst>
+          </a:blip>
+          <a:stretch>
+            <a:fillRect/>
+          </a:stretch>
+        </p:blipFill>
+        <p:spPr>
+          <a:xfrm>
+            <a:off x="2567676" y="1052131"/>
+            <a:ext cx="7856484" cy="5257229"/>
+          </a:xfrm>
+          <a:prstGeom prst="rect">
+            <a:avLst/>
+          </a:prstGeom>
+          <a:ln>
+            <a:noFill/>
+          </a:ln>
+          <a:effectLst>
+            <a:softEdge rad="112500"/>
+          </a:effectLst>
+        </p:spPr>
+      </p:pic>
+    </p:spTree>
+    <p:extLst>
+      <p:ext uri="{BB962C8B-B14F-4D97-AF65-F5344CB8AC3E}">
+        <p14:creationId xmlns:p14="http://schemas.microsoft.com/office/powerpoint/2010/main" val="1025791247"/>
+      </p:ext>
+    </p:extLst>
+  </p:cSld>
+  <p:clrMapOvr>
+    <a:masterClrMapping/>
+  </p:clrMapOvr>
+  <p:timing>
+    <p:tnLst>
+      <p:par>
+        <p:cTn id="1" dur="indefinite" restart="never" nodeType="tmRoot"/>
+      </p:par>
+    </p:tnLst>
+  </p:timing>
+</p:sld>
+</file>
+
+<file path=ppt/slides/slide8.xml><?xml version="1.0" encoding="utf-8"?>
+<p:sld xmlns:a="http://schemas.openxmlformats.org/drawingml/2006/main" xmlns:r="http://schemas.openxmlformats.org/officeDocument/2006/relationships" xmlns:p="http://schemas.openxmlformats.org/presentationml/2006/main">
+  <p:cSld>
+    <p:spTree>
+      <p:nvGrpSpPr>
+        <p:cNvPr id="1" name=""/>
+        <p:cNvGrpSpPr/>
+        <p:nvPr/>
+      </p:nvGrpSpPr>
+      <p:grpSpPr>
+        <a:xfrm>
+          <a:off x="0" y="0"/>
+          <a:ext cx="0" cy="0"/>
+          <a:chOff x="0" y="0"/>
+          <a:chExt cx="0" cy="0"/>
+        </a:xfrm>
+      </p:grpSpPr>
+      <p:sp>
+        <p:nvSpPr>
+          <p:cNvPr id="4" name="Title 3">
+            <a:extLst>
+              <a:ext uri="{FF2B5EF4-FFF2-40B4-BE49-F238E27FC236}">
+                <a16:creationId xmlns:a16="http://schemas.microsoft.com/office/drawing/2014/main" id="{142011D9-DAE6-4A01-91E7-C2EABA5C66B5}"/>
+              </a:ext>
+            </a:extLst>
+          </p:cNvPr>
+          <p:cNvSpPr>
+            <a:spLocks noGrp="1"/>
+          </p:cNvSpPr>
+          <p:nvPr>
+            <p:ph type="title"/>
+          </p:nvPr>
+        </p:nvSpPr>
+        <p:spPr>
+          <a:xfrm>
+            <a:off x="1149532" y="456564"/>
+            <a:ext cx="4114800" cy="487131"/>
+          </a:xfrm>
+        </p:spPr>
+        <p:txBody>
+          <a:bodyPr>
+            <a:normAutofit fontScale="90000"/>
+          </a:bodyPr>
+          <a:lstStyle/>
+          <a:p>
+            <a:r>
+              <a:rPr lang="en-US" dirty="0" smtClean="0">
+                <a:latin typeface="Arial Rounded MT Bold" panose="020F0704030504030204" pitchFamily="34" charset="0"/>
+              </a:rPr>
+              <a:t>Institute Page</a:t>
+            </a:r>
+            <a:endParaRPr lang="en-IN" dirty="0">
+              <a:latin typeface="Arial Rounded MT Bold" panose="020F0704030504030204" pitchFamily="34" charset="0"/>
+            </a:endParaRPr>
+          </a:p>
+        </p:txBody>
+      </p:sp>
+      <p:pic>
+        <p:nvPicPr>
+          <p:cNvPr id="6" name="Content Placeholder 5"/>
+          <p:cNvPicPr>
+            <a:picLocks noGrp="1" noChangeAspect="1"/>
+          </p:cNvPicPr>
+          <p:nvPr>
+            <p:ph idx="1"/>
+          </p:nvPr>
+        </p:nvPicPr>
+        <p:blipFill>
+          <a:blip r:embed="rId2">
+            <a:extLst>
+              <a:ext uri="{BEBA8EAE-BF5A-486C-A8C5-ECC9F3942E4B}">
+                <a14:imgProps xmlns:a14="http://schemas.microsoft.com/office/drawing/2010/main">
+                  <a14:imgLayer r:embed="rId3">
+                    <a14:imgEffect>
+                      <a14:colorTemperature colorTemp="5300"/>
+                    </a14:imgEffect>
+                  </a14:imgLayer>
+                </a14:imgProps>
+              </a:ext>
+              <a:ext uri="{28A0092B-C50C-407E-A947-70E740481C1C}">
+                <a14:useLocalDpi xmlns:a14="http://schemas.microsoft.com/office/drawing/2010/main" val="0"/>
+              </a:ext>
+            </a:extLst>
+          </a:blip>
+          <a:stretch>
+            <a:fillRect/>
+          </a:stretch>
+        </p:blipFill>
+        <p:spPr>
+          <a:xfrm>
+            <a:off x="2567191" y="1254034"/>
+            <a:ext cx="8564540" cy="5247238"/>
+          </a:xfrm>
+          <a:prstGeom prst="rect">
+            <a:avLst/>
+          </a:prstGeom>
+          <a:ln>
+            <a:noFill/>
+          </a:ln>
+          <a:effectLst>
+            <a:softEdge rad="112500"/>
+          </a:effectLst>
+        </p:spPr>
+      </p:pic>
+    </p:spTree>
+    <p:extLst>
+      <p:ext uri="{BB962C8B-B14F-4D97-AF65-F5344CB8AC3E}">
+        <p14:creationId xmlns:p14="http://schemas.microsoft.com/office/powerpoint/2010/main" val="172382468"/>
+      </p:ext>
+    </p:extLst>
+  </p:cSld>
+  <p:clrMapOvr>
+    <a:masterClrMapping/>
+  </p:clrMapOvr>
+  <p:timing>
+    <p:tnLst>
+      <p:par>
+        <p:cTn id="1" dur="indefinite" restart="never" nodeType="tmRoot"/>
+      </p:par>
+    </p:tnLst>
+  </p:timing>
+</p:sld>
+</file>
+
+<file path=ppt/slides/slide9.xml><?xml version="1.0" encoding="utf-8"?>
+<p:sld xmlns:a="http://schemas.openxmlformats.org/drawingml/2006/main" xmlns:r="http://schemas.openxmlformats.org/officeDocument/2006/relationships" xmlns:p="http://schemas.openxmlformats.org/presentationml/2006/main">
+  <p:cSld>
+    <p:spTree>
+      <p:nvGrpSpPr>
+        <p:cNvPr id="1" name=""/>
+        <p:cNvGrpSpPr/>
+        <p:nvPr/>
+      </p:nvGrpSpPr>
+      <p:grpSpPr>
+        <a:xfrm>
+          <a:off x="0" y="0"/>
+          <a:ext cx="0" cy="0"/>
+          <a:chOff x="0" y="0"/>
+          <a:chExt cx="0" cy="0"/>
+        </a:xfrm>
+      </p:grpSpPr>
+      <p:sp>
+        <p:nvSpPr>
+          <p:cNvPr id="4" name="Title 3">
+            <a:extLst>
+              <a:ext uri="{FF2B5EF4-FFF2-40B4-BE49-F238E27FC236}">
+                <a16:creationId xmlns:a16="http://schemas.microsoft.com/office/drawing/2014/main" id="{142011D9-DAE6-4A01-91E7-C2EABA5C66B5}"/>
+              </a:ext>
+            </a:extLst>
+          </p:cNvPr>
+          <p:cNvSpPr>
+            <a:spLocks noGrp="1"/>
+          </p:cNvSpPr>
+          <p:nvPr>
+            <p:ph type="title"/>
+          </p:nvPr>
+        </p:nvSpPr>
+        <p:spPr>
+          <a:xfrm>
+            <a:off x="1621970" y="365125"/>
+            <a:ext cx="3864429" cy="504887"/>
+          </a:xfrm>
+        </p:spPr>
+        <p:txBody>
+          <a:bodyPr>
+            <a:normAutofit fontScale="90000"/>
+          </a:bodyPr>
+          <a:lstStyle/>
+          <a:p>
+            <a:r>
+              <a:rPr lang="en-US" dirty="0" smtClean="0">
+                <a:latin typeface="Arial Rounded MT Bold" panose="020F0704030504030204" pitchFamily="34" charset="0"/>
+              </a:rPr>
+              <a:t>Database Page</a:t>
+            </a:r>
+            <a:endParaRPr lang="en-IN" dirty="0">
+              <a:latin typeface="Arial Rounded MT Bold" panose="020F0704030504030204" pitchFamily="34" charset="0"/>
+            </a:endParaRPr>
+          </a:p>
+        </p:txBody>
+      </p:sp>
+      <p:pic>
+        <p:nvPicPr>
+          <p:cNvPr id="3" name="Content Placeholder 2">
+            <a:extLst>
+              <a:ext uri="{FF2B5EF4-FFF2-40B4-BE49-F238E27FC236}">
+                <a16:creationId xmlns:a16="http://schemas.microsoft.com/office/drawing/2014/main" id="{7123E940-3E25-400D-860C-C93272C4DC2B}"/>
+              </a:ext>
+            </a:extLst>
+          </p:cNvPr>
+          <p:cNvPicPr>
+            <a:picLocks noGrp="1" noChangeAspect="1"/>
+          </p:cNvPicPr>
+          <p:nvPr>
+            <p:ph idx="1"/>
+          </p:nvPr>
+        </p:nvPicPr>
+        <p:blipFill>
+          <a:blip r:embed="rId2">
+            <a:extLst>
+              <a:ext uri="{BEBA8EAE-BF5A-486C-A8C5-ECC9F3942E4B}">
+                <a14:imgProps xmlns:a14="http://schemas.microsoft.com/office/drawing/2010/main">
+                  <a14:imgLayer r:embed="rId3">
+                    <a14:imgEffect>
+                      <a14:colorTemperature colorTemp="5300"/>
+                    </a14:imgEffect>
+                  </a14:imgLayer>
+                </a14:imgProps>
+              </a:ext>
+              <a:ext uri="{28A0092B-C50C-407E-A947-70E740481C1C}">
+                <a14:useLocalDpi xmlns:a14="http://schemas.microsoft.com/office/drawing/2010/main" val="0"/>
+              </a:ext>
+            </a:extLst>
+          </a:blip>
+          <a:stretch>
+            <a:fillRect/>
+          </a:stretch>
+        </p:blipFill>
+        <p:spPr>
+          <a:xfrm>
+            <a:off x="2286000" y="1058091"/>
+            <a:ext cx="8629275" cy="5355772"/>
+          </a:xfrm>
+          <a:prstGeom prst="rect">
+            <a:avLst/>
+          </a:prstGeom>
+          <a:ln>
+            <a:noFill/>
+          </a:ln>
+          <a:effectLst>
+            <a:softEdge rad="112500"/>
+          </a:effectLst>
+        </p:spPr>
+      </p:pic>
+      <p:sp>
+        <p:nvSpPr>
+          <p:cNvPr id="6" name="Up Arrow 5"/>
+          <p:cNvSpPr/>
+          <p:nvPr/>
+        </p:nvSpPr>
+        <p:spPr>
+          <a:xfrm>
+            <a:off x="8765176" y="2886892"/>
+            <a:ext cx="327877" cy="692332"/>
+          </a:xfrm>
+          <a:prstGeom prst="upArrow">
+            <a:avLst/>
+          </a:prstGeom>
+        </p:spPr>
+        <p:style>
+          <a:lnRef idx="2">
+            <a:schemeClr val="accent1">
+              <a:shade val="50000"/>
+            </a:schemeClr>
+          </a:lnRef>
+          <a:fillRef idx="1">
+            <a:schemeClr val="accent1"/>
+          </a:fillRef>
+          <a:effectRef idx="0">
+            <a:schemeClr val="accent1"/>
+          </a:effectRef>
+          <a:fontRef idx="minor">
+            <a:schemeClr val="lt1"/>
+          </a:fontRef>
+        </p:style>
+        <p:txBody>
+          <a:bodyPr rtlCol="0" anchor="ctr"/>
+          <a:lstStyle/>
+          <a:p>
+            <a:pPr algn="ctr"/>
+            <a:endParaRPr lang="en-IN"/>
+          </a:p>
+        </p:txBody>
+      </p:sp>
+    </p:spTree>
+    <p:extLst>
+      <p:ext uri="{BB962C8B-B14F-4D97-AF65-F5344CB8AC3E}">
+        <p14:creationId xmlns:p14="http://schemas.microsoft.com/office/powerpoint/2010/main" val="3656023324"/>
+      </p:ext>
+    </p:extLst>
+  </p:cSld>
+  <p:clrMapOvr>
+    <a:masterClrMapping/>
+  </p:clrMapOvr>
+  <p:timing>
+    <p:tnLst>
+      <p:par>
+        <p:cTn id="1" dur="indefinite" restart="never" nodeType="tmRoot"/>
+      </p:par>
+    </p:tnLst>
+  </p:timing>
 </p:sld>
 </file>
 
 <file path=ppt/theme/theme1.xml><?xml version="1.0" encoding="utf-8"?>
-<a:theme xmlns:a="http://schemas.openxmlformats.org/drawingml/2006/main" name="Office Theme">
+<a:theme xmlns:a="http://schemas.openxmlformats.org/drawingml/2006/main" name="Parallax">
   <a:themeElements>
-    <a:clrScheme name="Office">
+    <a:clrScheme name="Blue">
       <a:dk1>
         <a:sysClr val="windowText" lastClr="000000"/>
       </a:dk1>
@@ -3923,100 +7672,48 @@
         <a:sysClr val="window" lastClr="FFFFFF"/>
       </a:lt1>
       <a:dk2>
-        <a:srgbClr val="44546A"/>
+        <a:srgbClr val="17406D"/>
       </a:dk2>
       <a:lt2>
-        <a:srgbClr val="E7E6E6"/>
+        <a:srgbClr val="DBEFF9"/>
       </a:lt2>
       <a:accent1>
-        <a:srgbClr val="4472C4"/>
+        <a:srgbClr val="0F6FC6"/>
       </a:accent1>
       <a:accent2>
-        <a:srgbClr val="ED7D31"/>
+        <a:srgbClr val="009DD9"/>
       </a:accent2>
       <a:accent3>
-        <a:srgbClr val="A5A5A5"/>
+        <a:srgbClr val="0BD0D9"/>
       </a:accent3>
       <a:accent4>
-        <a:srgbClr val="FFC000"/>
+        <a:srgbClr val="10CF9B"/>
       </a:accent4>
       <a:accent5>
-        <a:srgbClr val="5B9BD5"/>
+        <a:srgbClr val="7CCA62"/>
       </a:accent5>
       <a:accent6>
-        <a:srgbClr val="70AD47"/>
+        <a:srgbClr val="A5C249"/>
       </a:accent6>
       <a:hlink>
-        <a:srgbClr val="0563C1"/>
+        <a:srgbClr val="F49100"/>
       </a:hlink>
       <a:folHlink>
-        <a:srgbClr val="954F72"/>
+        <a:srgbClr val="85DFD0"/>
       </a:folHlink>
     </a:clrScheme>
-    <a:fontScheme name="Office">
+    <a:fontScheme name="Parallax">
       <a:majorFont>
-        <a:latin typeface="Calibri Light" panose="020F0302020204030204"/>
+        <a:latin typeface="Corbel" panose="020B0503020204020204"/>
         <a:ea typeface=""/>
         <a:cs typeface=""/>
-        <a:font script="Jpan" typeface="游ゴシック Light"/>
-        <a:font script="Hang" typeface="맑은 고딕"/>
-        <a:font script="Hans" typeface="等线 Light"/>
+        <a:font script="Jpan" typeface="HGｺﾞｼｯｸM"/>
+        <a:font script="Hang" typeface="HY엽서L"/>
+        <a:font script="Hans" typeface="华文楷体"/>
         <a:font script="Hant" typeface="新細明體"/>
-        <a:font script="Arab" typeface="Times New Roman"/>
-        <a:font script="Hebr" typeface="Times New Roman"/>
-        <a:font script="Thai" typeface="Angsana New"/>
-        <a:font script="Ethi" typeface="Nyala"/>
-        <a:font script="Beng" typeface="Vrinda"/>
-        <a:font script="Gujr" typeface="Shruti"/>
-        <a:font script="Khmr" typeface="MoolBoran"/>
-        <a:font script="Knda" typeface="Tunga"/>
-        <a:font script="Guru" typeface="Raavi"/>
-        <a:font script="Cans" typeface="Euphemia"/>
-        <a:font script="Cher" typeface="Plantagenet Cherokee"/>
-        <a:font script="Yiii" typeface="Microsoft Yi Baiti"/>
-        <a:font script="Tibt" typeface="Microsoft Himalaya"/>
-        <a:font script="Thaa" typeface="MV Boli"/>
-        <a:font script="Deva" typeface="Mangal"/>
-        <a:font script="Telu" typeface="Gautami"/>
-        <a:font script="Taml" typeface="Latha"/>
-        <a:font script="Syrc" typeface="Estrangelo Edessa"/>
-        <a:font script="Orya" typeface="Kalinga"/>
-        <a:font script="Mlym" typeface="Kartika"/>
-        <a:font script="Laoo" typeface="DokChampa"/>
-        <a:font script="Sinh" typeface="Iskoola Pota"/>
-        <a:font script="Mong" typeface="Mongolian Baiti"/>
-        <a:font script="Viet" typeface="Times New Roman"/>
-        <a:font script="Uigh" typeface="Microsoft Uighur"/>
-        <a:font script="Geor" typeface="Sylfaen"/>
-        <a:font script="Armn" typeface="Arial"/>
-        <a:font script="Bugi" typeface="Leelawadee UI"/>
-        <a:font script="Bopo" typeface="Microsoft JhengHei"/>
-        <a:font script="Java" typeface="Javanese Text"/>
-        <a:font script="Lisu" typeface="Segoe UI"/>
-        <a:font script="Mymr" typeface="Myanmar Text"/>
-        <a:font script="Nkoo" typeface="Ebrima"/>
-        <a:font script="Olck" typeface="Nirmala UI"/>
-        <a:font script="Osma" typeface="Ebrima"/>
-        <a:font script="Phag" typeface="Phagspa"/>
-        <a:font script="Syrn" typeface="Estrangelo Edessa"/>
-        <a:font script="Syrj" typeface="Estrangelo Edessa"/>
-        <a:font script="Syre" typeface="Estrangelo Edessa"/>
-        <a:font script="Sora" typeface="Nirmala UI"/>
-        <a:font script="Tale" typeface="Microsoft Tai Le"/>
-        <a:font script="Talu" typeface="Microsoft New Tai Lue"/>
-        <a:font script="Tfng" typeface="Ebrima"/>
-      </a:majorFont>
-      <a:minorFont>
-        <a:latin typeface="Calibri" panose="020F0502020204030204"/>
-        <a:ea typeface=""/>
-        <a:cs typeface=""/>
-        <a:font script="Jpan" typeface="游ゴシック"/>
-        <a:font script="Hang" typeface="맑은 고딕"/>
-        <a:font script="Hans" typeface="等线"/>
-        <a:font script="Hant" typeface="新細明體"/>
-        <a:font script="Arab" typeface="Arial"/>
-        <a:font script="Hebr" typeface="Arial"/>
-        <a:font script="Thai" typeface="Cordia New"/>
+        <a:font script="Arab" typeface="Tahoma"/>
+        <a:font script="Hebr" typeface="Miriam"/>
+        <a:font script="Thai" typeface="DilleniaUPC"/>
         <a:font script="Ethi" typeface="Nyala"/>
         <a:font script="Beng" typeface="Vrinda"/>
         <a:font script="Gujr" typeface="Shruti"/>
@@ -4040,26 +7737,44 @@
         <a:font script="Viet" typeface="Arial"/>
         <a:font script="Uigh" typeface="Microsoft Uighur"/>
         <a:font script="Geor" typeface="Sylfaen"/>
-        <a:font script="Armn" typeface="Arial"/>
-        <a:font script="Bugi" typeface="Leelawadee UI"/>
-        <a:font script="Bopo" typeface="Microsoft JhengHei"/>
-        <a:font script="Java" typeface="Javanese Text"/>
-        <a:font script="Lisu" typeface="Segoe UI"/>
-        <a:font script="Mymr" typeface="Myanmar Text"/>
-        <a:font script="Nkoo" typeface="Ebrima"/>
-        <a:font script="Olck" typeface="Nirmala UI"/>
-        <a:font script="Osma" typeface="Ebrima"/>
-        <a:font script="Phag" typeface="Phagspa"/>
-        <a:font script="Syrn" typeface="Estrangelo Edessa"/>
-        <a:font script="Syrj" typeface="Estrangelo Edessa"/>
-        <a:font script="Syre" typeface="Estrangelo Edessa"/>
-        <a:font script="Sora" typeface="Nirmala UI"/>
-        <a:font script="Tale" typeface="Microsoft Tai Le"/>
-        <a:font script="Talu" typeface="Microsoft New Tai Lue"/>
-        <a:font script="Tfng" typeface="Ebrima"/>
+      </a:majorFont>
+      <a:minorFont>
+        <a:latin typeface="Corbel" panose="020B0503020204020204"/>
+        <a:ea typeface=""/>
+        <a:cs typeface=""/>
+        <a:font script="Jpan" typeface="HGｺﾞｼｯｸM"/>
+        <a:font script="Hang" typeface="HY엽서L"/>
+        <a:font script="Hans" typeface="华文楷体"/>
+        <a:font script="Hant" typeface="新細明體"/>
+        <a:font script="Arab" typeface="Tahoma"/>
+        <a:font script="Hebr" typeface="Miriam"/>
+        <a:font script="Thai" typeface="DilleniaUPC"/>
+        <a:font script="Ethi" typeface="Nyala"/>
+        <a:font script="Beng" typeface="Vrinda"/>
+        <a:font script="Gujr" typeface="Shruti"/>
+        <a:font script="Khmr" typeface="DaunPenh"/>
+        <a:font script="Knda" typeface="Tunga"/>
+        <a:font script="Guru" typeface="Raavi"/>
+        <a:font script="Cans" typeface="Euphemia"/>
+        <a:font script="Cher" typeface="Plantagenet Cherokee"/>
+        <a:font script="Yiii" typeface="Microsoft Yi Baiti"/>
+        <a:font script="Tibt" typeface="Microsoft Himalaya"/>
+        <a:font script="Thaa" typeface="MV Boli"/>
+        <a:font script="Deva" typeface="Mangal"/>
+        <a:font script="Telu" typeface="Gautami"/>
+        <a:font script="Taml" typeface="Latha"/>
+        <a:font script="Syrc" typeface="Estrangelo Edessa"/>
+        <a:font script="Orya" typeface="Kalinga"/>
+        <a:font script="Mlym" typeface="Kartika"/>
+        <a:font script="Laoo" typeface="DokChampa"/>
+        <a:font script="Sinh" typeface="Iskoola Pota"/>
+        <a:font script="Mong" typeface="Mongolian Baiti"/>
+        <a:font script="Viet" typeface="Arial"/>
+        <a:font script="Uigh" typeface="Microsoft Uighur"/>
+        <a:font script="Geor" typeface="Sylfaen"/>
       </a:minorFont>
     </a:fontScheme>
-    <a:fmtScheme name="Office">
+    <a:fmtScheme name="Parallax">
       <a:fillStyleLst>
         <a:solidFill>
           <a:schemeClr val="phClr"/>
@@ -4068,23 +7783,13 @@
           <a:gsLst>
             <a:gs pos="0">
               <a:schemeClr val="phClr">
-                <a:lumMod val="110000"/>
-                <a:satMod val="105000"/>
-                <a:tint val="67000"/>
-              </a:schemeClr>
-            </a:gs>
-            <a:gs pos="50000">
-              <a:schemeClr val="phClr">
-                <a:lumMod val="105000"/>
-                <a:satMod val="103000"/>
-                <a:tint val="73000"/>
+                <a:tint val="60000"/>
+                <a:lumMod val="104000"/>
               </a:schemeClr>
             </a:gs>
             <a:gs pos="100000">
               <a:schemeClr val="phClr">
-                <a:lumMod val="105000"/>
-                <a:satMod val="109000"/>
-                <a:tint val="81000"/>
+                <a:tint val="84000"/>
               </a:schemeClr>
             </a:gs>
           </a:gsLst>
@@ -4094,50 +7799,42 @@
           <a:gsLst>
             <a:gs pos="0">
               <a:schemeClr val="phClr">
-                <a:satMod val="103000"/>
+                <a:tint val="96000"/>
                 <a:lumMod val="102000"/>
-                <a:tint val="94000"/>
-              </a:schemeClr>
-            </a:gs>
-            <a:gs pos="50000">
-              <a:schemeClr val="phClr">
-                <a:satMod val="110000"/>
-                <a:lumMod val="100000"/>
-                <a:shade val="100000"/>
               </a:schemeClr>
             </a:gs>
             <a:gs pos="100000">
               <a:schemeClr val="phClr">
-                <a:lumMod val="99000"/>
-                <a:satMod val="120000"/>
-                <a:shade val="78000"/>
+                <a:shade val="88000"/>
+                <a:lumMod val="94000"/>
               </a:schemeClr>
             </a:gs>
           </a:gsLst>
-          <a:lin ang="5400000" scaled="0"/>
+          <a:path path="circle">
+            <a:fillToRect l="50000" t="100000" r="100000" b="50000"/>
+          </a:path>
         </a:gradFill>
       </a:fillStyleLst>
       <a:lnStyleLst>
-        <a:ln w="6350" cap="flat" cmpd="sng" algn="ctr">
+        <a:ln w="9525" cap="rnd" cmpd="sng" algn="ctr">
+          <a:solidFill>
+            <a:schemeClr val="phClr">
+              <a:tint val="60000"/>
+            </a:schemeClr>
+          </a:solidFill>
+          <a:prstDash val="solid"/>
+        </a:ln>
+        <a:ln w="15875" cap="rnd" cmpd="sng" algn="ctr">
           <a:solidFill>
             <a:schemeClr val="phClr"/>
           </a:solidFill>
           <a:prstDash val="solid"/>
-          <a:miter lim="800000"/>
         </a:ln>
-        <a:ln w="12700" cap="flat" cmpd="sng" algn="ctr">
+        <a:ln w="22225" cap="rnd" cmpd="sng" algn="ctr">
           <a:solidFill>
             <a:schemeClr val="phClr"/>
           </a:solidFill>
           <a:prstDash val="solid"/>
-          <a:miter lim="800000"/>
-        </a:ln>
-        <a:ln w="19050" cap="flat" cmpd="sng" algn="ctr">
-          <a:solidFill>
-            <a:schemeClr val="phClr"/>
-          </a:solidFill>
-          <a:prstDash val="solid"/>
-          <a:miter lim="800000"/>
         </a:ln>
       </a:lnStyleLst>
       <a:effectStyleLst>
@@ -4145,55 +7842,68 @@
           <a:effectLst/>
         </a:effectStyle>
         <a:effectStyle>
-          <a:effectLst/>
+          <a:effectLst>
+            <a:reflection blurRad="12700" stA="26000" endPos="32000" dist="12700" dir="5400000" sy="-100000" rotWithShape="0"/>
+          </a:effectLst>
         </a:effectStyle>
         <a:effectStyle>
           <a:effectLst>
-            <a:outerShdw blurRad="57150" dist="19050" dir="5400000" algn="ctr" rotWithShape="0">
+            <a:outerShdw blurRad="38100" dist="25400" dir="5400000" rotWithShape="0">
               <a:srgbClr val="000000">
-                <a:alpha val="63000"/>
+                <a:alpha val="64000"/>
               </a:srgbClr>
             </a:outerShdw>
           </a:effectLst>
+          <a:scene3d>
+            <a:camera prst="orthographicFront">
+              <a:rot lat="0" lon="0" rev="0"/>
+            </a:camera>
+            <a:lightRig rig="threePt" dir="tl">
+              <a:rot lat="0" lon="0" rev="1200000"/>
+            </a:lightRig>
+          </a:scene3d>
+          <a:sp3d>
+            <a:bevelT w="25400" h="12700"/>
+          </a:sp3d>
         </a:effectStyle>
       </a:effectStyleLst>
       <a:bgFillStyleLst>
         <a:solidFill>
           <a:schemeClr val="phClr"/>
         </a:solidFill>
-        <a:solidFill>
-          <a:schemeClr val="phClr">
-            <a:tint val="95000"/>
-            <a:satMod val="170000"/>
-          </a:schemeClr>
-        </a:solidFill>
         <a:gradFill rotWithShape="1">
           <a:gsLst>
             <a:gs pos="0">
               <a:schemeClr val="phClr">
-                <a:tint val="93000"/>
-                <a:satMod val="150000"/>
-                <a:shade val="98000"/>
-                <a:lumMod val="102000"/>
-              </a:schemeClr>
-            </a:gs>
-            <a:gs pos="50000">
-              <a:schemeClr val="phClr">
-                <a:tint val="98000"/>
-                <a:satMod val="130000"/>
-                <a:shade val="90000"/>
-                <a:lumMod val="103000"/>
+                <a:tint val="90000"/>
+                <a:lumMod val="110000"/>
               </a:schemeClr>
             </a:gs>
             <a:gs pos="100000">
               <a:schemeClr val="phClr">
-                <a:shade val="63000"/>
-                <a:satMod val="120000"/>
+                <a:shade val="64000"/>
+                <a:lumMod val="98000"/>
               </a:schemeClr>
             </a:gs>
           </a:gsLst>
           <a:lin ang="5400000" scaled="0"/>
         </a:gradFill>
+        <a:blipFill rotWithShape="1">
+          <a:blip xmlns:r="http://schemas.openxmlformats.org/officeDocument/2006/relationships" r:embed="rId1">
+            <a:duotone>
+              <a:schemeClr val="phClr">
+                <a:shade val="76000"/>
+                <a:satMod val="180000"/>
+              </a:schemeClr>
+              <a:schemeClr val="phClr">
+                <a:tint val="80000"/>
+                <a:satMod val="120000"/>
+                <a:lumMod val="180000"/>
+              </a:schemeClr>
+            </a:duotone>
+          </a:blip>
+          <a:stretch/>
+        </a:blipFill>
       </a:bgFillStyleLst>
     </a:fmtScheme>
   </a:themeElements>
@@ -4201,7 +7911,7 @@
   <a:extraClrSchemeLst/>
   <a:extLst>
     <a:ext uri="{05A4C25C-085E-4340-85A3-A5531E510DB2}">
-      <thm15:themeFamily xmlns:thm15="http://schemas.microsoft.com/office/thememl/2012/main" name="Office Theme" id="{62F939B6-93AF-4DB8-9C6B-D6C7DFDC589F}" vid="{4A3C46E8-61CC-4603-A589-7422A47A8E4A}"/>
+      <thm15:themeFamily xmlns:thm15="http://schemas.microsoft.com/office/thememl/2012/main" name="Parallax" id="{3388167B-A2EB-4685-9635-1831D9AEF8C4}" vid="{4F7A876A-7598-49CA-AFC8-8EDA2551E4A7}"/>
     </a:ext>
   </a:extLst>
 </a:theme>
